--- a/EndPres.pptx
+++ b/EndPres.pptx
@@ -5,7 +5,7 @@
     <p:sldMasterId id="2147483714" r:id="rId1"/>
   </p:sldMasterIdLst>
   <p:notesMasterIdLst>
-    <p:notesMasterId r:id="rId11"/>
+    <p:notesMasterId r:id="rId15"/>
   </p:notesMasterIdLst>
   <p:sldIdLst>
     <p:sldId id="257" r:id="rId2"/>
@@ -14,9 +14,13 @@
     <p:sldId id="271" r:id="rId5"/>
     <p:sldId id="272" r:id="rId6"/>
     <p:sldId id="273" r:id="rId7"/>
-    <p:sldId id="270" r:id="rId8"/>
-    <p:sldId id="268" r:id="rId9"/>
-    <p:sldId id="269" r:id="rId10"/>
+    <p:sldId id="274" r:id="rId8"/>
+    <p:sldId id="275" r:id="rId9"/>
+    <p:sldId id="276" r:id="rId10"/>
+    <p:sldId id="270" r:id="rId11"/>
+    <p:sldId id="268" r:id="rId12"/>
+    <p:sldId id="269" r:id="rId13"/>
+    <p:sldId id="277" r:id="rId14"/>
   </p:sldIdLst>
   <p:sldSz cx="12192000" cy="6858000"/>
   <p:notesSz cx="6858000" cy="9144000"/>
@@ -492,7 +496,7 @@
       </p:grpSpPr>
       <p:sp>
         <p:nvSpPr>
-          <p:cNvPr id="2" name="Tijdelijke aanduiding voor dia-afbeelding 1"/>
+          <p:cNvPr id="2" name="Slide Image Placeholder 1"/>
           <p:cNvSpPr>
             <a:spLocks noGrp="1" noRot="1" noChangeAspect="1"/>
           </p:cNvSpPr>
@@ -504,7 +508,7 @@
       </p:sp>
       <p:sp>
         <p:nvSpPr>
-          <p:cNvPr id="3" name="Tijdelijke aanduiding voor notities 2"/>
+          <p:cNvPr id="3" name="Notes Placeholder 2"/>
           <p:cNvSpPr>
             <a:spLocks noGrp="1"/>
           </p:cNvSpPr>
@@ -518,349 +522,16 @@
           <a:lstStyle/>
           <a:p>
             <a:r>
-              <a:rPr lang="en-GB" dirty="0" err="1"/>
-              <a:t>Optie</a:t>
-            </a:r>
-            <a:r>
-              <a:rPr lang="en-GB" dirty="0"/>
-              <a:t> 1</a:t>
-            </a:r>
-          </a:p>
-          <a:p>
-            <a:pPr marL="171450" indent="-171450">
-              <a:buFontTx/>
-              <a:buChar char="-"/>
-            </a:pPr>
-            <a:r>
-              <a:rPr lang="en-GB" dirty="0"/>
-              <a:t>Per huis top 5 </a:t>
-            </a:r>
-            <a:r>
-              <a:rPr lang="en-GB" dirty="0" err="1"/>
-              <a:t>batterijafstand</a:t>
-            </a:r>
-            <a:r>
-              <a:rPr lang="en-GB" dirty="0"/>
-              <a:t> </a:t>
-            </a:r>
-            <a:r>
-              <a:rPr lang="en-GB" dirty="0" err="1"/>
-              <a:t>te</a:t>
-            </a:r>
-            <a:r>
-              <a:rPr lang="en-GB" dirty="0"/>
-              <a:t> </a:t>
-            </a:r>
-            <a:r>
-              <a:rPr lang="en-GB" dirty="0" err="1"/>
-              <a:t>maken</a:t>
-            </a:r>
-            <a:endParaRPr lang="en-GB" dirty="0"/>
-          </a:p>
-          <a:p>
-            <a:pPr marL="628650" lvl="1" indent="-171450">
-              <a:buFontTx/>
-              <a:buChar char="-"/>
-            </a:pPr>
-            <a:r>
-              <a:rPr lang="en-GB" dirty="0" err="1"/>
-              <a:t>Welke</a:t>
-            </a:r>
-            <a:r>
-              <a:rPr lang="en-GB" dirty="0"/>
-              <a:t> </a:t>
-            </a:r>
-            <a:r>
-              <a:rPr lang="en-GB" dirty="0" err="1"/>
-              <a:t>huizen</a:t>
-            </a:r>
-            <a:r>
-              <a:rPr lang="en-GB" dirty="0"/>
-              <a:t> </a:t>
-            </a:r>
-            <a:r>
-              <a:rPr lang="en-GB" dirty="0" err="1"/>
-              <a:t>hebben</a:t>
-            </a:r>
-            <a:r>
-              <a:rPr lang="en-GB" dirty="0"/>
-              <a:t> </a:t>
-            </a:r>
-            <a:r>
-              <a:rPr lang="en-GB" dirty="0" err="1"/>
-              <a:t>prioriteit</a:t>
-            </a:r>
-            <a:r>
-              <a:rPr lang="en-GB" dirty="0"/>
-              <a:t>: </a:t>
-            </a:r>
-            <a:r>
-              <a:rPr lang="en-GB" dirty="0" err="1"/>
-              <a:t>dichstbijzijnde</a:t>
-            </a:r>
-            <a:r>
-              <a:rPr lang="en-GB" dirty="0"/>
-              <a:t> </a:t>
-            </a:r>
-            <a:r>
-              <a:rPr lang="en-GB" dirty="0" err="1"/>
-              <a:t>en</a:t>
-            </a:r>
-            <a:r>
-              <a:rPr lang="en-GB" dirty="0"/>
-              <a:t> </a:t>
-            </a:r>
-            <a:r>
-              <a:rPr lang="en-GB" dirty="0" err="1"/>
-              <a:t>verafstaande</a:t>
-            </a:r>
-            <a:endParaRPr lang="en-GB" dirty="0"/>
-          </a:p>
-          <a:p>
-            <a:pPr marL="171450" indent="-171450">
-              <a:buFontTx/>
-              <a:buChar char="-"/>
-            </a:pPr>
-            <a:r>
-              <a:rPr lang="en-GB" dirty="0" err="1"/>
-              <a:t>Als</a:t>
-            </a:r>
-            <a:r>
-              <a:rPr lang="en-GB" dirty="0"/>
-              <a:t> </a:t>
-            </a:r>
-            <a:r>
-              <a:rPr lang="en-GB" dirty="0" err="1"/>
-              <a:t>batterij</a:t>
-            </a:r>
-            <a:r>
-              <a:rPr lang="en-GB" dirty="0"/>
-              <a:t> </a:t>
-            </a:r>
-            <a:r>
-              <a:rPr lang="en-GB" dirty="0" err="1"/>
-              <a:t>volle</a:t>
-            </a:r>
-            <a:r>
-              <a:rPr lang="en-GB" dirty="0"/>
-              <a:t> </a:t>
-            </a:r>
-            <a:r>
-              <a:rPr lang="en-GB" dirty="0" err="1"/>
-              <a:t>capaciteit</a:t>
-            </a:r>
-            <a:r>
-              <a:rPr lang="en-GB" dirty="0"/>
-              <a:t> </a:t>
-            </a:r>
-            <a:r>
-              <a:rPr lang="en-GB" dirty="0" err="1"/>
-              <a:t>bezit</a:t>
-            </a:r>
-            <a:r>
-              <a:rPr lang="en-GB" dirty="0"/>
-              <a:t>, </a:t>
-            </a:r>
-            <a:r>
-              <a:rPr lang="en-GB" dirty="0" err="1"/>
-              <a:t>zoek</a:t>
-            </a:r>
-            <a:r>
-              <a:rPr lang="en-GB" dirty="0"/>
-              <a:t> de </a:t>
-            </a:r>
-            <a:r>
-              <a:rPr lang="en-GB" dirty="0" err="1"/>
-              <a:t>volgende</a:t>
-            </a:r>
-            <a:r>
-              <a:rPr lang="en-GB" dirty="0"/>
-              <a:t> </a:t>
-            </a:r>
-            <a:r>
-              <a:rPr lang="en-GB" dirty="0" err="1"/>
-              <a:t>dichstbijzijnde</a:t>
-            </a:r>
-            <a:r>
-              <a:rPr lang="en-GB" dirty="0"/>
-              <a:t> </a:t>
-            </a:r>
-            <a:r>
-              <a:rPr lang="en-GB" dirty="0" err="1"/>
-              <a:t>batterij</a:t>
-            </a:r>
-            <a:endParaRPr lang="en-GB" dirty="0"/>
-          </a:p>
-          <a:p>
-            <a:pPr marL="171450" indent="-171450">
-              <a:buFontTx/>
-              <a:buChar char="-"/>
-            </a:pPr>
-            <a:endParaRPr lang="en-GB" dirty="0"/>
-          </a:p>
-          <a:p>
-            <a:pPr marL="0" indent="0">
-              <a:buFontTx/>
-              <a:buNone/>
-            </a:pPr>
-            <a:r>
-              <a:rPr lang="en-GB" dirty="0" err="1"/>
-              <a:t>Optie</a:t>
-            </a:r>
-            <a:r>
-              <a:rPr lang="en-GB" dirty="0"/>
-              <a:t> 2</a:t>
-            </a:r>
-          </a:p>
-          <a:p>
-            <a:pPr marL="171450" indent="-171450">
-              <a:buFontTx/>
-              <a:buChar char="-"/>
-            </a:pPr>
-            <a:r>
-              <a:rPr lang="en-GB" dirty="0" err="1"/>
-              <a:t>Alle</a:t>
-            </a:r>
-            <a:r>
-              <a:rPr lang="en-GB" dirty="0"/>
-              <a:t> </a:t>
-            </a:r>
-            <a:r>
-              <a:rPr lang="en-GB" dirty="0" err="1"/>
-              <a:t>huizen</a:t>
-            </a:r>
-            <a:r>
-              <a:rPr lang="en-GB" dirty="0"/>
-              <a:t> </a:t>
-            </a:r>
-            <a:r>
-              <a:rPr lang="en-GB" dirty="0" err="1"/>
-              <a:t>verbinden</a:t>
-            </a:r>
-            <a:r>
-              <a:rPr lang="en-GB" dirty="0"/>
-              <a:t> met </a:t>
-            </a:r>
-            <a:r>
-              <a:rPr lang="en-GB" dirty="0" err="1"/>
-              <a:t>dischtbijzijnde</a:t>
-            </a:r>
-            <a:endParaRPr lang="en-GB" dirty="0"/>
-          </a:p>
-          <a:p>
-            <a:pPr marL="171450" indent="-171450">
-              <a:buFontTx/>
-              <a:buChar char="-"/>
-            </a:pPr>
-            <a:r>
-              <a:rPr lang="en-GB" dirty="0" err="1"/>
-              <a:t>Welke</a:t>
-            </a:r>
-            <a:r>
-              <a:rPr lang="en-GB" dirty="0"/>
-              <a:t> </a:t>
-            </a:r>
-            <a:r>
-              <a:rPr lang="en-GB" dirty="0" err="1"/>
-              <a:t>batterijen</a:t>
-            </a:r>
-            <a:r>
-              <a:rPr lang="en-GB" dirty="0"/>
-              <a:t> </a:t>
-            </a:r>
-            <a:r>
-              <a:rPr lang="en-GB" dirty="0" err="1"/>
-              <a:t>zitten</a:t>
-            </a:r>
-            <a:r>
-              <a:rPr lang="en-GB" dirty="0"/>
-              <a:t> vol? </a:t>
-            </a:r>
-            <a:r>
-              <a:rPr lang="en-GB" dirty="0">
-                <a:sym typeface="Wingdings" panose="05000000000000000000" pitchFamily="2" charset="2"/>
-              </a:rPr>
-              <a:t> </a:t>
-            </a:r>
-            <a:r>
-              <a:rPr lang="en-GB" dirty="0" err="1">
-                <a:sym typeface="Wingdings" panose="05000000000000000000" pitchFamily="2" charset="2"/>
-              </a:rPr>
-              <a:t>verplaats</a:t>
-            </a:r>
-            <a:r>
-              <a:rPr lang="en-GB" dirty="0">
-                <a:sym typeface="Wingdings" panose="05000000000000000000" pitchFamily="2" charset="2"/>
-              </a:rPr>
-              <a:t> </a:t>
-            </a:r>
-            <a:r>
-              <a:rPr lang="en-GB" dirty="0" err="1">
-                <a:sym typeface="Wingdings" panose="05000000000000000000" pitchFamily="2" charset="2"/>
-              </a:rPr>
-              <a:t>verbindingen</a:t>
-            </a:r>
-            <a:r>
-              <a:rPr lang="en-GB" dirty="0">
-                <a:sym typeface="Wingdings" panose="05000000000000000000" pitchFamily="2" charset="2"/>
-              </a:rPr>
-              <a:t> </a:t>
-            </a:r>
-            <a:r>
-              <a:rPr lang="en-GB" dirty="0" err="1">
-                <a:sym typeface="Wingdings" panose="05000000000000000000" pitchFamily="2" charset="2"/>
-              </a:rPr>
-              <a:t>naar</a:t>
-            </a:r>
-            <a:r>
-              <a:rPr lang="en-GB" dirty="0">
-                <a:sym typeface="Wingdings" panose="05000000000000000000" pitchFamily="2" charset="2"/>
-              </a:rPr>
-              <a:t> de </a:t>
-            </a:r>
-            <a:r>
-              <a:rPr lang="en-GB" dirty="0" err="1">
-                <a:sym typeface="Wingdings" panose="05000000000000000000" pitchFamily="2" charset="2"/>
-              </a:rPr>
-              <a:t>volgende</a:t>
-            </a:r>
-            <a:r>
-              <a:rPr lang="en-GB" dirty="0">
-                <a:sym typeface="Wingdings" panose="05000000000000000000" pitchFamily="2" charset="2"/>
-              </a:rPr>
-              <a:t> </a:t>
-            </a:r>
-            <a:r>
-              <a:rPr lang="en-GB" dirty="0" err="1">
-                <a:sym typeface="Wingdings" panose="05000000000000000000" pitchFamily="2" charset="2"/>
-              </a:rPr>
-              <a:t>dichstbijzijnde</a:t>
-            </a:r>
-            <a:endParaRPr lang="en-GB" dirty="0">
-              <a:sym typeface="Wingdings" panose="05000000000000000000" pitchFamily="2" charset="2"/>
-            </a:endParaRPr>
-          </a:p>
-          <a:p>
-            <a:pPr marL="171450" indent="-171450">
-              <a:buFontTx/>
-              <a:buChar char="-"/>
-            </a:pPr>
-            <a:r>
-              <a:rPr lang="en-GB" dirty="0">
-                <a:sym typeface="Wingdings" panose="05000000000000000000" pitchFamily="2" charset="2"/>
-              </a:rPr>
-              <a:t>Rinse repeat</a:t>
-            </a:r>
-            <a:endParaRPr lang="en-GB" dirty="0"/>
-          </a:p>
-          <a:p>
-            <a:endParaRPr lang="en-GB" dirty="0"/>
-          </a:p>
-        </p:txBody>
-      </p:sp>
-      <p:sp>
-        <p:nvSpPr>
-          <p:cNvPr id="4" name="Tijdelijke aanduiding voor dianummer 3"/>
+              <a:rPr lang="en-US" dirty="0" err="1"/>
+              <a:t>Zebez</a:t>
+            </a:r>
+            <a:endParaRPr lang="nl-NL" dirty="0"/>
+          </a:p>
+        </p:txBody>
+      </p:sp>
+      <p:sp>
+        <p:nvSpPr>
+          <p:cNvPr id="4" name="Slide Number Placeholder 3"/>
           <p:cNvSpPr>
             <a:spLocks noGrp="1"/>
           </p:cNvSpPr>
@@ -873,18 +544,18 @@
           <a:bodyPr/>
           <a:lstStyle/>
           <a:p>
-            <a:fld id="{1172A914-85E4-49F8-BAD2-81004C6695C1}" type="slidenum">
-              <a:rPr lang="en-GB" smtClean="0"/>
-              <a:t>3</a:t>
+            <a:fld id="{7E89BABF-119A-4ABA-81FB-ADE9A0136724}" type="slidenum">
+              <a:rPr lang="nl-NL" smtClean="0"/>
+              <a:t>2</a:t>
             </a:fld>
-            <a:endParaRPr lang="en-GB"/>
+            <a:endParaRPr lang="nl-NL"/>
           </a:p>
         </p:txBody>
       </p:sp>
     </p:spTree>
     <p:extLst>
       <p:ext uri="{BB962C8B-B14F-4D97-AF65-F5344CB8AC3E}">
-        <p14:creationId xmlns:p14="http://schemas.microsoft.com/office/powerpoint/2010/main" val="1955107769"/>
+        <p14:creationId xmlns:p14="http://schemas.microsoft.com/office/powerpoint/2010/main" val="747358705"/>
       </p:ext>
     </p:extLst>
   </p:cSld>
@@ -913,7 +584,7 @@
       </p:grpSpPr>
       <p:sp>
         <p:nvSpPr>
-          <p:cNvPr id="2" name="Slide Image Placeholder 1"/>
+          <p:cNvPr id="2" name="Tijdelijke aanduiding voor dia-afbeelding 1"/>
           <p:cNvSpPr>
             <a:spLocks noGrp="1" noRot="1" noChangeAspect="1"/>
           </p:cNvSpPr>
@@ -925,7 +596,7 @@
       </p:sp>
       <p:sp>
         <p:nvSpPr>
-          <p:cNvPr id="3" name="Notes Placeholder 2"/>
+          <p:cNvPr id="3" name="Tijdelijke aanduiding voor notities 2"/>
           <p:cNvSpPr>
             <a:spLocks noGrp="1"/>
           </p:cNvSpPr>
@@ -939,52 +610,383 @@
           <a:lstStyle/>
           <a:p>
             <a:r>
-              <a:rPr lang="en-US" dirty="0"/>
-              <a:t>Hill climber </a:t>
-            </a:r>
+              <a:rPr lang="en-GB" dirty="0"/>
+              <a:t>Relocate </a:t>
+            </a:r>
+            <a:r>
+              <a:rPr lang="en-GB" dirty="0" err="1"/>
+              <a:t>en</a:t>
+            </a:r>
+            <a:r>
+              <a:rPr lang="en-GB" dirty="0"/>
+              <a:t> Configure </a:t>
+            </a:r>
+            <a:r>
+              <a:rPr lang="en-GB" dirty="0" err="1"/>
+              <a:t>mogelijk</a:t>
+            </a:r>
+            <a:r>
+              <a:rPr lang="en-GB" dirty="0"/>
+              <a:t> </a:t>
+            </a:r>
+            <a:r>
+              <a:rPr lang="en-GB" dirty="0" err="1"/>
+              <a:t>uitleggen</a:t>
+            </a:r>
+            <a:r>
+              <a:rPr lang="en-GB" dirty="0"/>
+              <a:t>?</a:t>
+            </a:r>
+          </a:p>
+        </p:txBody>
+      </p:sp>
+      <p:sp>
+        <p:nvSpPr>
+          <p:cNvPr id="4" name="Tijdelijke aanduiding voor dianummer 3"/>
+          <p:cNvSpPr>
+            <a:spLocks noGrp="1"/>
+          </p:cNvSpPr>
+          <p:nvPr>
+            <p:ph type="sldNum" sz="quarter" idx="5"/>
+          </p:nvPr>
+        </p:nvSpPr>
+        <p:spPr/>
+        <p:txBody>
+          <a:bodyPr/>
+          <a:lstStyle/>
+          <a:p>
+            <a:fld id="{1172A914-85E4-49F8-BAD2-81004C6695C1}" type="slidenum">
+              <a:rPr lang="en-GB" smtClean="0"/>
+              <a:t>3</a:t>
+            </a:fld>
+            <a:endParaRPr lang="en-GB"/>
+          </a:p>
+        </p:txBody>
+      </p:sp>
+    </p:spTree>
+    <p:extLst>
+      <p:ext uri="{BB962C8B-B14F-4D97-AF65-F5344CB8AC3E}">
+        <p14:creationId xmlns:p14="http://schemas.microsoft.com/office/powerpoint/2010/main" val="1955107769"/>
+      </p:ext>
+    </p:extLst>
+  </p:cSld>
+  <p:clrMapOvr>
+    <a:masterClrMapping/>
+  </p:clrMapOvr>
+</p:notes>
+</file>
+
+<file path=ppt/notesSlides/notesSlide3.xml><?xml version="1.0" encoding="utf-8"?>
+<p:notes xmlns:a="http://schemas.openxmlformats.org/drawingml/2006/main" xmlns:r="http://schemas.openxmlformats.org/officeDocument/2006/relationships" xmlns:p="http://schemas.openxmlformats.org/presentationml/2006/main">
+  <p:cSld>
+    <p:spTree>
+      <p:nvGrpSpPr>
+        <p:cNvPr id="1" name=""/>
+        <p:cNvGrpSpPr/>
+        <p:nvPr/>
+      </p:nvGrpSpPr>
+      <p:grpSpPr>
+        <a:xfrm>
+          <a:off x="0" y="0"/>
+          <a:ext cx="0" cy="0"/>
+          <a:chOff x="0" y="0"/>
+          <a:chExt cx="0" cy="0"/>
+        </a:xfrm>
+      </p:grpSpPr>
+      <p:sp>
+        <p:nvSpPr>
+          <p:cNvPr id="2" name="Slide Image Placeholder 1"/>
+          <p:cNvSpPr>
+            <a:spLocks noGrp="1" noRot="1" noChangeAspect="1"/>
+          </p:cNvSpPr>
+          <p:nvPr>
+            <p:ph type="sldImg"/>
+          </p:nvPr>
+        </p:nvSpPr>
+        <p:spPr/>
+      </p:sp>
+      <p:sp>
+        <p:nvSpPr>
+          <p:cNvPr id="3" name="Notes Placeholder 2"/>
+          <p:cNvSpPr>
+            <a:spLocks noGrp="1"/>
+          </p:cNvSpPr>
+          <p:nvPr>
+            <p:ph type="body" idx="1"/>
+          </p:nvPr>
+        </p:nvSpPr>
+        <p:spPr/>
+        <p:txBody>
+          <a:bodyPr/>
+          <a:lstStyle/>
+          <a:p>
             <a:r>
               <a:rPr lang="en-US" dirty="0" err="1"/>
-              <a:t>lijn</a:t>
-            </a:r>
-            <a:r>
-              <a:rPr lang="en-US" dirty="0"/>
-              <a:t> </a:t>
-            </a:r>
+              <a:t>zebaz</a:t>
+            </a:r>
+            <a:endParaRPr lang="nl-NL" dirty="0"/>
+          </a:p>
+        </p:txBody>
+      </p:sp>
+      <p:sp>
+        <p:nvSpPr>
+          <p:cNvPr id="4" name="Slide Number Placeholder 3"/>
+          <p:cNvSpPr>
+            <a:spLocks noGrp="1"/>
+          </p:cNvSpPr>
+          <p:nvPr>
+            <p:ph type="sldNum" sz="quarter" idx="5"/>
+          </p:nvPr>
+        </p:nvSpPr>
+        <p:spPr/>
+        <p:txBody>
+          <a:bodyPr/>
+          <a:lstStyle/>
+          <a:p>
+            <a:fld id="{7E89BABF-119A-4ABA-81FB-ADE9A0136724}" type="slidenum">
+              <a:rPr lang="nl-NL" smtClean="0"/>
+              <a:t>4</a:t>
+            </a:fld>
+            <a:endParaRPr lang="nl-NL"/>
+          </a:p>
+        </p:txBody>
+      </p:sp>
+    </p:spTree>
+    <p:extLst>
+      <p:ext uri="{BB962C8B-B14F-4D97-AF65-F5344CB8AC3E}">
+        <p14:creationId xmlns:p14="http://schemas.microsoft.com/office/powerpoint/2010/main" val="4182144129"/>
+      </p:ext>
+    </p:extLst>
+  </p:cSld>
+  <p:clrMapOvr>
+    <a:masterClrMapping/>
+  </p:clrMapOvr>
+</p:notes>
+</file>
+
+<file path=ppt/notesSlides/notesSlide4.xml><?xml version="1.0" encoding="utf-8"?>
+<p:notes xmlns:a="http://schemas.openxmlformats.org/drawingml/2006/main" xmlns:r="http://schemas.openxmlformats.org/officeDocument/2006/relationships" xmlns:p="http://schemas.openxmlformats.org/presentationml/2006/main">
+  <p:cSld>
+    <p:spTree>
+      <p:nvGrpSpPr>
+        <p:cNvPr id="1" name=""/>
+        <p:cNvGrpSpPr/>
+        <p:nvPr/>
+      </p:nvGrpSpPr>
+      <p:grpSpPr>
+        <a:xfrm>
+          <a:off x="0" y="0"/>
+          <a:ext cx="0" cy="0"/>
+          <a:chOff x="0" y="0"/>
+          <a:chExt cx="0" cy="0"/>
+        </a:xfrm>
+      </p:grpSpPr>
+      <p:sp>
+        <p:nvSpPr>
+          <p:cNvPr id="2" name="Slide Image Placeholder 1"/>
+          <p:cNvSpPr>
+            <a:spLocks noGrp="1" noRot="1" noChangeAspect="1"/>
+          </p:cNvSpPr>
+          <p:nvPr>
+            <p:ph type="sldImg"/>
+          </p:nvPr>
+        </p:nvSpPr>
+        <p:spPr/>
+      </p:sp>
+      <p:sp>
+        <p:nvSpPr>
+          <p:cNvPr id="3" name="Notes Placeholder 2"/>
+          <p:cNvSpPr>
+            <a:spLocks noGrp="1"/>
+          </p:cNvSpPr>
+          <p:nvPr>
+            <p:ph type="body" idx="1"/>
+          </p:nvPr>
+        </p:nvSpPr>
+        <p:spPr/>
+        <p:txBody>
+          <a:bodyPr/>
+          <a:lstStyle/>
+          <a:p>
             <a:r>
               <a:rPr lang="en-US" dirty="0" err="1"/>
-              <a:t>omdat</a:t>
-            </a:r>
-            <a:r>
-              <a:rPr lang="en-US" dirty="0"/>
-              <a:t> de </a:t>
-            </a:r>
+              <a:t>jul</a:t>
+            </a:r>
+            <a:endParaRPr lang="nl-NL" dirty="0"/>
+          </a:p>
+        </p:txBody>
+      </p:sp>
+      <p:sp>
+        <p:nvSpPr>
+          <p:cNvPr id="4" name="Slide Number Placeholder 3"/>
+          <p:cNvSpPr>
+            <a:spLocks noGrp="1"/>
+          </p:cNvSpPr>
+          <p:nvPr>
+            <p:ph type="sldNum" sz="quarter" idx="5"/>
+          </p:nvPr>
+        </p:nvSpPr>
+        <p:spPr/>
+        <p:txBody>
+          <a:bodyPr/>
+          <a:lstStyle/>
+          <a:p>
+            <a:fld id="{7E89BABF-119A-4ABA-81FB-ADE9A0136724}" type="slidenum">
+              <a:rPr lang="nl-NL" smtClean="0"/>
+              <a:t>5</a:t>
+            </a:fld>
+            <a:endParaRPr lang="nl-NL"/>
+          </a:p>
+        </p:txBody>
+      </p:sp>
+    </p:spTree>
+    <p:extLst>
+      <p:ext uri="{BB962C8B-B14F-4D97-AF65-F5344CB8AC3E}">
+        <p14:creationId xmlns:p14="http://schemas.microsoft.com/office/powerpoint/2010/main" val="34538359"/>
+      </p:ext>
+    </p:extLst>
+  </p:cSld>
+  <p:clrMapOvr>
+    <a:masterClrMapping/>
+  </p:clrMapOvr>
+</p:notes>
+</file>
+
+<file path=ppt/notesSlides/notesSlide5.xml><?xml version="1.0" encoding="utf-8"?>
+<p:notes xmlns:a="http://schemas.openxmlformats.org/drawingml/2006/main" xmlns:r="http://schemas.openxmlformats.org/officeDocument/2006/relationships" xmlns:p="http://schemas.openxmlformats.org/presentationml/2006/main">
+  <p:cSld>
+    <p:spTree>
+      <p:nvGrpSpPr>
+        <p:cNvPr id="1" name=""/>
+        <p:cNvGrpSpPr/>
+        <p:nvPr/>
+      </p:nvGrpSpPr>
+      <p:grpSpPr>
+        <a:xfrm>
+          <a:off x="0" y="0"/>
+          <a:ext cx="0" cy="0"/>
+          <a:chOff x="0" y="0"/>
+          <a:chExt cx="0" cy="0"/>
+        </a:xfrm>
+      </p:grpSpPr>
+      <p:sp>
+        <p:nvSpPr>
+          <p:cNvPr id="2" name="Slide Image Placeholder 1"/>
+          <p:cNvSpPr>
+            <a:spLocks noGrp="1" noRot="1" noChangeAspect="1"/>
+          </p:cNvSpPr>
+          <p:nvPr>
+            <p:ph type="sldImg"/>
+          </p:nvPr>
+        </p:nvSpPr>
+        <p:spPr/>
+      </p:sp>
+      <p:sp>
+        <p:nvSpPr>
+          <p:cNvPr id="3" name="Notes Placeholder 2"/>
+          <p:cNvSpPr>
+            <a:spLocks noGrp="1"/>
+          </p:cNvSpPr>
+          <p:nvPr>
+            <p:ph type="body" idx="1"/>
+          </p:nvPr>
+        </p:nvSpPr>
+        <p:spPr/>
+        <p:txBody>
+          <a:bodyPr/>
+          <a:lstStyle/>
+          <a:p>
             <a:r>
               <a:rPr lang="en-US" dirty="0" err="1"/>
-              <a:t>grafiek</a:t>
-            </a:r>
-            <a:r>
-              <a:rPr lang="en-US" dirty="0"/>
-              <a:t> </a:t>
-            </a:r>
+              <a:t>jul</a:t>
+            </a:r>
+            <a:endParaRPr lang="nl-NL" dirty="0"/>
+          </a:p>
+        </p:txBody>
+      </p:sp>
+      <p:sp>
+        <p:nvSpPr>
+          <p:cNvPr id="4" name="Slide Number Placeholder 3"/>
+          <p:cNvSpPr>
+            <a:spLocks noGrp="1"/>
+          </p:cNvSpPr>
+          <p:nvPr>
+            <p:ph type="sldNum" sz="quarter" idx="5"/>
+          </p:nvPr>
+        </p:nvSpPr>
+        <p:spPr/>
+        <p:txBody>
+          <a:bodyPr/>
+          <a:lstStyle/>
+          <a:p>
+            <a:fld id="{7E89BABF-119A-4ABA-81FB-ADE9A0136724}" type="slidenum">
+              <a:rPr lang="nl-NL" smtClean="0"/>
+              <a:t>6</a:t>
+            </a:fld>
+            <a:endParaRPr lang="nl-NL"/>
+          </a:p>
+        </p:txBody>
+      </p:sp>
+    </p:spTree>
+    <p:extLst>
+      <p:ext uri="{BB962C8B-B14F-4D97-AF65-F5344CB8AC3E}">
+        <p14:creationId xmlns:p14="http://schemas.microsoft.com/office/powerpoint/2010/main" val="1333291252"/>
+      </p:ext>
+    </p:extLst>
+  </p:cSld>
+  <p:clrMapOvr>
+    <a:masterClrMapping/>
+  </p:clrMapOvr>
+</p:notes>
+</file>
+
+<file path=ppt/notesSlides/notesSlide6.xml><?xml version="1.0" encoding="utf-8"?>
+<p:notes xmlns:a="http://schemas.openxmlformats.org/drawingml/2006/main" xmlns:r="http://schemas.openxmlformats.org/officeDocument/2006/relationships" xmlns:p="http://schemas.openxmlformats.org/presentationml/2006/main">
+  <p:cSld>
+    <p:spTree>
+      <p:nvGrpSpPr>
+        <p:cNvPr id="1" name=""/>
+        <p:cNvGrpSpPr/>
+        <p:nvPr/>
+      </p:nvGrpSpPr>
+      <p:grpSpPr>
+        <a:xfrm>
+          <a:off x="0" y="0"/>
+          <a:ext cx="0" cy="0"/>
+          <a:chOff x="0" y="0"/>
+          <a:chExt cx="0" cy="0"/>
+        </a:xfrm>
+      </p:grpSpPr>
+      <p:sp>
+        <p:nvSpPr>
+          <p:cNvPr id="2" name="Slide Image Placeholder 1"/>
+          <p:cNvSpPr>
+            <a:spLocks noGrp="1" noRot="1" noChangeAspect="1"/>
+          </p:cNvSpPr>
+          <p:nvPr>
+            <p:ph type="sldImg"/>
+          </p:nvPr>
+        </p:nvSpPr>
+        <p:spPr/>
+      </p:sp>
+      <p:sp>
+        <p:nvSpPr>
+          <p:cNvPr id="3" name="Notes Placeholder 2"/>
+          <p:cNvSpPr>
+            <a:spLocks noGrp="1"/>
+          </p:cNvSpPr>
+          <p:nvPr>
+            <p:ph type="body" idx="1"/>
+          </p:nvPr>
+        </p:nvSpPr>
+        <p:spPr/>
+        <p:txBody>
+          <a:bodyPr/>
+          <a:lstStyle/>
+          <a:p>
             <a:r>
               <a:rPr lang="en-US" dirty="0" err="1"/>
-              <a:t>anders</a:t>
-            </a:r>
-            <a:r>
-              <a:rPr lang="en-US" dirty="0"/>
-              <a:t> </a:t>
-            </a:r>
-            <a:r>
-              <a:rPr lang="en-US" dirty="0" err="1"/>
-              <a:t>onduidelijk</a:t>
-            </a:r>
-            <a:r>
-              <a:rPr lang="en-US" dirty="0"/>
-              <a:t> </a:t>
-            </a:r>
-            <a:r>
-              <a:rPr lang="en-US" dirty="0" err="1"/>
-              <a:t>wordt</a:t>
+              <a:t>jul</a:t>
             </a:r>
             <a:endParaRPr lang="nl-NL" dirty="0"/>
           </a:p>
@@ -1008,6 +1010,310 @@
             <a:fld id="{7E89BABF-119A-4ABA-81FB-ADE9A0136724}" type="slidenum">
               <a:rPr lang="nl-NL" smtClean="0"/>
               <a:t>7</a:t>
+            </a:fld>
+            <a:endParaRPr lang="nl-NL"/>
+          </a:p>
+        </p:txBody>
+      </p:sp>
+    </p:spTree>
+    <p:extLst>
+      <p:ext uri="{BB962C8B-B14F-4D97-AF65-F5344CB8AC3E}">
+        <p14:creationId xmlns:p14="http://schemas.microsoft.com/office/powerpoint/2010/main" val="3048721461"/>
+      </p:ext>
+    </p:extLst>
+  </p:cSld>
+  <p:clrMapOvr>
+    <a:masterClrMapping/>
+  </p:clrMapOvr>
+</p:notes>
+</file>
+
+<file path=ppt/notesSlides/notesSlide7.xml><?xml version="1.0" encoding="utf-8"?>
+<p:notes xmlns:a="http://schemas.openxmlformats.org/drawingml/2006/main" xmlns:r="http://schemas.openxmlformats.org/officeDocument/2006/relationships" xmlns:p="http://schemas.openxmlformats.org/presentationml/2006/main">
+  <p:cSld>
+    <p:spTree>
+      <p:nvGrpSpPr>
+        <p:cNvPr id="1" name=""/>
+        <p:cNvGrpSpPr/>
+        <p:nvPr/>
+      </p:nvGrpSpPr>
+      <p:grpSpPr>
+        <a:xfrm>
+          <a:off x="0" y="0"/>
+          <a:ext cx="0" cy="0"/>
+          <a:chOff x="0" y="0"/>
+          <a:chExt cx="0" cy="0"/>
+        </a:xfrm>
+      </p:grpSpPr>
+      <p:sp>
+        <p:nvSpPr>
+          <p:cNvPr id="2" name="Slide Image Placeholder 1"/>
+          <p:cNvSpPr>
+            <a:spLocks noGrp="1" noRot="1" noChangeAspect="1"/>
+          </p:cNvSpPr>
+          <p:nvPr>
+            <p:ph type="sldImg"/>
+          </p:nvPr>
+        </p:nvSpPr>
+        <p:spPr/>
+      </p:sp>
+      <p:sp>
+        <p:nvSpPr>
+          <p:cNvPr id="3" name="Notes Placeholder 2"/>
+          <p:cNvSpPr>
+            <a:spLocks noGrp="1"/>
+          </p:cNvSpPr>
+          <p:nvPr>
+            <p:ph type="body" idx="1"/>
+          </p:nvPr>
+        </p:nvSpPr>
+        <p:spPr/>
+        <p:txBody>
+          <a:bodyPr/>
+          <a:lstStyle/>
+          <a:p>
+            <a:r>
+              <a:rPr lang="en-US" dirty="0" err="1"/>
+              <a:t>jul</a:t>
+            </a:r>
+            <a:endParaRPr lang="nl-NL" dirty="0"/>
+          </a:p>
+        </p:txBody>
+      </p:sp>
+      <p:sp>
+        <p:nvSpPr>
+          <p:cNvPr id="4" name="Slide Number Placeholder 3"/>
+          <p:cNvSpPr>
+            <a:spLocks noGrp="1"/>
+          </p:cNvSpPr>
+          <p:nvPr>
+            <p:ph type="sldNum" sz="quarter" idx="5"/>
+          </p:nvPr>
+        </p:nvSpPr>
+        <p:spPr/>
+        <p:txBody>
+          <a:bodyPr/>
+          <a:lstStyle/>
+          <a:p>
+            <a:fld id="{7E89BABF-119A-4ABA-81FB-ADE9A0136724}" type="slidenum">
+              <a:rPr lang="nl-NL" smtClean="0"/>
+              <a:t>8</a:t>
+            </a:fld>
+            <a:endParaRPr lang="nl-NL"/>
+          </a:p>
+        </p:txBody>
+      </p:sp>
+    </p:spTree>
+    <p:extLst>
+      <p:ext uri="{BB962C8B-B14F-4D97-AF65-F5344CB8AC3E}">
+        <p14:creationId xmlns:p14="http://schemas.microsoft.com/office/powerpoint/2010/main" val="923369726"/>
+      </p:ext>
+    </p:extLst>
+  </p:cSld>
+  <p:clrMapOvr>
+    <a:masterClrMapping/>
+  </p:clrMapOvr>
+</p:notes>
+</file>
+
+<file path=ppt/notesSlides/notesSlide8.xml><?xml version="1.0" encoding="utf-8"?>
+<p:notes xmlns:a="http://schemas.openxmlformats.org/drawingml/2006/main" xmlns:r="http://schemas.openxmlformats.org/officeDocument/2006/relationships" xmlns:p="http://schemas.openxmlformats.org/presentationml/2006/main">
+  <p:cSld>
+    <p:spTree>
+      <p:nvGrpSpPr>
+        <p:cNvPr id="1" name=""/>
+        <p:cNvGrpSpPr/>
+        <p:nvPr/>
+      </p:nvGrpSpPr>
+      <p:grpSpPr>
+        <a:xfrm>
+          <a:off x="0" y="0"/>
+          <a:ext cx="0" cy="0"/>
+          <a:chOff x="0" y="0"/>
+          <a:chExt cx="0" cy="0"/>
+        </a:xfrm>
+      </p:grpSpPr>
+      <p:sp>
+        <p:nvSpPr>
+          <p:cNvPr id="2" name="Slide Image Placeholder 1"/>
+          <p:cNvSpPr>
+            <a:spLocks noGrp="1" noRot="1" noChangeAspect="1"/>
+          </p:cNvSpPr>
+          <p:nvPr>
+            <p:ph type="sldImg"/>
+          </p:nvPr>
+        </p:nvSpPr>
+        <p:spPr/>
+      </p:sp>
+      <p:sp>
+        <p:nvSpPr>
+          <p:cNvPr id="3" name="Notes Placeholder 2"/>
+          <p:cNvSpPr>
+            <a:spLocks noGrp="1"/>
+          </p:cNvSpPr>
+          <p:nvPr>
+            <p:ph type="body" idx="1"/>
+          </p:nvPr>
+        </p:nvSpPr>
+        <p:spPr/>
+        <p:txBody>
+          <a:bodyPr/>
+          <a:lstStyle/>
+          <a:p>
+            <a:endParaRPr lang="nl-NL" dirty="0"/>
+          </a:p>
+        </p:txBody>
+      </p:sp>
+      <p:sp>
+        <p:nvSpPr>
+          <p:cNvPr id="4" name="Slide Number Placeholder 3"/>
+          <p:cNvSpPr>
+            <a:spLocks noGrp="1"/>
+          </p:cNvSpPr>
+          <p:nvPr>
+            <p:ph type="sldNum" sz="quarter" idx="5"/>
+          </p:nvPr>
+        </p:nvSpPr>
+        <p:spPr/>
+        <p:txBody>
+          <a:bodyPr/>
+          <a:lstStyle/>
+          <a:p>
+            <a:fld id="{7E89BABF-119A-4ABA-81FB-ADE9A0136724}" type="slidenum">
+              <a:rPr lang="nl-NL" smtClean="0"/>
+              <a:t>9</a:t>
+            </a:fld>
+            <a:endParaRPr lang="nl-NL"/>
+          </a:p>
+        </p:txBody>
+      </p:sp>
+    </p:spTree>
+    <p:extLst>
+      <p:ext uri="{BB962C8B-B14F-4D97-AF65-F5344CB8AC3E}">
+        <p14:creationId xmlns:p14="http://schemas.microsoft.com/office/powerpoint/2010/main" val="920245059"/>
+      </p:ext>
+    </p:extLst>
+  </p:cSld>
+  <p:clrMapOvr>
+    <a:masterClrMapping/>
+  </p:clrMapOvr>
+</p:notes>
+</file>
+
+<file path=ppt/notesSlides/notesSlide9.xml><?xml version="1.0" encoding="utf-8"?>
+<p:notes xmlns:a="http://schemas.openxmlformats.org/drawingml/2006/main" xmlns:r="http://schemas.openxmlformats.org/officeDocument/2006/relationships" xmlns:p="http://schemas.openxmlformats.org/presentationml/2006/main">
+  <p:cSld>
+    <p:spTree>
+      <p:nvGrpSpPr>
+        <p:cNvPr id="1" name=""/>
+        <p:cNvGrpSpPr/>
+        <p:nvPr/>
+      </p:nvGrpSpPr>
+      <p:grpSpPr>
+        <a:xfrm>
+          <a:off x="0" y="0"/>
+          <a:ext cx="0" cy="0"/>
+          <a:chOff x="0" y="0"/>
+          <a:chExt cx="0" cy="0"/>
+        </a:xfrm>
+      </p:grpSpPr>
+      <p:sp>
+        <p:nvSpPr>
+          <p:cNvPr id="2" name="Slide Image Placeholder 1"/>
+          <p:cNvSpPr>
+            <a:spLocks noGrp="1" noRot="1" noChangeAspect="1"/>
+          </p:cNvSpPr>
+          <p:nvPr>
+            <p:ph type="sldImg"/>
+          </p:nvPr>
+        </p:nvSpPr>
+        <p:spPr/>
+      </p:sp>
+      <p:sp>
+        <p:nvSpPr>
+          <p:cNvPr id="3" name="Notes Placeholder 2"/>
+          <p:cNvSpPr>
+            <a:spLocks noGrp="1"/>
+          </p:cNvSpPr>
+          <p:nvPr>
+            <p:ph type="body" idx="1"/>
+          </p:nvPr>
+        </p:nvSpPr>
+        <p:spPr/>
+        <p:txBody>
+          <a:bodyPr/>
+          <a:lstStyle/>
+          <a:p>
+            <a:r>
+              <a:rPr lang="en-US" dirty="0"/>
+              <a:t>Hill climber </a:t>
+            </a:r>
+            <a:r>
+              <a:rPr lang="en-US" dirty="0" err="1"/>
+              <a:t>lijn</a:t>
+            </a:r>
+            <a:r>
+              <a:rPr lang="en-US" dirty="0"/>
+              <a:t> </a:t>
+            </a:r>
+            <a:r>
+              <a:rPr lang="en-US" dirty="0" err="1"/>
+              <a:t>omdat</a:t>
+            </a:r>
+            <a:r>
+              <a:rPr lang="en-US" dirty="0"/>
+              <a:t> de </a:t>
+            </a:r>
+            <a:r>
+              <a:rPr lang="en-US" dirty="0" err="1"/>
+              <a:t>grafiek</a:t>
+            </a:r>
+            <a:r>
+              <a:rPr lang="en-US" dirty="0"/>
+              <a:t> </a:t>
+            </a:r>
+            <a:r>
+              <a:rPr lang="en-US" dirty="0" err="1"/>
+              <a:t>anders</a:t>
+            </a:r>
+            <a:r>
+              <a:rPr lang="en-US" dirty="0"/>
+              <a:t> </a:t>
+            </a:r>
+            <a:r>
+              <a:rPr lang="en-US" dirty="0" err="1"/>
+              <a:t>onduidelijk</a:t>
+            </a:r>
+            <a:r>
+              <a:rPr lang="en-US" dirty="0"/>
+              <a:t> </a:t>
+            </a:r>
+            <a:r>
+              <a:rPr lang="en-US" dirty="0" err="1"/>
+              <a:t>wordt</a:t>
+            </a:r>
+            <a:endParaRPr lang="nl-NL" dirty="0"/>
+          </a:p>
+        </p:txBody>
+      </p:sp>
+      <p:sp>
+        <p:nvSpPr>
+          <p:cNvPr id="4" name="Slide Number Placeholder 3"/>
+          <p:cNvSpPr>
+            <a:spLocks noGrp="1"/>
+          </p:cNvSpPr>
+          <p:nvPr>
+            <p:ph type="sldNum" sz="quarter" idx="5"/>
+          </p:nvPr>
+        </p:nvSpPr>
+        <p:spPr/>
+        <p:txBody>
+          <a:bodyPr/>
+          <a:lstStyle/>
+          <a:p>
+            <a:fld id="{7E89BABF-119A-4ABA-81FB-ADE9A0136724}" type="slidenum">
+              <a:rPr lang="nl-NL" smtClean="0"/>
+              <a:t>10</a:t>
             </a:fld>
             <a:endParaRPr lang="nl-NL"/>
           </a:p>
@@ -6822,1471 +7128,7 @@
 </p:sld>
 </file>
 
-<file path=ppt/slides/slide2.xml><?xml version="1.0" encoding="utf-8"?>
-<p:sld xmlns:a="http://schemas.openxmlformats.org/drawingml/2006/main" xmlns:r="http://schemas.openxmlformats.org/officeDocument/2006/relationships" xmlns:p="http://schemas.openxmlformats.org/presentationml/2006/main">
-  <p:cSld>
-    <p:spTree>
-      <p:nvGrpSpPr>
-        <p:cNvPr id="1" name=""/>
-        <p:cNvGrpSpPr/>
-        <p:nvPr/>
-      </p:nvGrpSpPr>
-      <p:grpSpPr>
-        <a:xfrm>
-          <a:off x="0" y="0"/>
-          <a:ext cx="0" cy="0"/>
-          <a:chOff x="0" y="0"/>
-          <a:chExt cx="0" cy="0"/>
-        </a:xfrm>
-      </p:grpSpPr>
-      <p:sp>
-        <p:nvSpPr>
-          <p:cNvPr id="2" name="Titel 1">
-            <a:extLst>
-              <a:ext uri="{FF2B5EF4-FFF2-40B4-BE49-F238E27FC236}">
-                <a16:creationId xmlns:a16="http://schemas.microsoft.com/office/drawing/2014/main" id="{41DD1098-2435-4E48-8F47-AAB07FD60CC7}"/>
-              </a:ext>
-            </a:extLst>
-          </p:cNvPr>
-          <p:cNvSpPr>
-            <a:spLocks noGrp="1"/>
-          </p:cNvSpPr>
-          <p:nvPr>
-            <p:ph type="title"/>
-          </p:nvPr>
-        </p:nvSpPr>
-        <p:spPr>
-          <a:xfrm>
-            <a:off x="291440" y="181762"/>
-            <a:ext cx="8596668" cy="1320800"/>
-          </a:xfrm>
-        </p:spPr>
-        <p:txBody>
-          <a:bodyPr/>
-          <a:lstStyle/>
-          <a:p>
-            <a:r>
-              <a:rPr lang="en-GB" dirty="0"/>
-              <a:t>Introduction Case</a:t>
-            </a:r>
-          </a:p>
-        </p:txBody>
-      </p:sp>
-      <p:pic>
-        <p:nvPicPr>
-          <p:cNvPr id="1026" name="Picture 2" descr="File:Twogrids.gif">
-            <a:extLst>
-              <a:ext uri="{FF2B5EF4-FFF2-40B4-BE49-F238E27FC236}">
-                <a16:creationId xmlns:a16="http://schemas.microsoft.com/office/drawing/2014/main" id="{827167C9-1163-4BE3-B9E1-05211E98AF49}"/>
-              </a:ext>
-            </a:extLst>
-          </p:cNvPr>
-          <p:cNvPicPr>
-            <a:picLocks noGrp="1" noChangeAspect="1" noChangeArrowheads="1"/>
-          </p:cNvPicPr>
-          <p:nvPr>
-            <p:ph idx="1"/>
-          </p:nvPr>
-        </p:nvPicPr>
-        <p:blipFill rotWithShape="1">
-          <a:blip r:embed="rId2">
-            <a:extLst>
-              <a:ext uri="{28A0092B-C50C-407E-A947-70E740481C1C}">
-                <a14:useLocalDpi xmlns:a14="http://schemas.microsoft.com/office/drawing/2010/main" val="0"/>
-              </a:ext>
-            </a:extLst>
-          </a:blip>
-          <a:srcRect l="59760"/>
-          <a:stretch/>
-        </p:blipFill>
-        <p:spPr bwMode="auto">
-          <a:xfrm>
-            <a:off x="7934960" y="1983185"/>
-            <a:ext cx="4069206" cy="3021062"/>
-          </a:xfrm>
-          <a:prstGeom prst="rect">
-            <a:avLst/>
-          </a:prstGeom>
-          <a:noFill/>
-          <a:extLst>
-            <a:ext uri="{909E8E84-426E-40DD-AFC4-6F175D3DCCD1}">
-              <a14:hiddenFill xmlns:a14="http://schemas.microsoft.com/office/drawing/2010/main">
-                <a:solidFill>
-                  <a:srgbClr val="FFFFFF"/>
-                </a:solidFill>
-              </a14:hiddenFill>
-            </a:ext>
-          </a:extLst>
-        </p:spPr>
-      </p:pic>
-      <p:sp>
-        <p:nvSpPr>
-          <p:cNvPr id="4" name="Tekstvak 3">
-            <a:extLst>
-              <a:ext uri="{FF2B5EF4-FFF2-40B4-BE49-F238E27FC236}">
-                <a16:creationId xmlns:a16="http://schemas.microsoft.com/office/drawing/2014/main" id="{A3B61F64-2132-488C-A3B9-F66439F72657}"/>
-              </a:ext>
-            </a:extLst>
-          </p:cNvPr>
-          <p:cNvSpPr txBox="1"/>
-          <p:nvPr/>
-        </p:nvSpPr>
-        <p:spPr>
-          <a:xfrm>
-            <a:off x="291440" y="1115391"/>
-            <a:ext cx="6403848" cy="5529719"/>
-          </a:xfrm>
-          <a:prstGeom prst="rect">
-            <a:avLst/>
-          </a:prstGeom>
-          <a:noFill/>
-        </p:spPr>
-        <p:txBody>
-          <a:bodyPr wrap="square" rtlCol="0">
-            <a:spAutoFit/>
-          </a:bodyPr>
-          <a:lstStyle/>
-          <a:p>
-            <a:pPr marL="285750" indent="-285750">
-              <a:spcBef>
-                <a:spcPts val="1000"/>
-              </a:spcBef>
-              <a:buClr>
-                <a:schemeClr val="accent1"/>
-              </a:buClr>
-              <a:buSzPct val="80000"/>
-              <a:buFont typeface="Wingdings 3" charset="2"/>
-              <a:buChar char=""/>
-            </a:pPr>
-            <a:r>
-              <a:rPr lang="en-GB" dirty="0">
-                <a:solidFill>
-                  <a:schemeClr val="tx1">
-                    <a:lumMod val="75000"/>
-                    <a:lumOff val="25000"/>
-                  </a:schemeClr>
-                </a:solidFill>
-              </a:rPr>
-              <a:t>Houses and </a:t>
-            </a:r>
-            <a:r>
-              <a:rPr lang="en-GB" dirty="0" err="1">
-                <a:solidFill>
-                  <a:schemeClr val="tx1">
-                    <a:lumMod val="75000"/>
-                    <a:lumOff val="25000"/>
-                  </a:schemeClr>
-                </a:solidFill>
-              </a:rPr>
-              <a:t>Solarpanels</a:t>
-            </a:r>
-            <a:endParaRPr lang="en-GB" dirty="0">
-              <a:solidFill>
-                <a:schemeClr val="tx1">
-                  <a:lumMod val="75000"/>
-                  <a:lumOff val="25000"/>
-                </a:schemeClr>
-              </a:solidFill>
-            </a:endParaRPr>
-          </a:p>
-          <a:p>
-            <a:pPr marL="742950" lvl="1" indent="-285750">
-              <a:spcBef>
-                <a:spcPts val="1000"/>
-              </a:spcBef>
-              <a:buClr>
-                <a:schemeClr val="accent1"/>
-              </a:buClr>
-              <a:buSzPct val="80000"/>
-              <a:buFont typeface="Wingdings 3" charset="2"/>
-              <a:buChar char=""/>
-            </a:pPr>
-            <a:r>
-              <a:rPr lang="en-GB" dirty="0">
-                <a:solidFill>
-                  <a:schemeClr val="tx1">
-                    <a:lumMod val="75000"/>
-                    <a:lumOff val="25000"/>
-                  </a:schemeClr>
-                </a:solidFill>
-              </a:rPr>
-              <a:t>Store the excess energy in batteries</a:t>
-            </a:r>
-          </a:p>
-          <a:p>
-            <a:pPr marL="285750" indent="-285750">
-              <a:spcBef>
-                <a:spcPts val="1000"/>
-              </a:spcBef>
-              <a:buClr>
-                <a:schemeClr val="accent1"/>
-              </a:buClr>
-              <a:buSzPct val="80000"/>
-              <a:buFont typeface="Wingdings 3" charset="2"/>
-              <a:buChar char=""/>
-            </a:pPr>
-            <a:r>
-              <a:rPr lang="en-GB" dirty="0">
-                <a:solidFill>
-                  <a:schemeClr val="tx1">
-                    <a:lumMod val="75000"/>
-                    <a:lumOff val="25000"/>
-                  </a:schemeClr>
-                </a:solidFill>
-              </a:rPr>
-              <a:t>Goal: place houses and batteries in an optimal cost-efficient configuration</a:t>
-            </a:r>
-          </a:p>
-          <a:p>
-            <a:pPr marL="285750" indent="-285750">
-              <a:spcBef>
-                <a:spcPts val="1000"/>
-              </a:spcBef>
-              <a:buClr>
-                <a:schemeClr val="accent1"/>
-              </a:buClr>
-              <a:buSzPct val="80000"/>
-              <a:buFont typeface="Wingdings 3" charset="2"/>
-              <a:buChar char=""/>
-            </a:pPr>
-            <a:endParaRPr lang="en-GB" dirty="0">
-              <a:solidFill>
-                <a:schemeClr val="tx1">
-                  <a:lumMod val="75000"/>
-                  <a:lumOff val="25000"/>
-                </a:schemeClr>
-              </a:solidFill>
-            </a:endParaRPr>
-          </a:p>
-          <a:p>
-            <a:pPr marL="285750" indent="-285750">
-              <a:spcBef>
-                <a:spcPts val="1000"/>
-              </a:spcBef>
-              <a:buClr>
-                <a:schemeClr val="accent1"/>
-              </a:buClr>
-              <a:buSzPct val="80000"/>
-              <a:buFont typeface="Wingdings 3" charset="2"/>
-              <a:buChar char=""/>
-            </a:pPr>
-            <a:r>
-              <a:rPr lang="en-GB" dirty="0">
-                <a:solidFill>
-                  <a:schemeClr val="tx1">
-                    <a:lumMod val="75000"/>
-                    <a:lumOff val="25000"/>
-                  </a:schemeClr>
-                </a:solidFill>
-              </a:rPr>
-              <a:t>Specifications</a:t>
-            </a:r>
-          </a:p>
-          <a:p>
-            <a:pPr marL="742950" lvl="1" indent="-285750">
-              <a:spcBef>
-                <a:spcPts val="1000"/>
-              </a:spcBef>
-              <a:buClr>
-                <a:schemeClr val="accent1"/>
-              </a:buClr>
-              <a:buSzPct val="80000"/>
-              <a:buFont typeface="Wingdings 3" charset="2"/>
-              <a:buChar char=""/>
-            </a:pPr>
-            <a:r>
-              <a:rPr lang="en-GB" dirty="0">
-                <a:solidFill>
-                  <a:schemeClr val="tx1">
-                    <a:lumMod val="75000"/>
-                    <a:lumOff val="25000"/>
-                  </a:schemeClr>
-                </a:solidFill>
-              </a:rPr>
-              <a:t>A house is connected to only 1 battery</a:t>
-            </a:r>
-          </a:p>
-          <a:p>
-            <a:pPr marL="742950" lvl="1" indent="-285750">
-              <a:spcBef>
-                <a:spcPts val="1000"/>
-              </a:spcBef>
-              <a:buClr>
-                <a:schemeClr val="accent1"/>
-              </a:buClr>
-              <a:buSzPct val="80000"/>
-              <a:buFont typeface="Wingdings 3" charset="2"/>
-              <a:buChar char=""/>
-            </a:pPr>
-            <a:r>
-              <a:rPr lang="en-GB" dirty="0">
-                <a:solidFill>
-                  <a:schemeClr val="tx1">
-                    <a:lumMod val="75000"/>
-                    <a:lumOff val="25000"/>
-                  </a:schemeClr>
-                </a:solidFill>
-              </a:rPr>
-              <a:t>Cables can cross, but are not connected</a:t>
-            </a:r>
-          </a:p>
-          <a:p>
-            <a:pPr marL="742950" lvl="1" indent="-285750">
-              <a:spcBef>
-                <a:spcPts val="1000"/>
-              </a:spcBef>
-              <a:buClr>
-                <a:schemeClr val="accent1"/>
-              </a:buClr>
-              <a:buSzPct val="80000"/>
-              <a:buFont typeface="Wingdings 3" charset="2"/>
-              <a:buChar char=""/>
-            </a:pPr>
-            <a:r>
-              <a:rPr lang="en-GB" dirty="0">
-                <a:solidFill>
-                  <a:schemeClr val="tx1">
-                    <a:lumMod val="75000"/>
-                    <a:lumOff val="25000"/>
-                  </a:schemeClr>
-                </a:solidFill>
-              </a:rPr>
-              <a:t>Cables are allowed to cross houses</a:t>
-            </a:r>
-          </a:p>
-          <a:p>
-            <a:pPr marL="285750" indent="-285750">
-              <a:spcBef>
-                <a:spcPts val="1000"/>
-              </a:spcBef>
-              <a:buClr>
-                <a:schemeClr val="accent1"/>
-              </a:buClr>
-              <a:buSzPct val="80000"/>
-              <a:buFont typeface="Wingdings 3" charset="2"/>
-              <a:buChar char=""/>
-            </a:pPr>
-            <a:r>
-              <a:rPr lang="en-GB" dirty="0">
-                <a:solidFill>
-                  <a:schemeClr val="tx1">
-                    <a:lumMod val="75000"/>
-                    <a:lumOff val="25000"/>
-                  </a:schemeClr>
-                </a:solidFill>
-              </a:rPr>
-              <a:t>Difficulties</a:t>
-            </a:r>
-          </a:p>
-          <a:p>
-            <a:pPr marL="742950" lvl="1" indent="-285750">
-              <a:spcBef>
-                <a:spcPts val="1000"/>
-              </a:spcBef>
-              <a:buClr>
-                <a:schemeClr val="accent1"/>
-              </a:buClr>
-              <a:buSzPct val="80000"/>
-              <a:buFont typeface="Wingdings 3" charset="2"/>
-              <a:buChar char=""/>
-            </a:pPr>
-            <a:r>
-              <a:rPr lang="en-GB" dirty="0">
-                <a:solidFill>
-                  <a:schemeClr val="tx1">
-                    <a:lumMod val="75000"/>
-                    <a:lumOff val="25000"/>
-                  </a:schemeClr>
-                </a:solidFill>
-              </a:rPr>
-              <a:t>Little room between total capacity houses and batteries</a:t>
-            </a:r>
-          </a:p>
-          <a:p>
-            <a:pPr marL="742950" lvl="1" indent="-285750">
-              <a:spcBef>
-                <a:spcPts val="1000"/>
-              </a:spcBef>
-              <a:buClr>
-                <a:schemeClr val="accent1"/>
-              </a:buClr>
-              <a:buSzPct val="80000"/>
-              <a:buFont typeface="Wingdings 3" charset="2"/>
-              <a:buChar char=""/>
-            </a:pPr>
-            <a:r>
-              <a:rPr lang="en-US" dirty="0">
-                <a:solidFill>
-                  <a:schemeClr val="tx1">
-                    <a:lumMod val="75000"/>
-                    <a:lumOff val="25000"/>
-                  </a:schemeClr>
-                </a:solidFill>
-              </a:rPr>
-              <a:t>State Space enlarges with latter half of the case</a:t>
-            </a:r>
-          </a:p>
-          <a:p>
-            <a:pPr marL="742950" lvl="1" indent="-285750">
-              <a:buFont typeface="Arial" panose="020B0604020202020204" pitchFamily="34" charset="0"/>
-              <a:buChar char="•"/>
-            </a:pPr>
-            <a:endParaRPr lang="en-GB" dirty="0"/>
-          </a:p>
-          <a:p>
-            <a:pPr marL="742950" lvl="1" indent="-285750">
-              <a:buFont typeface="Arial" panose="020B0604020202020204" pitchFamily="34" charset="0"/>
-              <a:buChar char="•"/>
-            </a:pPr>
-            <a:endParaRPr lang="en-GB" dirty="0"/>
-          </a:p>
-        </p:txBody>
-      </p:sp>
-    </p:spTree>
-    <p:extLst>
-      <p:ext uri="{BB962C8B-B14F-4D97-AF65-F5344CB8AC3E}">
-        <p14:creationId xmlns:p14="http://schemas.microsoft.com/office/powerpoint/2010/main" val="3002710749"/>
-      </p:ext>
-    </p:extLst>
-  </p:cSld>
-  <p:clrMapOvr>
-    <a:masterClrMapping/>
-  </p:clrMapOvr>
-</p:sld>
-</file>
-
-<file path=ppt/slides/slide3.xml><?xml version="1.0" encoding="utf-8"?>
-<p:sld xmlns:a="http://schemas.openxmlformats.org/drawingml/2006/main" xmlns:r="http://schemas.openxmlformats.org/officeDocument/2006/relationships" xmlns:p="http://schemas.openxmlformats.org/presentationml/2006/main">
-  <p:cSld>
-    <p:spTree>
-      <p:nvGrpSpPr>
-        <p:cNvPr id="1" name=""/>
-        <p:cNvGrpSpPr/>
-        <p:nvPr/>
-      </p:nvGrpSpPr>
-      <p:grpSpPr>
-        <a:xfrm>
-          <a:off x="0" y="0"/>
-          <a:ext cx="0" cy="0"/>
-          <a:chOff x="0" y="0"/>
-          <a:chExt cx="0" cy="0"/>
-        </a:xfrm>
-      </p:grpSpPr>
-      <p:sp>
-        <p:nvSpPr>
-          <p:cNvPr id="2" name="Titel 1">
-            <a:extLst>
-              <a:ext uri="{FF2B5EF4-FFF2-40B4-BE49-F238E27FC236}">
-                <a16:creationId xmlns:a16="http://schemas.microsoft.com/office/drawing/2014/main" id="{28A8AAA5-C9EA-4715-A8A0-B1E3763B88DF}"/>
-              </a:ext>
-            </a:extLst>
-          </p:cNvPr>
-          <p:cNvSpPr>
-            <a:spLocks noGrp="1"/>
-          </p:cNvSpPr>
-          <p:nvPr>
-            <p:ph type="title"/>
-          </p:nvPr>
-        </p:nvSpPr>
-        <p:spPr/>
-        <p:txBody>
-          <a:bodyPr/>
-          <a:lstStyle/>
-          <a:p>
-            <a:r>
-              <a:rPr lang="en-GB" dirty="0"/>
-              <a:t> Parts of Case</a:t>
-            </a:r>
-          </a:p>
-        </p:txBody>
-      </p:sp>
-      <p:sp>
-        <p:nvSpPr>
-          <p:cNvPr id="3" name="Tijdelijke aanduiding voor inhoud 2">
-            <a:extLst>
-              <a:ext uri="{FF2B5EF4-FFF2-40B4-BE49-F238E27FC236}">
-                <a16:creationId xmlns:a16="http://schemas.microsoft.com/office/drawing/2014/main" id="{34CA3E32-FE28-4468-AC16-64DE5569394D}"/>
-              </a:ext>
-            </a:extLst>
-          </p:cNvPr>
-          <p:cNvSpPr>
-            <a:spLocks noGrp="1"/>
-          </p:cNvSpPr>
-          <p:nvPr>
-            <p:ph idx="1"/>
-          </p:nvPr>
-        </p:nvSpPr>
-        <p:spPr>
-          <a:xfrm>
-            <a:off x="677334" y="1651154"/>
-            <a:ext cx="8596668" cy="3880773"/>
-          </a:xfrm>
-        </p:spPr>
-        <p:txBody>
-          <a:bodyPr>
-            <a:normAutofit/>
-          </a:bodyPr>
-          <a:lstStyle/>
-          <a:p>
-            <a:r>
-              <a:rPr lang="en-GB" dirty="0"/>
-              <a:t>1: Able to connect each house with a battery</a:t>
-            </a:r>
-          </a:p>
-          <a:p>
-            <a:pPr lvl="1"/>
-            <a:r>
-              <a:rPr lang="en-GB" dirty="0"/>
-              <a:t>Same batteries, fixed locations</a:t>
-            </a:r>
-          </a:p>
-          <a:p>
-            <a:r>
-              <a:rPr lang="en-GB" dirty="0"/>
-              <a:t>2: Able to calculate the total cost</a:t>
-            </a:r>
-          </a:p>
-          <a:p>
-            <a:endParaRPr lang="en-GB" dirty="0"/>
-          </a:p>
-          <a:p>
-            <a:r>
-              <a:rPr lang="en-GB" dirty="0"/>
-              <a:t>3: Able to relocate the batteries</a:t>
-            </a:r>
-          </a:p>
-          <a:p>
-            <a:pPr lvl="1"/>
-            <a:r>
-              <a:rPr lang="en-GB" dirty="0"/>
-              <a:t>At more cost-efficient locations</a:t>
-            </a:r>
-          </a:p>
-          <a:p>
-            <a:r>
-              <a:rPr lang="en-GB" dirty="0"/>
-              <a:t>4: Optimize battery types</a:t>
-            </a:r>
-          </a:p>
-          <a:p>
-            <a:pPr lvl="1"/>
-            <a:r>
-              <a:rPr lang="en-GB" dirty="0"/>
-              <a:t>With given battery types</a:t>
-            </a:r>
-          </a:p>
-          <a:p>
-            <a:pPr lvl="1"/>
-            <a:endParaRPr lang="en-GB" dirty="0"/>
-          </a:p>
-          <a:p>
-            <a:pPr lvl="1"/>
-            <a:endParaRPr lang="en-GB" dirty="0"/>
-          </a:p>
-          <a:p>
-            <a:endParaRPr lang="en-GB" dirty="0"/>
-          </a:p>
-          <a:p>
-            <a:pPr lvl="2"/>
-            <a:endParaRPr lang="en-GB" dirty="0"/>
-          </a:p>
-        </p:txBody>
-      </p:sp>
-      <p:pic>
-        <p:nvPicPr>
-          <p:cNvPr id="4" name="Afbeelding 3">
-            <a:extLst>
-              <a:ext uri="{FF2B5EF4-FFF2-40B4-BE49-F238E27FC236}">
-                <a16:creationId xmlns:a16="http://schemas.microsoft.com/office/drawing/2014/main" id="{E5C8FB67-3538-40D6-8989-1778C0610568}"/>
-              </a:ext>
-            </a:extLst>
-          </p:cNvPr>
-          <p:cNvPicPr>
-            <a:picLocks noChangeAspect="1"/>
-          </p:cNvPicPr>
-          <p:nvPr/>
-        </p:nvPicPr>
-        <p:blipFill rotWithShape="1">
-          <a:blip r:embed="rId3"/>
-          <a:srcRect l="12937" t="64555" r="75363" b="23445"/>
-          <a:stretch/>
-        </p:blipFill>
-        <p:spPr>
-          <a:xfrm>
-            <a:off x="8013384" y="2535100"/>
-            <a:ext cx="3285151" cy="1895262"/>
-          </a:xfrm>
-          <a:prstGeom prst="rect">
-            <a:avLst/>
-          </a:prstGeom>
-        </p:spPr>
-      </p:pic>
-      <p:sp>
-        <p:nvSpPr>
-          <p:cNvPr id="5" name="TextBox 4">
-            <a:extLst>
-              <a:ext uri="{FF2B5EF4-FFF2-40B4-BE49-F238E27FC236}">
-                <a16:creationId xmlns:a16="http://schemas.microsoft.com/office/drawing/2014/main" id="{6F419814-B6B4-492D-A0A2-FF4B220CEAB5}"/>
-              </a:ext>
-            </a:extLst>
-          </p:cNvPr>
-          <p:cNvSpPr txBox="1"/>
-          <p:nvPr/>
-        </p:nvSpPr>
-        <p:spPr>
-          <a:xfrm>
-            <a:off x="7871990" y="4368210"/>
-            <a:ext cx="3567937" cy="408623"/>
-          </a:xfrm>
-          <a:prstGeom prst="roundRect">
-            <a:avLst/>
-          </a:prstGeom>
-          <a:solidFill>
-            <a:schemeClr val="accent1">
-              <a:lumMod val="40000"/>
-              <a:lumOff val="60000"/>
-            </a:schemeClr>
-          </a:solidFill>
-        </p:spPr>
-        <p:style>
-          <a:lnRef idx="2">
-            <a:schemeClr val="accent1"/>
-          </a:lnRef>
-          <a:fillRef idx="1">
-            <a:schemeClr val="lt1"/>
-          </a:fillRef>
-          <a:effectRef idx="0">
-            <a:schemeClr val="accent1"/>
-          </a:effectRef>
-          <a:fontRef idx="minor">
-            <a:schemeClr val="dk1"/>
-          </a:fontRef>
-        </p:style>
-        <p:txBody>
-          <a:bodyPr wrap="square" rtlCol="0">
-            <a:spAutoFit/>
-          </a:bodyPr>
-          <a:lstStyle/>
-          <a:p>
-            <a:pPr algn="ctr"/>
-            <a:r>
-              <a:rPr lang="en-US" dirty="0"/>
-              <a:t>Given battery types (part 4)</a:t>
-            </a:r>
-            <a:endParaRPr lang="nl-NL" dirty="0"/>
-          </a:p>
-        </p:txBody>
-      </p:sp>
-    </p:spTree>
-    <p:extLst>
-      <p:ext uri="{BB962C8B-B14F-4D97-AF65-F5344CB8AC3E}">
-        <p14:creationId xmlns:p14="http://schemas.microsoft.com/office/powerpoint/2010/main" val="1667676654"/>
-      </p:ext>
-    </p:extLst>
-  </p:cSld>
-  <p:clrMapOvr>
-    <a:masterClrMapping/>
-  </p:clrMapOvr>
-</p:sld>
-</file>
-
-<file path=ppt/slides/slide4.xml><?xml version="1.0" encoding="utf-8"?>
-<p:sld xmlns:a="http://schemas.openxmlformats.org/drawingml/2006/main" xmlns:r="http://schemas.openxmlformats.org/officeDocument/2006/relationships" xmlns:p="http://schemas.openxmlformats.org/presentationml/2006/main">
-  <p:cSld>
-    <p:spTree>
-      <p:nvGrpSpPr>
-        <p:cNvPr id="1" name=""/>
-        <p:cNvGrpSpPr/>
-        <p:nvPr/>
-      </p:nvGrpSpPr>
-      <p:grpSpPr>
-        <a:xfrm>
-          <a:off x="0" y="0"/>
-          <a:ext cx="0" cy="0"/>
-          <a:chOff x="0" y="0"/>
-          <a:chExt cx="0" cy="0"/>
-        </a:xfrm>
-      </p:grpSpPr>
-      <p:sp>
-        <p:nvSpPr>
-          <p:cNvPr id="2" name="Title 1">
-            <a:extLst>
-              <a:ext uri="{FF2B5EF4-FFF2-40B4-BE49-F238E27FC236}">
-                <a16:creationId xmlns:a16="http://schemas.microsoft.com/office/drawing/2014/main" id="{D8FD7D51-5F2D-4762-80AA-E135491E88D4}"/>
-              </a:ext>
-            </a:extLst>
-          </p:cNvPr>
-          <p:cNvSpPr>
-            <a:spLocks noGrp="1"/>
-          </p:cNvSpPr>
-          <p:nvPr>
-            <p:ph type="title"/>
-          </p:nvPr>
-        </p:nvSpPr>
-        <p:spPr/>
-        <p:txBody>
-          <a:bodyPr/>
-          <a:lstStyle/>
-          <a:p>
-            <a:r>
-              <a:rPr lang="en-US" dirty="0"/>
-              <a:t>State Space</a:t>
-            </a:r>
-            <a:endParaRPr lang="nl-NL" dirty="0"/>
-          </a:p>
-        </p:txBody>
-      </p:sp>
-      <p:sp>
-        <p:nvSpPr>
-          <p:cNvPr id="3" name="Content Placeholder 2">
-            <a:extLst>
-              <a:ext uri="{FF2B5EF4-FFF2-40B4-BE49-F238E27FC236}">
-                <a16:creationId xmlns:a16="http://schemas.microsoft.com/office/drawing/2014/main" id="{8357A581-6D00-42C4-B2F4-F5E2A086565F}"/>
-              </a:ext>
-            </a:extLst>
-          </p:cNvPr>
-          <p:cNvSpPr>
-            <a:spLocks noGrp="1"/>
-          </p:cNvSpPr>
-          <p:nvPr>
-            <p:ph idx="1"/>
-          </p:nvPr>
-        </p:nvSpPr>
-        <p:spPr/>
-        <p:txBody>
-          <a:bodyPr/>
-          <a:lstStyle/>
-          <a:p>
-            <a:r>
-              <a:rPr lang="en-US" dirty="0"/>
-              <a:t>Subpart 1 &amp; 2</a:t>
-            </a:r>
-          </a:p>
-          <a:p>
-            <a:pPr lvl="1"/>
-            <a:r>
-              <a:rPr lang="en-US" dirty="0"/>
-              <a:t>#houses ^#batteries :  </a:t>
-            </a:r>
-            <a:r>
-              <a:rPr lang="nl-NL" dirty="0"/>
-              <a:t>150^5</a:t>
-            </a:r>
-          </a:p>
-          <a:p>
-            <a:r>
-              <a:rPr lang="en-US" dirty="0"/>
-              <a:t>Subpart 3</a:t>
-            </a:r>
-          </a:p>
-          <a:p>
-            <a:pPr lvl="1"/>
-            <a:r>
-              <a:rPr lang="en-US" dirty="0"/>
-              <a:t>P</a:t>
-            </a:r>
-            <a:r>
-              <a:rPr lang="nl-NL" dirty="0"/>
-              <a:t>oss. Batt. Locs. : 	gridsize^ #batteries = 	2500^5</a:t>
-            </a:r>
-          </a:p>
-          <a:p>
-            <a:pPr lvl="1"/>
-            <a:r>
-              <a:rPr lang="en-US" dirty="0"/>
-              <a:t>Poss. connections: 	#houses^ #batteries = 	150^5</a:t>
-            </a:r>
-          </a:p>
-          <a:p>
-            <a:pPr lvl="1"/>
-            <a:r>
-              <a:rPr lang="en-US" dirty="0"/>
-              <a:t>Total: #houses ^ #batteries + </a:t>
-            </a:r>
-            <a:r>
-              <a:rPr lang="en-US" dirty="0" err="1"/>
-              <a:t>gridsize</a:t>
-            </a:r>
-            <a:r>
-              <a:rPr lang="en-US" dirty="0"/>
-              <a:t> ^ #batteries</a:t>
-            </a:r>
-          </a:p>
-          <a:p>
-            <a:pPr lvl="2"/>
-            <a:r>
-              <a:rPr lang="nl-NL" dirty="0"/>
-              <a:t>2500^5 + 150^5</a:t>
-            </a:r>
-          </a:p>
-          <a:p>
-            <a:r>
-              <a:rPr lang="en-US" dirty="0"/>
-              <a:t>S</a:t>
-            </a:r>
-            <a:r>
-              <a:rPr lang="nl-NL" dirty="0"/>
-              <a:t>ubpart 4</a:t>
-            </a:r>
-          </a:p>
-          <a:p>
-            <a:pPr lvl="1"/>
-            <a:r>
-              <a:rPr lang="en-US" dirty="0"/>
-              <a:t>Largest battery set: 17 batteries</a:t>
-            </a:r>
-          </a:p>
-          <a:p>
-            <a:pPr lvl="1"/>
-            <a:r>
-              <a:rPr lang="en-US" dirty="0"/>
-              <a:t>M</a:t>
-            </a:r>
-            <a:r>
-              <a:rPr lang="nl-NL" dirty="0"/>
-              <a:t>ax state space =  2500^17 + 150^17</a:t>
-            </a:r>
-          </a:p>
-          <a:p>
-            <a:pPr lvl="1"/>
-            <a:endParaRPr lang="nl-NL" dirty="0"/>
-          </a:p>
-          <a:p>
-            <a:pPr lvl="1"/>
-            <a:endParaRPr lang="nl-NL" dirty="0"/>
-          </a:p>
-        </p:txBody>
-      </p:sp>
-    </p:spTree>
-    <p:extLst>
-      <p:ext uri="{BB962C8B-B14F-4D97-AF65-F5344CB8AC3E}">
-        <p14:creationId xmlns:p14="http://schemas.microsoft.com/office/powerpoint/2010/main" val="1122056664"/>
-      </p:ext>
-    </p:extLst>
-  </p:cSld>
-  <p:clrMapOvr>
-    <a:masterClrMapping/>
-  </p:clrMapOvr>
-</p:sld>
-</file>
-
-<file path=ppt/slides/slide5.xml><?xml version="1.0" encoding="utf-8"?>
-<p:sld xmlns:a="http://schemas.openxmlformats.org/drawingml/2006/main" xmlns:r="http://schemas.openxmlformats.org/officeDocument/2006/relationships" xmlns:p="http://schemas.openxmlformats.org/presentationml/2006/main">
-  <p:cSld>
-    <p:spTree>
-      <p:nvGrpSpPr>
-        <p:cNvPr id="1" name=""/>
-        <p:cNvGrpSpPr/>
-        <p:nvPr/>
-      </p:nvGrpSpPr>
-      <p:grpSpPr>
-        <a:xfrm>
-          <a:off x="0" y="0"/>
-          <a:ext cx="0" cy="0"/>
-          <a:chOff x="0" y="0"/>
-          <a:chExt cx="0" cy="0"/>
-        </a:xfrm>
-      </p:grpSpPr>
-      <p:sp>
-        <p:nvSpPr>
-          <p:cNvPr id="2" name="Title 1">
-            <a:extLst>
-              <a:ext uri="{FF2B5EF4-FFF2-40B4-BE49-F238E27FC236}">
-                <a16:creationId xmlns:a16="http://schemas.microsoft.com/office/drawing/2014/main" id="{5F416FC0-ED03-447E-8639-D84D85C4888E}"/>
-              </a:ext>
-            </a:extLst>
-          </p:cNvPr>
-          <p:cNvSpPr>
-            <a:spLocks noGrp="1"/>
-          </p:cNvSpPr>
-          <p:nvPr>
-            <p:ph type="title"/>
-          </p:nvPr>
-        </p:nvSpPr>
-        <p:spPr/>
-        <p:txBody>
-          <a:bodyPr/>
-          <a:lstStyle/>
-          <a:p>
-            <a:r>
-              <a:rPr lang="en-US" dirty="0"/>
-              <a:t>Algorithms</a:t>
-            </a:r>
-            <a:endParaRPr lang="nl-NL" dirty="0"/>
-          </a:p>
-        </p:txBody>
-      </p:sp>
-      <p:sp>
-        <p:nvSpPr>
-          <p:cNvPr id="3" name="Content Placeholder 2">
-            <a:extLst>
-              <a:ext uri="{FF2B5EF4-FFF2-40B4-BE49-F238E27FC236}">
-                <a16:creationId xmlns:a16="http://schemas.microsoft.com/office/drawing/2014/main" id="{4E0D129F-485C-4780-83ED-29020FA0E9B2}"/>
-              </a:ext>
-            </a:extLst>
-          </p:cNvPr>
-          <p:cNvSpPr>
-            <a:spLocks noGrp="1"/>
-          </p:cNvSpPr>
-          <p:nvPr>
-            <p:ph idx="1"/>
-          </p:nvPr>
-        </p:nvSpPr>
-        <p:spPr/>
-        <p:txBody>
-          <a:bodyPr>
-            <a:normAutofit/>
-          </a:bodyPr>
-          <a:lstStyle/>
-          <a:p>
-            <a:r>
-              <a:rPr lang="en-US" dirty="0"/>
-              <a:t>Step-Down</a:t>
-            </a:r>
-          </a:p>
-          <a:p>
-            <a:pPr lvl="1"/>
-            <a:r>
-              <a:rPr lang="en-US" dirty="0"/>
-              <a:t>Connects all houses to closest batteries</a:t>
-            </a:r>
-          </a:p>
-          <a:p>
-            <a:pPr lvl="1"/>
-            <a:r>
-              <a:rPr lang="en-US" dirty="0"/>
-              <a:t>Reconnects houses of overloaded batteries</a:t>
-            </a:r>
-          </a:p>
-          <a:p>
-            <a:pPr lvl="1"/>
-            <a:r>
-              <a:rPr lang="en-US" dirty="0"/>
-              <a:t>Deterministic</a:t>
-            </a:r>
-          </a:p>
-          <a:p>
-            <a:r>
-              <a:rPr lang="en-US" dirty="0"/>
-              <a:t>Greedy</a:t>
-            </a:r>
-          </a:p>
-          <a:p>
-            <a:pPr lvl="1"/>
-            <a:r>
-              <a:rPr lang="en-US" dirty="0"/>
-              <a:t>Connect random houses to closest battery</a:t>
-            </a:r>
-          </a:p>
-          <a:p>
-            <a:pPr lvl="1"/>
-            <a:r>
-              <a:rPr lang="en-US" dirty="0"/>
-              <a:t>If battery is full, next closest</a:t>
-            </a:r>
-          </a:p>
-          <a:p>
-            <a:pPr lvl="1"/>
-            <a:r>
-              <a:rPr lang="en-US" dirty="0"/>
-              <a:t>If configuration possible, next iteration</a:t>
-            </a:r>
-          </a:p>
-          <a:p>
-            <a:pPr lvl="2"/>
-            <a:r>
-              <a:rPr lang="en-US" dirty="0"/>
-              <a:t>Else, restart iteration</a:t>
-            </a:r>
-          </a:p>
-          <a:p>
-            <a:endParaRPr lang="nl-NL" dirty="0"/>
-          </a:p>
-        </p:txBody>
-      </p:sp>
-      <p:pic>
-        <p:nvPicPr>
-          <p:cNvPr id="4" name="Picture 3">
-            <a:extLst>
-              <a:ext uri="{FF2B5EF4-FFF2-40B4-BE49-F238E27FC236}">
-                <a16:creationId xmlns:a16="http://schemas.microsoft.com/office/drawing/2014/main" id="{76EE88C6-D840-49C2-BC5E-43178530D1DC}"/>
-              </a:ext>
-            </a:extLst>
-          </p:cNvPr>
-          <p:cNvPicPr>
-            <a:picLocks noChangeAspect="1"/>
-          </p:cNvPicPr>
-          <p:nvPr/>
-        </p:nvPicPr>
-        <p:blipFill rotWithShape="1">
-          <a:blip r:embed="rId2">
-            <a:extLst>
-              <a:ext uri="{28A0092B-C50C-407E-A947-70E740481C1C}">
-                <a14:useLocalDpi xmlns:a14="http://schemas.microsoft.com/office/drawing/2010/main" val="0"/>
-              </a:ext>
-            </a:extLst>
-          </a:blip>
-          <a:srcRect l="14121" t="13614" r="11045" b="12384"/>
-          <a:stretch/>
-        </p:blipFill>
-        <p:spPr>
-          <a:xfrm>
-            <a:off x="8741596" y="609600"/>
-            <a:ext cx="3273641" cy="2427896"/>
-          </a:xfrm>
-          <a:prstGeom prst="rect">
-            <a:avLst/>
-          </a:prstGeom>
-          <a:ln>
-            <a:solidFill>
-              <a:schemeClr val="tx1"/>
-            </a:solidFill>
-          </a:ln>
-        </p:spPr>
-      </p:pic>
-      <p:sp>
-        <p:nvSpPr>
-          <p:cNvPr id="5" name="TextBox 4">
-            <a:extLst>
-              <a:ext uri="{FF2B5EF4-FFF2-40B4-BE49-F238E27FC236}">
-                <a16:creationId xmlns:a16="http://schemas.microsoft.com/office/drawing/2014/main" id="{29DDF469-23A9-4026-8322-2EC9737D143C}"/>
-              </a:ext>
-            </a:extLst>
-          </p:cNvPr>
-          <p:cNvSpPr txBox="1"/>
-          <p:nvPr/>
-        </p:nvSpPr>
-        <p:spPr>
-          <a:xfrm>
-            <a:off x="7661910" y="609600"/>
-            <a:ext cx="980850" cy="306467"/>
-          </a:xfrm>
-          <a:prstGeom prst="roundRect">
-            <a:avLst/>
-          </a:prstGeom>
-          <a:solidFill>
-            <a:schemeClr val="accent1">
-              <a:lumMod val="20000"/>
-              <a:lumOff val="80000"/>
-            </a:schemeClr>
-          </a:solidFill>
-        </p:spPr>
-        <p:txBody>
-          <a:bodyPr wrap="square" rtlCol="0">
-            <a:spAutoFit/>
-          </a:bodyPr>
-          <a:lstStyle/>
-          <a:p>
-            <a:pPr algn="ctr"/>
-            <a:r>
-              <a:rPr lang="en-US" sz="1200" dirty="0"/>
-              <a:t>Step-Down</a:t>
-            </a:r>
-            <a:endParaRPr lang="nl-NL" sz="1200" dirty="0"/>
-          </a:p>
-        </p:txBody>
-      </p:sp>
-      <p:pic>
-        <p:nvPicPr>
-          <p:cNvPr id="6" name="Picture 5">
-            <a:extLst>
-              <a:ext uri="{FF2B5EF4-FFF2-40B4-BE49-F238E27FC236}">
-                <a16:creationId xmlns:a16="http://schemas.microsoft.com/office/drawing/2014/main" id="{DF797173-9F80-46E5-95F4-75F9E8F2FE99}"/>
-              </a:ext>
-            </a:extLst>
-          </p:cNvPr>
-          <p:cNvPicPr>
-            <a:picLocks noChangeAspect="1"/>
-          </p:cNvPicPr>
-          <p:nvPr/>
-        </p:nvPicPr>
-        <p:blipFill rotWithShape="1">
-          <a:blip r:embed="rId3">
-            <a:extLst>
-              <a:ext uri="{28A0092B-C50C-407E-A947-70E740481C1C}">
-                <a14:useLocalDpi xmlns:a14="http://schemas.microsoft.com/office/drawing/2010/main" val="0"/>
-              </a:ext>
-            </a:extLst>
-          </a:blip>
-          <a:srcRect l="13217" t="13493" r="10813" b="11184"/>
-          <a:stretch/>
-        </p:blipFill>
-        <p:spPr>
-          <a:xfrm>
-            <a:off x="8741595" y="3685472"/>
-            <a:ext cx="3273640" cy="2624114"/>
-          </a:xfrm>
-          <a:prstGeom prst="rect">
-            <a:avLst/>
-          </a:prstGeom>
-          <a:ln>
-            <a:solidFill>
-              <a:schemeClr val="tx1"/>
-            </a:solidFill>
-          </a:ln>
-        </p:spPr>
-      </p:pic>
-      <p:sp>
-        <p:nvSpPr>
-          <p:cNvPr id="7" name="TextBox 6">
-            <a:extLst>
-              <a:ext uri="{FF2B5EF4-FFF2-40B4-BE49-F238E27FC236}">
-                <a16:creationId xmlns:a16="http://schemas.microsoft.com/office/drawing/2014/main" id="{D281F67C-FCF4-42ED-9695-8D93237DF479}"/>
-              </a:ext>
-            </a:extLst>
-          </p:cNvPr>
-          <p:cNvSpPr txBox="1"/>
-          <p:nvPr/>
-        </p:nvSpPr>
-        <p:spPr>
-          <a:xfrm>
-            <a:off x="7925720" y="3685472"/>
-            <a:ext cx="717040" cy="306467"/>
-          </a:xfrm>
-          <a:prstGeom prst="roundRect">
-            <a:avLst/>
-          </a:prstGeom>
-          <a:solidFill>
-            <a:schemeClr val="accent1">
-              <a:lumMod val="20000"/>
-              <a:lumOff val="80000"/>
-            </a:schemeClr>
-          </a:solidFill>
-        </p:spPr>
-        <p:txBody>
-          <a:bodyPr wrap="square" rtlCol="0">
-            <a:spAutoFit/>
-          </a:bodyPr>
-          <a:lstStyle/>
-          <a:p>
-            <a:pPr algn="ctr"/>
-            <a:r>
-              <a:rPr lang="en-US" sz="1200" dirty="0"/>
-              <a:t>Greedy</a:t>
-            </a:r>
-            <a:endParaRPr lang="nl-NL" sz="1200" dirty="0"/>
-          </a:p>
-        </p:txBody>
-      </p:sp>
-    </p:spTree>
-    <p:extLst>
-      <p:ext uri="{BB962C8B-B14F-4D97-AF65-F5344CB8AC3E}">
-        <p14:creationId xmlns:p14="http://schemas.microsoft.com/office/powerpoint/2010/main" val="257042857"/>
-      </p:ext>
-    </p:extLst>
-  </p:cSld>
-  <p:clrMapOvr>
-    <a:masterClrMapping/>
-  </p:clrMapOvr>
-</p:sld>
-</file>
-
-<file path=ppt/slides/slide6.xml><?xml version="1.0" encoding="utf-8"?>
-<p:sld xmlns:a="http://schemas.openxmlformats.org/drawingml/2006/main" xmlns:r="http://schemas.openxmlformats.org/officeDocument/2006/relationships" xmlns:p="http://schemas.openxmlformats.org/presentationml/2006/main">
-  <p:cSld>
-    <p:spTree>
-      <p:nvGrpSpPr>
-        <p:cNvPr id="1" name=""/>
-        <p:cNvGrpSpPr/>
-        <p:nvPr/>
-      </p:nvGrpSpPr>
-      <p:grpSpPr>
-        <a:xfrm>
-          <a:off x="0" y="0"/>
-          <a:ext cx="0" cy="0"/>
-          <a:chOff x="0" y="0"/>
-          <a:chExt cx="0" cy="0"/>
-        </a:xfrm>
-      </p:grpSpPr>
-      <p:sp>
-        <p:nvSpPr>
-          <p:cNvPr id="2" name="Title 1">
-            <a:extLst>
-              <a:ext uri="{FF2B5EF4-FFF2-40B4-BE49-F238E27FC236}">
-                <a16:creationId xmlns:a16="http://schemas.microsoft.com/office/drawing/2014/main" id="{E2F85545-632C-4F7F-B3E1-2C5ECFC71565}"/>
-              </a:ext>
-            </a:extLst>
-          </p:cNvPr>
-          <p:cNvSpPr>
-            <a:spLocks noGrp="1"/>
-          </p:cNvSpPr>
-          <p:nvPr>
-            <p:ph type="title"/>
-          </p:nvPr>
-        </p:nvSpPr>
-        <p:spPr/>
-        <p:txBody>
-          <a:bodyPr/>
-          <a:lstStyle/>
-          <a:p>
-            <a:r>
-              <a:rPr lang="en-US" dirty="0"/>
-              <a:t>Algorithms</a:t>
-            </a:r>
-            <a:endParaRPr lang="nl-NL" dirty="0"/>
-          </a:p>
-        </p:txBody>
-      </p:sp>
-      <p:sp>
-        <p:nvSpPr>
-          <p:cNvPr id="3" name="Content Placeholder 2">
-            <a:extLst>
-              <a:ext uri="{FF2B5EF4-FFF2-40B4-BE49-F238E27FC236}">
-                <a16:creationId xmlns:a16="http://schemas.microsoft.com/office/drawing/2014/main" id="{6784A8DB-0F9B-4B3A-9476-B80FEA6B2C74}"/>
-              </a:ext>
-            </a:extLst>
-          </p:cNvPr>
-          <p:cNvSpPr>
-            <a:spLocks noGrp="1"/>
-          </p:cNvSpPr>
-          <p:nvPr>
-            <p:ph idx="1"/>
-          </p:nvPr>
-        </p:nvSpPr>
-        <p:spPr/>
-        <p:txBody>
-          <a:bodyPr/>
-          <a:lstStyle/>
-          <a:p>
-            <a:r>
-              <a:rPr lang="en-US" dirty="0"/>
-              <a:t>Hill Climber</a:t>
-            </a:r>
-            <a:endParaRPr lang="en-US" dirty="0">
-              <a:sym typeface="Wingdings" panose="05000000000000000000" pitchFamily="2" charset="2"/>
-            </a:endParaRPr>
-          </a:p>
-          <a:p>
-            <a:pPr lvl="1"/>
-            <a:r>
-              <a:rPr lang="en-US" dirty="0"/>
-              <a:t>Random configuration within constraints</a:t>
-            </a:r>
-          </a:p>
-          <a:p>
-            <a:pPr lvl="1"/>
-            <a:r>
-              <a:rPr lang="en-US" dirty="0">
-                <a:sym typeface="Wingdings" panose="05000000000000000000" pitchFamily="2" charset="2"/>
-              </a:rPr>
-              <a:t>Switches random sequences of houses</a:t>
-            </a:r>
-          </a:p>
-          <a:p>
-            <a:pPr lvl="2"/>
-            <a:r>
-              <a:rPr lang="en-US" dirty="0">
-                <a:sym typeface="Wingdings" panose="05000000000000000000" pitchFamily="2" charset="2"/>
-              </a:rPr>
-              <a:t>Until no further improvements</a:t>
-            </a:r>
-          </a:p>
-          <a:p>
-            <a:r>
-              <a:rPr lang="en-US" dirty="0">
-                <a:sym typeface="Wingdings" panose="05000000000000000000" pitchFamily="2" charset="2"/>
-              </a:rPr>
-              <a:t>Depth-First, Branch-n-Bound</a:t>
-            </a:r>
-          </a:p>
-          <a:p>
-            <a:pPr lvl="1"/>
-            <a:r>
-              <a:rPr lang="en-US" dirty="0">
-                <a:sym typeface="Wingdings" panose="05000000000000000000" pitchFamily="2" charset="2"/>
-              </a:rPr>
-              <a:t>Tries every configuration</a:t>
-            </a:r>
-          </a:p>
-          <a:p>
-            <a:pPr lvl="1"/>
-            <a:r>
-              <a:rPr lang="en-US" dirty="0">
-                <a:sym typeface="Wingdings" panose="05000000000000000000" pitchFamily="2" charset="2"/>
-              </a:rPr>
-              <a:t>Breaks a branch if it breaks certain restrictions</a:t>
-            </a:r>
-          </a:p>
-          <a:p>
-            <a:pPr lvl="1"/>
-            <a:r>
-              <a:rPr lang="en-US" dirty="0">
-                <a:sym typeface="Wingdings" panose="05000000000000000000" pitchFamily="2" charset="2"/>
-              </a:rPr>
-              <a:t>(no data yet)</a:t>
-            </a:r>
-          </a:p>
-          <a:p>
-            <a:endParaRPr lang="nl-NL" dirty="0"/>
-          </a:p>
-        </p:txBody>
-      </p:sp>
-      <p:pic>
-        <p:nvPicPr>
-          <p:cNvPr id="4" name="Picture 3">
-            <a:extLst>
-              <a:ext uri="{FF2B5EF4-FFF2-40B4-BE49-F238E27FC236}">
-                <a16:creationId xmlns:a16="http://schemas.microsoft.com/office/drawing/2014/main" id="{CEF09C83-75D0-43B6-BFD7-0924EEEC21F4}"/>
-              </a:ext>
-            </a:extLst>
-          </p:cNvPr>
-          <p:cNvPicPr>
-            <a:picLocks noChangeAspect="1"/>
-          </p:cNvPicPr>
-          <p:nvPr/>
-        </p:nvPicPr>
-        <p:blipFill rotWithShape="1">
-          <a:blip r:embed="rId2"/>
-          <a:srcRect l="14584" t="18267" r="39916" b="17332"/>
-          <a:stretch/>
-        </p:blipFill>
-        <p:spPr>
-          <a:xfrm>
-            <a:off x="8683229" y="918501"/>
-            <a:ext cx="3273641" cy="2606310"/>
-          </a:xfrm>
-          <a:prstGeom prst="rect">
-            <a:avLst/>
-          </a:prstGeom>
-          <a:ln>
-            <a:solidFill>
-              <a:schemeClr val="tx1"/>
-            </a:solidFill>
-          </a:ln>
-        </p:spPr>
-      </p:pic>
-      <p:sp>
-        <p:nvSpPr>
-          <p:cNvPr id="5" name="TextBox 4">
-            <a:extLst>
-              <a:ext uri="{FF2B5EF4-FFF2-40B4-BE49-F238E27FC236}">
-                <a16:creationId xmlns:a16="http://schemas.microsoft.com/office/drawing/2014/main" id="{B0ABA658-EE68-443B-A442-7B97C337DB64}"/>
-              </a:ext>
-            </a:extLst>
-          </p:cNvPr>
-          <p:cNvSpPr txBox="1"/>
-          <p:nvPr/>
-        </p:nvSpPr>
-        <p:spPr>
-          <a:xfrm>
-            <a:off x="6821806" y="918501"/>
-            <a:ext cx="1632006" cy="408623"/>
-          </a:xfrm>
-          <a:prstGeom prst="roundRect">
-            <a:avLst/>
-          </a:prstGeom>
-          <a:solidFill>
-            <a:schemeClr val="accent1">
-              <a:lumMod val="20000"/>
-              <a:lumOff val="80000"/>
-            </a:schemeClr>
-          </a:solidFill>
-        </p:spPr>
-        <p:txBody>
-          <a:bodyPr wrap="square" rtlCol="0">
-            <a:spAutoFit/>
-          </a:bodyPr>
-          <a:lstStyle/>
-          <a:p>
-            <a:pPr algn="ctr"/>
-            <a:r>
-              <a:rPr lang="en-US" dirty="0"/>
-              <a:t>Hill Climber</a:t>
-            </a:r>
-            <a:endParaRPr lang="nl-NL" dirty="0"/>
-          </a:p>
-        </p:txBody>
-      </p:sp>
-      <p:sp>
-        <p:nvSpPr>
-          <p:cNvPr id="6" name="TextBox 5">
-            <a:extLst>
-              <a:ext uri="{FF2B5EF4-FFF2-40B4-BE49-F238E27FC236}">
-                <a16:creationId xmlns:a16="http://schemas.microsoft.com/office/drawing/2014/main" id="{55AAEF30-60B5-47D0-8A6D-F70B8BAB80C9}"/>
-              </a:ext>
-            </a:extLst>
-          </p:cNvPr>
-          <p:cNvSpPr txBox="1"/>
-          <p:nvPr/>
-        </p:nvSpPr>
-        <p:spPr>
-          <a:xfrm>
-            <a:off x="6653817" y="4292294"/>
-            <a:ext cx="2161837" cy="408623"/>
-          </a:xfrm>
-          <a:prstGeom prst="roundRect">
-            <a:avLst/>
-          </a:prstGeom>
-          <a:solidFill>
-            <a:schemeClr val="accent1">
-              <a:lumMod val="20000"/>
-              <a:lumOff val="80000"/>
-            </a:schemeClr>
-          </a:solidFill>
-        </p:spPr>
-        <p:txBody>
-          <a:bodyPr wrap="square" rtlCol="0">
-            <a:spAutoFit/>
-          </a:bodyPr>
-          <a:lstStyle/>
-          <a:p>
-            <a:pPr algn="ctr"/>
-            <a:r>
-              <a:rPr lang="en-US" dirty="0"/>
-              <a:t>Cluster + greedy </a:t>
-            </a:r>
-            <a:endParaRPr lang="nl-NL" dirty="0"/>
-          </a:p>
-        </p:txBody>
-      </p:sp>
-      <p:pic>
-        <p:nvPicPr>
-          <p:cNvPr id="7" name="Picture 6">
-            <a:extLst>
-              <a:ext uri="{FF2B5EF4-FFF2-40B4-BE49-F238E27FC236}">
-                <a16:creationId xmlns:a16="http://schemas.microsoft.com/office/drawing/2014/main" id="{57F8C597-A145-4A51-BE54-06DAD70B4B23}"/>
-              </a:ext>
-            </a:extLst>
-          </p:cNvPr>
-          <p:cNvPicPr>
-            <a:picLocks noChangeAspect="1"/>
-          </p:cNvPicPr>
-          <p:nvPr/>
-        </p:nvPicPr>
-        <p:blipFill rotWithShape="1">
-          <a:blip r:embed="rId3"/>
-          <a:srcRect l="6875" t="10222" r="26417" b="7292"/>
-          <a:stretch/>
-        </p:blipFill>
-        <p:spPr>
-          <a:xfrm>
-            <a:off x="8986383" y="4008496"/>
-            <a:ext cx="3206627" cy="2606310"/>
-          </a:xfrm>
-          <a:prstGeom prst="rect">
-            <a:avLst/>
-          </a:prstGeom>
-          <a:ln>
-            <a:solidFill>
-              <a:schemeClr val="tx1"/>
-            </a:solidFill>
-          </a:ln>
-        </p:spPr>
-      </p:pic>
-    </p:spTree>
-    <p:extLst>
-      <p:ext uri="{BB962C8B-B14F-4D97-AF65-F5344CB8AC3E}">
-        <p14:creationId xmlns:p14="http://schemas.microsoft.com/office/powerpoint/2010/main" val="3024342502"/>
-      </p:ext>
-    </p:extLst>
-  </p:cSld>
-  <p:clrMapOvr>
-    <a:masterClrMapping/>
-  </p:clrMapOvr>
-</p:sld>
-</file>
-
-<file path=ppt/slides/slide7.xml><?xml version="1.0" encoding="utf-8"?>
+<file path=ppt/slides/slide10.xml><?xml version="1.0" encoding="utf-8"?>
 <p:sld xmlns:a="http://schemas.openxmlformats.org/drawingml/2006/main" xmlns:r="http://schemas.openxmlformats.org/officeDocument/2006/relationships" xmlns:p="http://schemas.openxmlformats.org/presentationml/2006/main">
   <p:cSld>
     <p:bg>
@@ -9116,7 +7958,7 @@
 </p:sld>
 </file>
 
-<file path=ppt/slides/slide8.xml><?xml version="1.0" encoding="utf-8"?>
+<file path=ppt/slides/slide11.xml><?xml version="1.0" encoding="utf-8"?>
 <p:sld xmlns:a="http://schemas.openxmlformats.org/drawingml/2006/main" xmlns:r="http://schemas.openxmlformats.org/officeDocument/2006/relationships" xmlns:p="http://schemas.openxmlformats.org/presentationml/2006/main">
   <p:cSld>
     <p:spTree>
@@ -9580,7 +8422,7 @@
 </p:sld>
 </file>
 
-<file path=ppt/slides/slide9.xml><?xml version="1.0" encoding="utf-8"?>
+<file path=ppt/slides/slide12.xml><?xml version="1.0" encoding="utf-8"?>
 <p:sld xmlns:a="http://schemas.openxmlformats.org/drawingml/2006/main" xmlns:r="http://schemas.openxmlformats.org/officeDocument/2006/relationships" xmlns:p="http://schemas.openxmlformats.org/presentationml/2006/main">
   <p:cSld>
     <p:spTree>
@@ -9857,7 +8699,7 @@
           <p:nvPr>
             <p:extLst>
               <p:ext uri="{D42A27DB-BD31-4B8C-83A1-F6EECF244321}">
-                <p14:modId xmlns:p14="http://schemas.microsoft.com/office/powerpoint/2010/main" val="196881456"/>
+                <p14:modId xmlns:p14="http://schemas.microsoft.com/office/powerpoint/2010/main" val="3680434868"/>
               </p:ext>
             </p:extLst>
           </p:nvPr>
@@ -9938,7 +8780,17 @@
                       <a:endParaRPr lang="nl-NL" dirty="0"/>
                     </a:p>
                   </a:txBody>
-                  <a:tcPr/>
+                  <a:tcPr>
+                    <a:lnR w="12700" cap="flat" cmpd="sng" algn="ctr">
+                      <a:solidFill>
+                        <a:schemeClr val="tx1"/>
+                      </a:solidFill>
+                      <a:prstDash val="solid"/>
+                      <a:round/>
+                      <a:headEnd type="none" w="med" len="med"/>
+                      <a:tailEnd type="none" w="med" len="med"/>
+                    </a:lnR>
+                  </a:tcPr>
                 </a:tc>
                 <a:tc>
                   <a:txBody>
@@ -9952,7 +8804,35 @@
                       <a:endParaRPr lang="nl-NL" dirty="0"/>
                     </a:p>
                   </a:txBody>
-                  <a:tcPr/>
+                  <a:tcPr>
+                    <a:lnL w="12700" cap="flat" cmpd="sng" algn="ctr">
+                      <a:solidFill>
+                        <a:schemeClr val="tx1"/>
+                      </a:solidFill>
+                      <a:prstDash val="solid"/>
+                      <a:round/>
+                      <a:headEnd type="none" w="med" len="med"/>
+                      <a:tailEnd type="none" w="med" len="med"/>
+                    </a:lnL>
+                    <a:lnR w="12700" cap="flat" cmpd="sng" algn="ctr">
+                      <a:solidFill>
+                        <a:schemeClr val="tx1"/>
+                      </a:solidFill>
+                      <a:prstDash val="solid"/>
+                      <a:round/>
+                      <a:headEnd type="none" w="med" len="med"/>
+                      <a:tailEnd type="none" w="med" len="med"/>
+                    </a:lnR>
+                    <a:lnT w="12700" cap="flat" cmpd="sng" algn="ctr">
+                      <a:solidFill>
+                        <a:schemeClr val="tx1"/>
+                      </a:solidFill>
+                      <a:prstDash val="solid"/>
+                      <a:round/>
+                      <a:headEnd type="none" w="med" len="med"/>
+                      <a:tailEnd type="none" w="med" len="med"/>
+                    </a:lnT>
+                  </a:tcPr>
                 </a:tc>
                 <a:tc>
                   <a:txBody>
@@ -9966,7 +8846,17 @@
                       <a:endParaRPr lang="nl-NL" dirty="0"/>
                     </a:p>
                   </a:txBody>
-                  <a:tcPr/>
+                  <a:tcPr>
+                    <a:lnL w="12700" cap="flat" cmpd="sng" algn="ctr">
+                      <a:solidFill>
+                        <a:schemeClr val="tx1"/>
+                      </a:solidFill>
+                      <a:prstDash val="solid"/>
+                      <a:round/>
+                      <a:headEnd type="none" w="med" len="med"/>
+                      <a:tailEnd type="none" w="med" len="med"/>
+                    </a:lnL>
+                  </a:tcPr>
                 </a:tc>
                 <a:tc>
                   <a:txBody>
@@ -10053,7 +8943,17 @@
                       <a:endParaRPr lang="nl-NL" dirty="0"/>
                     </a:p>
                   </a:txBody>
-                  <a:tcPr/>
+                  <a:tcPr>
+                    <a:lnR w="12700" cap="flat" cmpd="sng" algn="ctr">
+                      <a:solidFill>
+                        <a:schemeClr val="tx1"/>
+                      </a:solidFill>
+                      <a:prstDash val="solid"/>
+                      <a:round/>
+                      <a:headEnd type="none" w="med" len="med"/>
+                      <a:tailEnd type="none" w="med" len="med"/>
+                    </a:lnR>
+                  </a:tcPr>
                 </a:tc>
                 <a:tc>
                   <a:txBody>
@@ -10091,7 +8991,26 @@
                       <a:endParaRPr lang="nl-NL" dirty="0"/>
                     </a:p>
                   </a:txBody>
-                  <a:tcPr/>
+                  <a:tcPr>
+                    <a:lnL w="12700" cap="flat" cmpd="sng" algn="ctr">
+                      <a:solidFill>
+                        <a:schemeClr val="tx1"/>
+                      </a:solidFill>
+                      <a:prstDash val="solid"/>
+                      <a:round/>
+                      <a:headEnd type="none" w="med" len="med"/>
+                      <a:tailEnd type="none" w="med" len="med"/>
+                    </a:lnL>
+                    <a:lnR w="12700" cap="flat" cmpd="sng" algn="ctr">
+                      <a:solidFill>
+                        <a:schemeClr val="tx1"/>
+                      </a:solidFill>
+                      <a:prstDash val="solid"/>
+                      <a:round/>
+                      <a:headEnd type="none" w="med" len="med"/>
+                      <a:tailEnd type="none" w="med" len="med"/>
+                    </a:lnR>
+                  </a:tcPr>
                 </a:tc>
                 <a:tc>
                   <a:txBody>
@@ -10137,7 +9056,17 @@
                       <a:endParaRPr lang="nl-NL" dirty="0"/>
                     </a:p>
                   </a:txBody>
-                  <a:tcPr/>
+                  <a:tcPr>
+                    <a:lnL w="12700" cap="flat" cmpd="sng" algn="ctr">
+                      <a:solidFill>
+                        <a:schemeClr val="tx1"/>
+                      </a:solidFill>
+                      <a:prstDash val="solid"/>
+                      <a:round/>
+                      <a:headEnd type="none" w="med" len="med"/>
+                      <a:tailEnd type="none" w="med" len="med"/>
+                    </a:lnL>
+                  </a:tcPr>
                 </a:tc>
                 <a:tc>
                   <a:txBody>
@@ -10146,7 +9075,7 @@
                     <a:p>
                       <a:r>
                         <a:rPr lang="en-US" dirty="0"/>
-                        <a:t>~1 </a:t>
+                        <a:t>12+ </a:t>
                       </a:r>
                       <a:r>
                         <a:rPr lang="en-US" dirty="0" err="1"/>
@@ -10224,7 +9153,17 @@
                       <a:endParaRPr lang="nl-NL" dirty="0"/>
                     </a:p>
                   </a:txBody>
-                  <a:tcPr/>
+                  <a:tcPr>
+                    <a:lnR w="12700" cap="flat" cmpd="sng" algn="ctr">
+                      <a:solidFill>
+                        <a:schemeClr val="tx1"/>
+                      </a:solidFill>
+                      <a:prstDash val="solid"/>
+                      <a:round/>
+                      <a:headEnd type="none" w="med" len="med"/>
+                      <a:tailEnd type="none" w="med" len="med"/>
+                    </a:lnR>
+                  </a:tcPr>
                 </a:tc>
                 <a:tc>
                   <a:txBody>
@@ -10258,7 +9197,29 @@
                       <a:endParaRPr lang="nl-NL" dirty="0"/>
                     </a:p>
                   </a:txBody>
-                  <a:tcPr/>
+                  <a:tcPr>
+                    <a:lnL w="12700" cap="flat" cmpd="sng" algn="ctr">
+                      <a:solidFill>
+                        <a:schemeClr val="tx1"/>
+                      </a:solidFill>
+                      <a:prstDash val="solid"/>
+                      <a:round/>
+                      <a:headEnd type="none" w="med" len="med"/>
+                      <a:tailEnd type="none" w="med" len="med"/>
+                    </a:lnL>
+                    <a:lnR w="12700" cap="flat" cmpd="sng" algn="ctr">
+                      <a:solidFill>
+                        <a:schemeClr val="tx1"/>
+                      </a:solidFill>
+                      <a:prstDash val="solid"/>
+                      <a:round/>
+                      <a:headEnd type="none" w="med" len="med"/>
+                      <a:tailEnd type="none" w="med" len="med"/>
+                    </a:lnR>
+                    <a:solidFill>
+                      <a:srgbClr val="FFC000"/>
+                    </a:solidFill>
+                  </a:tcPr>
                 </a:tc>
                 <a:tc>
                   <a:txBody>
@@ -10292,7 +9253,17 @@
                       <a:endParaRPr lang="nl-NL" dirty="0"/>
                     </a:p>
                   </a:txBody>
-                  <a:tcPr/>
+                  <a:tcPr>
+                    <a:lnL w="12700" cap="flat" cmpd="sng" algn="ctr">
+                      <a:solidFill>
+                        <a:schemeClr val="tx1"/>
+                      </a:solidFill>
+                      <a:prstDash val="solid"/>
+                      <a:round/>
+                      <a:headEnd type="none" w="med" len="med"/>
+                      <a:tailEnd type="none" w="med" len="med"/>
+                    </a:lnL>
+                  </a:tcPr>
                 </a:tc>
                 <a:tc>
                   <a:txBody>
@@ -10375,7 +9346,17 @@
                       <a:endParaRPr lang="nl-NL" dirty="0"/>
                     </a:p>
                   </a:txBody>
-                  <a:tcPr/>
+                  <a:tcPr>
+                    <a:lnR w="12700" cap="flat" cmpd="sng" algn="ctr">
+                      <a:solidFill>
+                        <a:schemeClr val="tx1"/>
+                      </a:solidFill>
+                      <a:prstDash val="solid"/>
+                      <a:round/>
+                      <a:headEnd type="none" w="med" len="med"/>
+                      <a:tailEnd type="none" w="med" len="med"/>
+                    </a:lnR>
+                  </a:tcPr>
                 </a:tc>
                 <a:tc>
                   <a:txBody>
@@ -10409,7 +9390,26 @@
                       <a:endParaRPr lang="nl-NL" dirty="0"/>
                     </a:p>
                   </a:txBody>
-                  <a:tcPr/>
+                  <a:tcPr>
+                    <a:lnL w="12700" cap="flat" cmpd="sng" algn="ctr">
+                      <a:solidFill>
+                        <a:schemeClr val="tx1"/>
+                      </a:solidFill>
+                      <a:prstDash val="solid"/>
+                      <a:round/>
+                      <a:headEnd type="none" w="med" len="med"/>
+                      <a:tailEnd type="none" w="med" len="med"/>
+                    </a:lnL>
+                    <a:lnR w="12700" cap="flat" cmpd="sng" algn="ctr">
+                      <a:solidFill>
+                        <a:schemeClr val="tx1"/>
+                      </a:solidFill>
+                      <a:prstDash val="solid"/>
+                      <a:round/>
+                      <a:headEnd type="none" w="med" len="med"/>
+                      <a:tailEnd type="none" w="med" len="med"/>
+                    </a:lnR>
+                  </a:tcPr>
                 </a:tc>
                 <a:tc>
                   <a:txBody>
@@ -10443,7 +9443,17 @@
                       <a:endParaRPr lang="nl-NL" dirty="0"/>
                     </a:p>
                   </a:txBody>
-                  <a:tcPr/>
+                  <a:tcPr>
+                    <a:lnL w="12700" cap="flat" cmpd="sng" algn="ctr">
+                      <a:solidFill>
+                        <a:schemeClr val="tx1"/>
+                      </a:solidFill>
+                      <a:prstDash val="solid"/>
+                      <a:round/>
+                      <a:headEnd type="none" w="med" len="med"/>
+                      <a:tailEnd type="none" w="med" len="med"/>
+                    </a:lnL>
+                  </a:tcPr>
                 </a:tc>
                 <a:tc>
                   <a:txBody>
@@ -10525,7 +9535,17 @@
                       <a:endParaRPr lang="nl-NL" dirty="0"/>
                     </a:p>
                   </a:txBody>
-                  <a:tcPr/>
+                  <a:tcPr>
+                    <a:lnR w="12700" cap="flat" cmpd="sng" algn="ctr">
+                      <a:solidFill>
+                        <a:schemeClr val="tx1"/>
+                      </a:solidFill>
+                      <a:prstDash val="solid"/>
+                      <a:round/>
+                      <a:headEnd type="none" w="med" len="med"/>
+                      <a:tailEnd type="none" w="med" len="med"/>
+                    </a:lnR>
+                  </a:tcPr>
                 </a:tc>
                 <a:tc>
                   <a:txBody>
@@ -10558,7 +9578,29 @@
                       <a:endParaRPr lang="nl-NL" dirty="0"/>
                     </a:p>
                   </a:txBody>
-                  <a:tcPr/>
+                  <a:tcPr>
+                    <a:lnL w="12700" cap="flat" cmpd="sng" algn="ctr">
+                      <a:solidFill>
+                        <a:schemeClr val="tx1"/>
+                      </a:solidFill>
+                      <a:prstDash val="solid"/>
+                      <a:round/>
+                      <a:headEnd type="none" w="med" len="med"/>
+                      <a:tailEnd type="none" w="med" len="med"/>
+                    </a:lnL>
+                    <a:lnR w="12700" cap="flat" cmpd="sng" algn="ctr">
+                      <a:solidFill>
+                        <a:schemeClr val="tx1"/>
+                      </a:solidFill>
+                      <a:prstDash val="solid"/>
+                      <a:round/>
+                      <a:headEnd type="none" w="med" len="med"/>
+                      <a:tailEnd type="none" w="med" len="med"/>
+                    </a:lnR>
+                    <a:solidFill>
+                      <a:srgbClr val="FFC000"/>
+                    </a:solidFill>
+                  </a:tcPr>
                 </a:tc>
                 <a:tc>
                   <a:txBody>
@@ -10572,7 +9614,17 @@
                       <a:endParaRPr lang="nl-NL" dirty="0"/>
                     </a:p>
                   </a:txBody>
-                  <a:tcPr/>
+                  <a:tcPr>
+                    <a:lnL w="12700" cap="flat" cmpd="sng" algn="ctr">
+                      <a:solidFill>
+                        <a:schemeClr val="tx1"/>
+                      </a:solidFill>
+                      <a:prstDash val="solid"/>
+                      <a:round/>
+                      <a:headEnd type="none" w="med" len="med"/>
+                      <a:tailEnd type="none" w="med" len="med"/>
+                    </a:lnL>
+                  </a:tcPr>
                 </a:tc>
                 <a:tc>
                   <a:txBody>
@@ -10655,7 +9707,17 @@
                       <a:endParaRPr lang="nl-NL" dirty="0"/>
                     </a:p>
                   </a:txBody>
-                  <a:tcPr/>
+                  <a:tcPr>
+                    <a:lnR w="12700" cap="flat" cmpd="sng" algn="ctr">
+                      <a:solidFill>
+                        <a:schemeClr val="tx1"/>
+                      </a:solidFill>
+                      <a:prstDash val="solid"/>
+                      <a:round/>
+                      <a:headEnd type="none" w="med" len="med"/>
+                      <a:tailEnd type="none" w="med" len="med"/>
+                    </a:lnR>
+                  </a:tcPr>
                 </a:tc>
                 <a:tc>
                   <a:txBody>
@@ -10689,7 +9751,26 @@
                       <a:endParaRPr lang="nl-NL" dirty="0"/>
                     </a:p>
                   </a:txBody>
-                  <a:tcPr/>
+                  <a:tcPr>
+                    <a:lnL w="12700" cap="flat" cmpd="sng" algn="ctr">
+                      <a:solidFill>
+                        <a:schemeClr val="tx1"/>
+                      </a:solidFill>
+                      <a:prstDash val="solid"/>
+                      <a:round/>
+                      <a:headEnd type="none" w="med" len="med"/>
+                      <a:tailEnd type="none" w="med" len="med"/>
+                    </a:lnL>
+                    <a:lnR w="12700" cap="flat" cmpd="sng" algn="ctr">
+                      <a:solidFill>
+                        <a:schemeClr val="tx1"/>
+                      </a:solidFill>
+                      <a:prstDash val="solid"/>
+                      <a:round/>
+                      <a:headEnd type="none" w="med" len="med"/>
+                      <a:tailEnd type="none" w="med" len="med"/>
+                    </a:lnR>
+                  </a:tcPr>
                 </a:tc>
                 <a:tc>
                   <a:txBody>
@@ -10703,7 +9784,17 @@
                       <a:endParaRPr lang="nl-NL" dirty="0"/>
                     </a:p>
                   </a:txBody>
-                  <a:tcPr/>
+                  <a:tcPr>
+                    <a:lnL w="12700" cap="flat" cmpd="sng" algn="ctr">
+                      <a:solidFill>
+                        <a:schemeClr val="tx1"/>
+                      </a:solidFill>
+                      <a:prstDash val="solid"/>
+                      <a:round/>
+                      <a:headEnd type="none" w="med" len="med"/>
+                      <a:tailEnd type="none" w="med" len="med"/>
+                    </a:lnL>
+                  </a:tcPr>
                 </a:tc>
                 <a:tc>
                   <a:txBody>
@@ -10766,7 +9857,17 @@
                       <a:endParaRPr lang="nl-NL" dirty="0"/>
                     </a:p>
                   </a:txBody>
-                  <a:tcPr/>
+                  <a:tcPr>
+                    <a:lnR w="12700" cap="flat" cmpd="sng" algn="ctr">
+                      <a:solidFill>
+                        <a:schemeClr val="tx1"/>
+                      </a:solidFill>
+                      <a:prstDash val="solid"/>
+                      <a:round/>
+                      <a:headEnd type="none" w="med" len="med"/>
+                      <a:tailEnd type="none" w="med" len="med"/>
+                    </a:lnR>
+                  </a:tcPr>
                 </a:tc>
                 <a:tc>
                   <a:txBody>
@@ -10780,7 +9881,29 @@
                       <a:endParaRPr lang="nl-NL" dirty="0"/>
                     </a:p>
                   </a:txBody>
-                  <a:tcPr/>
+                  <a:tcPr>
+                    <a:lnL w="12700" cap="flat" cmpd="sng" algn="ctr">
+                      <a:solidFill>
+                        <a:schemeClr val="tx1"/>
+                      </a:solidFill>
+                      <a:prstDash val="solid"/>
+                      <a:round/>
+                      <a:headEnd type="none" w="med" len="med"/>
+                      <a:tailEnd type="none" w="med" len="med"/>
+                    </a:lnL>
+                    <a:lnR w="12700" cap="flat" cmpd="sng" algn="ctr">
+                      <a:solidFill>
+                        <a:schemeClr val="tx1"/>
+                      </a:solidFill>
+                      <a:prstDash val="solid"/>
+                      <a:round/>
+                      <a:headEnd type="none" w="med" len="med"/>
+                      <a:tailEnd type="none" w="med" len="med"/>
+                    </a:lnR>
+                    <a:solidFill>
+                      <a:srgbClr val="FFC000"/>
+                    </a:solidFill>
+                  </a:tcPr>
                 </a:tc>
                 <a:tc>
                   <a:txBody>
@@ -10794,7 +9917,17 @@
                       <a:endParaRPr lang="nl-NL" dirty="0"/>
                     </a:p>
                   </a:txBody>
-                  <a:tcPr/>
+                  <a:tcPr>
+                    <a:lnL w="12700" cap="flat" cmpd="sng" algn="ctr">
+                      <a:solidFill>
+                        <a:schemeClr val="tx1"/>
+                      </a:solidFill>
+                      <a:prstDash val="solid"/>
+                      <a:round/>
+                      <a:headEnd type="none" w="med" len="med"/>
+                      <a:tailEnd type="none" w="med" len="med"/>
+                    </a:lnL>
+                  </a:tcPr>
                 </a:tc>
                 <a:tc>
                   <a:txBody>
@@ -10857,7 +9990,17 @@
                       <a:endParaRPr lang="nl-NL" dirty="0"/>
                     </a:p>
                   </a:txBody>
-                  <a:tcPr/>
+                  <a:tcPr>
+                    <a:lnR w="12700" cap="flat" cmpd="sng" algn="ctr">
+                      <a:solidFill>
+                        <a:schemeClr val="tx1"/>
+                      </a:solidFill>
+                      <a:prstDash val="solid"/>
+                      <a:round/>
+                      <a:headEnd type="none" w="med" len="med"/>
+                      <a:tailEnd type="none" w="med" len="med"/>
+                    </a:lnR>
+                  </a:tcPr>
                 </a:tc>
                 <a:tc>
                   <a:txBody>
@@ -10871,7 +10014,35 @@
                       <a:endParaRPr lang="nl-NL" dirty="0"/>
                     </a:p>
                   </a:txBody>
-                  <a:tcPr/>
+                  <a:tcPr>
+                    <a:lnL w="12700" cap="flat" cmpd="sng" algn="ctr">
+                      <a:solidFill>
+                        <a:schemeClr val="tx1"/>
+                      </a:solidFill>
+                      <a:prstDash val="solid"/>
+                      <a:round/>
+                      <a:headEnd type="none" w="med" len="med"/>
+                      <a:tailEnd type="none" w="med" len="med"/>
+                    </a:lnL>
+                    <a:lnR w="12700" cap="flat" cmpd="sng" algn="ctr">
+                      <a:solidFill>
+                        <a:schemeClr val="tx1"/>
+                      </a:solidFill>
+                      <a:prstDash val="solid"/>
+                      <a:round/>
+                      <a:headEnd type="none" w="med" len="med"/>
+                      <a:tailEnd type="none" w="med" len="med"/>
+                    </a:lnR>
+                    <a:lnB w="12700" cap="flat" cmpd="sng" algn="ctr">
+                      <a:solidFill>
+                        <a:schemeClr val="tx1"/>
+                      </a:solidFill>
+                      <a:prstDash val="solid"/>
+                      <a:round/>
+                      <a:headEnd type="none" w="med" len="med"/>
+                      <a:tailEnd type="none" w="med" len="med"/>
+                    </a:lnB>
+                  </a:tcPr>
                 </a:tc>
                 <a:tc>
                   <a:txBody>
@@ -10885,7 +10056,17 @@
                       <a:endParaRPr lang="nl-NL" dirty="0"/>
                     </a:p>
                   </a:txBody>
-                  <a:tcPr/>
+                  <a:tcPr>
+                    <a:lnL w="12700" cap="flat" cmpd="sng" algn="ctr">
+                      <a:solidFill>
+                        <a:schemeClr val="tx1"/>
+                      </a:solidFill>
+                      <a:prstDash val="solid"/>
+                      <a:round/>
+                      <a:headEnd type="none" w="med" len="med"/>
+                      <a:tailEnd type="none" w="med" len="med"/>
+                    </a:lnL>
+                  </a:tcPr>
                 </a:tc>
                 <a:tc>
                   <a:txBody>
@@ -11005,6 +10186,2240 @@
     <p:extLst>
       <p:ext uri="{BB962C8B-B14F-4D97-AF65-F5344CB8AC3E}">
         <p14:creationId xmlns:p14="http://schemas.microsoft.com/office/powerpoint/2010/main" val="17600270"/>
+      </p:ext>
+    </p:extLst>
+  </p:cSld>
+  <p:clrMapOvr>
+    <a:masterClrMapping/>
+  </p:clrMapOvr>
+</p:sld>
+</file>
+
+<file path=ppt/slides/slide13.xml><?xml version="1.0" encoding="utf-8"?>
+<p:sld xmlns:a="http://schemas.openxmlformats.org/drawingml/2006/main" xmlns:r="http://schemas.openxmlformats.org/officeDocument/2006/relationships" xmlns:p="http://schemas.openxmlformats.org/presentationml/2006/main">
+  <p:cSld>
+    <p:spTree>
+      <p:nvGrpSpPr>
+        <p:cNvPr id="1" name=""/>
+        <p:cNvGrpSpPr/>
+        <p:nvPr/>
+      </p:nvGrpSpPr>
+      <p:grpSpPr>
+        <a:xfrm>
+          <a:off x="0" y="0"/>
+          <a:ext cx="0" cy="0"/>
+          <a:chOff x="0" y="0"/>
+          <a:chExt cx="0" cy="0"/>
+        </a:xfrm>
+      </p:grpSpPr>
+      <p:sp>
+        <p:nvSpPr>
+          <p:cNvPr id="2" name="Title 1">
+            <a:extLst>
+              <a:ext uri="{FF2B5EF4-FFF2-40B4-BE49-F238E27FC236}">
+                <a16:creationId xmlns:a16="http://schemas.microsoft.com/office/drawing/2014/main" id="{2A9ED1B7-FEFF-451E-8BD0-B1B378FEFC95}"/>
+              </a:ext>
+            </a:extLst>
+          </p:cNvPr>
+          <p:cNvSpPr>
+            <a:spLocks noGrp="1"/>
+          </p:cNvSpPr>
+          <p:nvPr>
+            <p:ph type="title"/>
+          </p:nvPr>
+        </p:nvSpPr>
+        <p:spPr/>
+        <p:txBody>
+          <a:bodyPr/>
+          <a:lstStyle/>
+          <a:p>
+            <a:r>
+              <a:rPr lang="en-US" dirty="0"/>
+              <a:t>Conclusion</a:t>
+            </a:r>
+            <a:endParaRPr lang="nl-NL" dirty="0"/>
+          </a:p>
+        </p:txBody>
+      </p:sp>
+      <p:sp>
+        <p:nvSpPr>
+          <p:cNvPr id="3" name="Content Placeholder 2">
+            <a:extLst>
+              <a:ext uri="{FF2B5EF4-FFF2-40B4-BE49-F238E27FC236}">
+                <a16:creationId xmlns:a16="http://schemas.microsoft.com/office/drawing/2014/main" id="{F5C719C4-B925-49E9-AA01-1CCDE23FF517}"/>
+              </a:ext>
+            </a:extLst>
+          </p:cNvPr>
+          <p:cNvSpPr>
+            <a:spLocks noGrp="1"/>
+          </p:cNvSpPr>
+          <p:nvPr>
+            <p:ph idx="1"/>
+          </p:nvPr>
+        </p:nvSpPr>
+        <p:spPr/>
+        <p:txBody>
+          <a:bodyPr/>
+          <a:lstStyle/>
+          <a:p>
+            <a:r>
+              <a:rPr lang="en-US" dirty="0"/>
+              <a:t>Best result</a:t>
+            </a:r>
+          </a:p>
+          <a:p>
+            <a:r>
+              <a:rPr lang="en-US" dirty="0"/>
+              <a:t>End product</a:t>
+            </a:r>
+          </a:p>
+          <a:p>
+            <a:endParaRPr lang="nl-NL" dirty="0"/>
+          </a:p>
+        </p:txBody>
+      </p:sp>
+    </p:spTree>
+    <p:extLst>
+      <p:ext uri="{BB962C8B-B14F-4D97-AF65-F5344CB8AC3E}">
+        <p14:creationId xmlns:p14="http://schemas.microsoft.com/office/powerpoint/2010/main" val="4206703882"/>
+      </p:ext>
+    </p:extLst>
+  </p:cSld>
+  <p:clrMapOvr>
+    <a:masterClrMapping/>
+  </p:clrMapOvr>
+</p:sld>
+</file>
+
+<file path=ppt/slides/slide2.xml><?xml version="1.0" encoding="utf-8"?>
+<p:sld xmlns:a="http://schemas.openxmlformats.org/drawingml/2006/main" xmlns:r="http://schemas.openxmlformats.org/officeDocument/2006/relationships" xmlns:p="http://schemas.openxmlformats.org/presentationml/2006/main">
+  <p:cSld>
+    <p:spTree>
+      <p:nvGrpSpPr>
+        <p:cNvPr id="1" name=""/>
+        <p:cNvGrpSpPr/>
+        <p:nvPr/>
+      </p:nvGrpSpPr>
+      <p:grpSpPr>
+        <a:xfrm>
+          <a:off x="0" y="0"/>
+          <a:ext cx="0" cy="0"/>
+          <a:chOff x="0" y="0"/>
+          <a:chExt cx="0" cy="0"/>
+        </a:xfrm>
+      </p:grpSpPr>
+      <p:sp>
+        <p:nvSpPr>
+          <p:cNvPr id="2" name="Titel 1">
+            <a:extLst>
+              <a:ext uri="{FF2B5EF4-FFF2-40B4-BE49-F238E27FC236}">
+                <a16:creationId xmlns:a16="http://schemas.microsoft.com/office/drawing/2014/main" id="{41DD1098-2435-4E48-8F47-AAB07FD60CC7}"/>
+              </a:ext>
+            </a:extLst>
+          </p:cNvPr>
+          <p:cNvSpPr>
+            <a:spLocks noGrp="1"/>
+          </p:cNvSpPr>
+          <p:nvPr>
+            <p:ph type="title"/>
+          </p:nvPr>
+        </p:nvSpPr>
+        <p:spPr>
+          <a:xfrm>
+            <a:off x="291440" y="181762"/>
+            <a:ext cx="8596668" cy="1320800"/>
+          </a:xfrm>
+        </p:spPr>
+        <p:txBody>
+          <a:bodyPr/>
+          <a:lstStyle/>
+          <a:p>
+            <a:r>
+              <a:rPr lang="en-GB" dirty="0"/>
+              <a:t>Case Introduction</a:t>
+            </a:r>
+          </a:p>
+        </p:txBody>
+      </p:sp>
+      <p:pic>
+        <p:nvPicPr>
+          <p:cNvPr id="1026" name="Picture 2" descr="File:Twogrids.gif">
+            <a:extLst>
+              <a:ext uri="{FF2B5EF4-FFF2-40B4-BE49-F238E27FC236}">
+                <a16:creationId xmlns:a16="http://schemas.microsoft.com/office/drawing/2014/main" id="{827167C9-1163-4BE3-B9E1-05211E98AF49}"/>
+              </a:ext>
+            </a:extLst>
+          </p:cNvPr>
+          <p:cNvPicPr>
+            <a:picLocks noGrp="1" noChangeAspect="1" noChangeArrowheads="1"/>
+          </p:cNvPicPr>
+          <p:nvPr>
+            <p:ph idx="1"/>
+          </p:nvPr>
+        </p:nvPicPr>
+        <p:blipFill rotWithShape="1">
+          <a:blip r:embed="rId3">
+            <a:extLst>
+              <a:ext uri="{28A0092B-C50C-407E-A947-70E740481C1C}">
+                <a14:useLocalDpi xmlns:a14="http://schemas.microsoft.com/office/drawing/2010/main" val="0"/>
+              </a:ext>
+            </a:extLst>
+          </a:blip>
+          <a:srcRect l="59760"/>
+          <a:stretch/>
+        </p:blipFill>
+        <p:spPr bwMode="auto">
+          <a:xfrm>
+            <a:off x="7934960" y="1983185"/>
+            <a:ext cx="4069206" cy="3021062"/>
+          </a:xfrm>
+          <a:prstGeom prst="rect">
+            <a:avLst/>
+          </a:prstGeom>
+          <a:noFill/>
+          <a:extLst>
+            <a:ext uri="{909E8E84-426E-40DD-AFC4-6F175D3DCCD1}">
+              <a14:hiddenFill xmlns:a14="http://schemas.microsoft.com/office/drawing/2010/main">
+                <a:solidFill>
+                  <a:srgbClr val="FFFFFF"/>
+                </a:solidFill>
+              </a14:hiddenFill>
+            </a:ext>
+          </a:extLst>
+        </p:spPr>
+      </p:pic>
+      <p:sp>
+        <p:nvSpPr>
+          <p:cNvPr id="4" name="Tekstvak 3">
+            <a:extLst>
+              <a:ext uri="{FF2B5EF4-FFF2-40B4-BE49-F238E27FC236}">
+                <a16:creationId xmlns:a16="http://schemas.microsoft.com/office/drawing/2014/main" id="{A3B61F64-2132-488C-A3B9-F66439F72657}"/>
+              </a:ext>
+            </a:extLst>
+          </p:cNvPr>
+          <p:cNvSpPr txBox="1"/>
+          <p:nvPr/>
+        </p:nvSpPr>
+        <p:spPr>
+          <a:xfrm>
+            <a:off x="291440" y="1115391"/>
+            <a:ext cx="6403848" cy="5806718"/>
+          </a:xfrm>
+          <a:prstGeom prst="rect">
+            <a:avLst/>
+          </a:prstGeom>
+          <a:noFill/>
+        </p:spPr>
+        <p:txBody>
+          <a:bodyPr wrap="square" rtlCol="0">
+            <a:spAutoFit/>
+          </a:bodyPr>
+          <a:lstStyle/>
+          <a:p>
+            <a:pPr marL="285750" indent="-285750">
+              <a:spcBef>
+                <a:spcPts val="1000"/>
+              </a:spcBef>
+              <a:buClr>
+                <a:schemeClr val="accent1"/>
+              </a:buClr>
+              <a:buSzPct val="80000"/>
+              <a:buFont typeface="Wingdings 3" charset="2"/>
+              <a:buChar char=""/>
+            </a:pPr>
+            <a:r>
+              <a:rPr lang="en-GB" dirty="0">
+                <a:solidFill>
+                  <a:schemeClr val="tx1">
+                    <a:lumMod val="75000"/>
+                    <a:lumOff val="25000"/>
+                  </a:schemeClr>
+                </a:solidFill>
+              </a:rPr>
+              <a:t>Houses and </a:t>
+            </a:r>
+            <a:r>
+              <a:rPr lang="en-GB" dirty="0" err="1">
+                <a:solidFill>
+                  <a:schemeClr val="tx1">
+                    <a:lumMod val="75000"/>
+                    <a:lumOff val="25000"/>
+                  </a:schemeClr>
+                </a:solidFill>
+              </a:rPr>
+              <a:t>Solarpanels</a:t>
+            </a:r>
+            <a:endParaRPr lang="en-GB" dirty="0">
+              <a:solidFill>
+                <a:schemeClr val="tx1">
+                  <a:lumMod val="75000"/>
+                  <a:lumOff val="25000"/>
+                </a:schemeClr>
+              </a:solidFill>
+            </a:endParaRPr>
+          </a:p>
+          <a:p>
+            <a:pPr marL="742950" lvl="1" indent="-285750">
+              <a:spcBef>
+                <a:spcPts val="1000"/>
+              </a:spcBef>
+              <a:buClr>
+                <a:schemeClr val="accent1"/>
+              </a:buClr>
+              <a:buSzPct val="80000"/>
+              <a:buFont typeface="Wingdings 3" charset="2"/>
+              <a:buChar char=""/>
+            </a:pPr>
+            <a:r>
+              <a:rPr lang="en-GB" dirty="0">
+                <a:solidFill>
+                  <a:schemeClr val="tx1">
+                    <a:lumMod val="75000"/>
+                    <a:lumOff val="25000"/>
+                  </a:schemeClr>
+                </a:solidFill>
+              </a:rPr>
+              <a:t>Store the excess energy in batteries</a:t>
+            </a:r>
+          </a:p>
+          <a:p>
+            <a:pPr marL="285750" indent="-285750">
+              <a:spcBef>
+                <a:spcPts val="1000"/>
+              </a:spcBef>
+              <a:buClr>
+                <a:schemeClr val="accent1"/>
+              </a:buClr>
+              <a:buSzPct val="80000"/>
+              <a:buFont typeface="Wingdings 3" charset="2"/>
+              <a:buChar char=""/>
+            </a:pPr>
+            <a:r>
+              <a:rPr lang="en-GB" dirty="0">
+                <a:solidFill>
+                  <a:schemeClr val="tx1">
+                    <a:lumMod val="75000"/>
+                    <a:lumOff val="25000"/>
+                  </a:schemeClr>
+                </a:solidFill>
+              </a:rPr>
+              <a:t>Goal: place houses and batteries in an optimal cost-efficient configuration</a:t>
+            </a:r>
+          </a:p>
+          <a:p>
+            <a:pPr marL="285750" indent="-285750">
+              <a:spcBef>
+                <a:spcPts val="1000"/>
+              </a:spcBef>
+              <a:buClr>
+                <a:schemeClr val="accent1"/>
+              </a:buClr>
+              <a:buSzPct val="80000"/>
+              <a:buFont typeface="Wingdings 3" charset="2"/>
+              <a:buChar char=""/>
+            </a:pPr>
+            <a:endParaRPr lang="en-GB" dirty="0">
+              <a:solidFill>
+                <a:schemeClr val="tx1">
+                  <a:lumMod val="75000"/>
+                  <a:lumOff val="25000"/>
+                </a:schemeClr>
+              </a:solidFill>
+            </a:endParaRPr>
+          </a:p>
+          <a:p>
+            <a:pPr marL="285750" indent="-285750">
+              <a:spcBef>
+                <a:spcPts val="1000"/>
+              </a:spcBef>
+              <a:buClr>
+                <a:schemeClr val="accent1"/>
+              </a:buClr>
+              <a:buSzPct val="80000"/>
+              <a:buFont typeface="Wingdings 3" charset="2"/>
+              <a:buChar char=""/>
+            </a:pPr>
+            <a:r>
+              <a:rPr lang="en-GB" dirty="0">
+                <a:solidFill>
+                  <a:schemeClr val="tx1">
+                    <a:lumMod val="75000"/>
+                    <a:lumOff val="25000"/>
+                  </a:schemeClr>
+                </a:solidFill>
+              </a:rPr>
+              <a:t>Specifications</a:t>
+            </a:r>
+          </a:p>
+          <a:p>
+            <a:pPr marL="742950" lvl="1" indent="-285750">
+              <a:spcBef>
+                <a:spcPts val="1000"/>
+              </a:spcBef>
+              <a:buClr>
+                <a:schemeClr val="accent1"/>
+              </a:buClr>
+              <a:buSzPct val="80000"/>
+              <a:buFont typeface="Wingdings 3" charset="2"/>
+              <a:buChar char=""/>
+            </a:pPr>
+            <a:r>
+              <a:rPr lang="en-GB" dirty="0">
+                <a:solidFill>
+                  <a:schemeClr val="tx1">
+                    <a:lumMod val="75000"/>
+                    <a:lumOff val="25000"/>
+                  </a:schemeClr>
+                </a:solidFill>
+              </a:rPr>
+              <a:t>A house is connected to only 1 battery</a:t>
+            </a:r>
+          </a:p>
+          <a:p>
+            <a:pPr marL="742950" lvl="1" indent="-285750">
+              <a:spcBef>
+                <a:spcPts val="1000"/>
+              </a:spcBef>
+              <a:buClr>
+                <a:schemeClr val="accent1"/>
+              </a:buClr>
+              <a:buSzPct val="80000"/>
+              <a:buFont typeface="Wingdings 3" charset="2"/>
+              <a:buChar char=""/>
+            </a:pPr>
+            <a:r>
+              <a:rPr lang="en-GB" dirty="0">
+                <a:solidFill>
+                  <a:schemeClr val="tx1">
+                    <a:lumMod val="75000"/>
+                    <a:lumOff val="25000"/>
+                  </a:schemeClr>
+                </a:solidFill>
+              </a:rPr>
+              <a:t>Cables can cross, but are not connected</a:t>
+            </a:r>
+          </a:p>
+          <a:p>
+            <a:pPr marL="742950" lvl="1" indent="-285750">
+              <a:spcBef>
+                <a:spcPts val="1000"/>
+              </a:spcBef>
+              <a:buClr>
+                <a:schemeClr val="accent1"/>
+              </a:buClr>
+              <a:buSzPct val="80000"/>
+              <a:buFont typeface="Wingdings 3" charset="2"/>
+              <a:buChar char=""/>
+            </a:pPr>
+            <a:r>
+              <a:rPr lang="en-GB" dirty="0">
+                <a:solidFill>
+                  <a:schemeClr val="tx1">
+                    <a:lumMod val="75000"/>
+                    <a:lumOff val="25000"/>
+                  </a:schemeClr>
+                </a:solidFill>
+              </a:rPr>
+              <a:t>Cables are allowed to cross houses</a:t>
+            </a:r>
+          </a:p>
+          <a:p>
+            <a:pPr marL="285750" indent="-285750">
+              <a:spcBef>
+                <a:spcPts val="1000"/>
+              </a:spcBef>
+              <a:buClr>
+                <a:schemeClr val="accent1"/>
+              </a:buClr>
+              <a:buSzPct val="80000"/>
+              <a:buFont typeface="Wingdings 3" charset="2"/>
+              <a:buChar char=""/>
+            </a:pPr>
+            <a:r>
+              <a:rPr lang="en-GB" dirty="0">
+                <a:solidFill>
+                  <a:schemeClr val="tx1">
+                    <a:lumMod val="75000"/>
+                    <a:lumOff val="25000"/>
+                  </a:schemeClr>
+                </a:solidFill>
+              </a:rPr>
+              <a:t>Difficulties</a:t>
+            </a:r>
+          </a:p>
+          <a:p>
+            <a:pPr marL="742950" lvl="1" indent="-285750">
+              <a:spcBef>
+                <a:spcPts val="1000"/>
+              </a:spcBef>
+              <a:buClr>
+                <a:schemeClr val="accent1"/>
+              </a:buClr>
+              <a:buSzPct val="80000"/>
+              <a:buFont typeface="Wingdings 3" charset="2"/>
+              <a:buChar char=""/>
+            </a:pPr>
+            <a:r>
+              <a:rPr lang="en-GB" dirty="0">
+                <a:solidFill>
+                  <a:schemeClr val="tx1">
+                    <a:lumMod val="75000"/>
+                    <a:lumOff val="25000"/>
+                  </a:schemeClr>
+                </a:solidFill>
+              </a:rPr>
+              <a:t>Little room between total capacity houses and batteries</a:t>
+            </a:r>
+          </a:p>
+          <a:p>
+            <a:pPr marL="742950" lvl="1" indent="-285750">
+              <a:spcBef>
+                <a:spcPts val="1000"/>
+              </a:spcBef>
+              <a:buClr>
+                <a:schemeClr val="accent1"/>
+              </a:buClr>
+              <a:buSzPct val="80000"/>
+              <a:buFont typeface="Wingdings 3" charset="2"/>
+              <a:buChar char=""/>
+            </a:pPr>
+            <a:r>
+              <a:rPr lang="en-US" dirty="0">
+                <a:solidFill>
+                  <a:schemeClr val="tx1">
+                    <a:lumMod val="75000"/>
+                    <a:lumOff val="25000"/>
+                  </a:schemeClr>
+                </a:solidFill>
+              </a:rPr>
+              <a:t>State Space grows more than exponentially in the  latter half of the case</a:t>
+            </a:r>
+          </a:p>
+          <a:p>
+            <a:pPr marL="742950" lvl="1" indent="-285750">
+              <a:buFont typeface="Arial" panose="020B0604020202020204" pitchFamily="34" charset="0"/>
+              <a:buChar char="•"/>
+            </a:pPr>
+            <a:endParaRPr lang="en-GB" dirty="0"/>
+          </a:p>
+          <a:p>
+            <a:pPr marL="742950" lvl="1" indent="-285750">
+              <a:buFont typeface="Arial" panose="020B0604020202020204" pitchFamily="34" charset="0"/>
+              <a:buChar char="•"/>
+            </a:pPr>
+            <a:endParaRPr lang="en-GB" dirty="0"/>
+          </a:p>
+        </p:txBody>
+      </p:sp>
+    </p:spTree>
+    <p:extLst>
+      <p:ext uri="{BB962C8B-B14F-4D97-AF65-F5344CB8AC3E}">
+        <p14:creationId xmlns:p14="http://schemas.microsoft.com/office/powerpoint/2010/main" val="3002710749"/>
+      </p:ext>
+    </p:extLst>
+  </p:cSld>
+  <p:clrMapOvr>
+    <a:masterClrMapping/>
+  </p:clrMapOvr>
+</p:sld>
+</file>
+
+<file path=ppt/slides/slide3.xml><?xml version="1.0" encoding="utf-8"?>
+<p:sld xmlns:a="http://schemas.openxmlformats.org/drawingml/2006/main" xmlns:r="http://schemas.openxmlformats.org/officeDocument/2006/relationships" xmlns:p="http://schemas.openxmlformats.org/presentationml/2006/main">
+  <p:cSld>
+    <p:spTree>
+      <p:nvGrpSpPr>
+        <p:cNvPr id="1" name=""/>
+        <p:cNvGrpSpPr/>
+        <p:nvPr/>
+      </p:nvGrpSpPr>
+      <p:grpSpPr>
+        <a:xfrm>
+          <a:off x="0" y="0"/>
+          <a:ext cx="0" cy="0"/>
+          <a:chOff x="0" y="0"/>
+          <a:chExt cx="0" cy="0"/>
+        </a:xfrm>
+      </p:grpSpPr>
+      <p:sp>
+        <p:nvSpPr>
+          <p:cNvPr id="2" name="Titel 1">
+            <a:extLst>
+              <a:ext uri="{FF2B5EF4-FFF2-40B4-BE49-F238E27FC236}">
+                <a16:creationId xmlns:a16="http://schemas.microsoft.com/office/drawing/2014/main" id="{28A8AAA5-C9EA-4715-A8A0-B1E3763B88DF}"/>
+              </a:ext>
+            </a:extLst>
+          </p:cNvPr>
+          <p:cNvSpPr>
+            <a:spLocks noGrp="1"/>
+          </p:cNvSpPr>
+          <p:nvPr>
+            <p:ph type="title"/>
+          </p:nvPr>
+        </p:nvSpPr>
+        <p:spPr/>
+        <p:txBody>
+          <a:bodyPr/>
+          <a:lstStyle/>
+          <a:p>
+            <a:r>
+              <a:rPr lang="en-GB" dirty="0"/>
+              <a:t> Parts of Case</a:t>
+            </a:r>
+          </a:p>
+        </p:txBody>
+      </p:sp>
+      <p:sp>
+        <p:nvSpPr>
+          <p:cNvPr id="3" name="Tijdelijke aanduiding voor inhoud 2">
+            <a:extLst>
+              <a:ext uri="{FF2B5EF4-FFF2-40B4-BE49-F238E27FC236}">
+                <a16:creationId xmlns:a16="http://schemas.microsoft.com/office/drawing/2014/main" id="{34CA3E32-FE28-4468-AC16-64DE5569394D}"/>
+              </a:ext>
+            </a:extLst>
+          </p:cNvPr>
+          <p:cNvSpPr>
+            <a:spLocks noGrp="1"/>
+          </p:cNvSpPr>
+          <p:nvPr>
+            <p:ph idx="1"/>
+          </p:nvPr>
+        </p:nvSpPr>
+        <p:spPr>
+          <a:xfrm>
+            <a:off x="677334" y="1651154"/>
+            <a:ext cx="8596668" cy="3880773"/>
+          </a:xfrm>
+        </p:spPr>
+        <p:txBody>
+          <a:bodyPr>
+            <a:normAutofit/>
+          </a:bodyPr>
+          <a:lstStyle/>
+          <a:p>
+            <a:r>
+              <a:rPr lang="en-GB" dirty="0"/>
+              <a:t>1: Able to connect each house with a battery</a:t>
+            </a:r>
+          </a:p>
+          <a:p>
+            <a:pPr lvl="1"/>
+            <a:r>
+              <a:rPr lang="en-GB" dirty="0"/>
+              <a:t>Same batteries, fixed locations</a:t>
+            </a:r>
+          </a:p>
+          <a:p>
+            <a:r>
+              <a:rPr lang="en-GB" dirty="0"/>
+              <a:t>2: Able to calculate the total cost</a:t>
+            </a:r>
+          </a:p>
+          <a:p>
+            <a:endParaRPr lang="en-GB" dirty="0"/>
+          </a:p>
+          <a:p>
+            <a:r>
+              <a:rPr lang="en-GB" dirty="0"/>
+              <a:t>3: Able to relocate the batteries</a:t>
+            </a:r>
+          </a:p>
+          <a:p>
+            <a:pPr lvl="1"/>
+            <a:r>
+              <a:rPr lang="en-GB" dirty="0"/>
+              <a:t>At more cost-efficient locations</a:t>
+            </a:r>
+          </a:p>
+          <a:p>
+            <a:r>
+              <a:rPr lang="en-GB" dirty="0"/>
+              <a:t>4: Optimize battery types</a:t>
+            </a:r>
+          </a:p>
+          <a:p>
+            <a:pPr lvl="1"/>
+            <a:r>
+              <a:rPr lang="en-GB" dirty="0"/>
+              <a:t>With given battery types</a:t>
+            </a:r>
+          </a:p>
+          <a:p>
+            <a:pPr lvl="1"/>
+            <a:endParaRPr lang="en-GB" dirty="0"/>
+          </a:p>
+          <a:p>
+            <a:pPr lvl="1"/>
+            <a:endParaRPr lang="en-GB" dirty="0"/>
+          </a:p>
+          <a:p>
+            <a:endParaRPr lang="en-GB" dirty="0"/>
+          </a:p>
+          <a:p>
+            <a:pPr lvl="2"/>
+            <a:endParaRPr lang="en-GB" dirty="0"/>
+          </a:p>
+        </p:txBody>
+      </p:sp>
+      <p:pic>
+        <p:nvPicPr>
+          <p:cNvPr id="4" name="Afbeelding 3">
+            <a:extLst>
+              <a:ext uri="{FF2B5EF4-FFF2-40B4-BE49-F238E27FC236}">
+                <a16:creationId xmlns:a16="http://schemas.microsoft.com/office/drawing/2014/main" id="{E5C8FB67-3538-40D6-8989-1778C0610568}"/>
+              </a:ext>
+            </a:extLst>
+          </p:cNvPr>
+          <p:cNvPicPr>
+            <a:picLocks noChangeAspect="1"/>
+          </p:cNvPicPr>
+          <p:nvPr/>
+        </p:nvPicPr>
+        <p:blipFill rotWithShape="1">
+          <a:blip r:embed="rId3"/>
+          <a:srcRect l="12937" t="64555" r="75363" b="23445"/>
+          <a:stretch/>
+        </p:blipFill>
+        <p:spPr>
+          <a:xfrm>
+            <a:off x="8013384" y="2535100"/>
+            <a:ext cx="3285151" cy="1895262"/>
+          </a:xfrm>
+          <a:prstGeom prst="rect">
+            <a:avLst/>
+          </a:prstGeom>
+        </p:spPr>
+      </p:pic>
+      <p:sp>
+        <p:nvSpPr>
+          <p:cNvPr id="5" name="TextBox 4">
+            <a:extLst>
+              <a:ext uri="{FF2B5EF4-FFF2-40B4-BE49-F238E27FC236}">
+                <a16:creationId xmlns:a16="http://schemas.microsoft.com/office/drawing/2014/main" id="{6F419814-B6B4-492D-A0A2-FF4B220CEAB5}"/>
+              </a:ext>
+            </a:extLst>
+          </p:cNvPr>
+          <p:cNvSpPr txBox="1"/>
+          <p:nvPr/>
+        </p:nvSpPr>
+        <p:spPr>
+          <a:xfrm>
+            <a:off x="7871990" y="4368210"/>
+            <a:ext cx="3567937" cy="408623"/>
+          </a:xfrm>
+          <a:prstGeom prst="roundRect">
+            <a:avLst/>
+          </a:prstGeom>
+          <a:solidFill>
+            <a:schemeClr val="accent1">
+              <a:lumMod val="40000"/>
+              <a:lumOff val="60000"/>
+            </a:schemeClr>
+          </a:solidFill>
+        </p:spPr>
+        <p:style>
+          <a:lnRef idx="2">
+            <a:schemeClr val="accent1"/>
+          </a:lnRef>
+          <a:fillRef idx="1">
+            <a:schemeClr val="lt1"/>
+          </a:fillRef>
+          <a:effectRef idx="0">
+            <a:schemeClr val="accent1"/>
+          </a:effectRef>
+          <a:fontRef idx="minor">
+            <a:schemeClr val="dk1"/>
+          </a:fontRef>
+        </p:style>
+        <p:txBody>
+          <a:bodyPr wrap="square" rtlCol="0">
+            <a:spAutoFit/>
+          </a:bodyPr>
+          <a:lstStyle/>
+          <a:p>
+            <a:pPr algn="ctr"/>
+            <a:r>
+              <a:rPr lang="en-US" dirty="0"/>
+              <a:t>Given battery types (part 4)</a:t>
+            </a:r>
+            <a:endParaRPr lang="nl-NL" dirty="0"/>
+          </a:p>
+        </p:txBody>
+      </p:sp>
+    </p:spTree>
+    <p:extLst>
+      <p:ext uri="{BB962C8B-B14F-4D97-AF65-F5344CB8AC3E}">
+        <p14:creationId xmlns:p14="http://schemas.microsoft.com/office/powerpoint/2010/main" val="1667676654"/>
+      </p:ext>
+    </p:extLst>
+  </p:cSld>
+  <p:clrMapOvr>
+    <a:masterClrMapping/>
+  </p:clrMapOvr>
+</p:sld>
+</file>
+
+<file path=ppt/slides/slide4.xml><?xml version="1.0" encoding="utf-8"?>
+<p:sld xmlns:a="http://schemas.openxmlformats.org/drawingml/2006/main" xmlns:r="http://schemas.openxmlformats.org/officeDocument/2006/relationships" xmlns:p="http://schemas.openxmlformats.org/presentationml/2006/main">
+  <p:cSld>
+    <p:spTree>
+      <p:nvGrpSpPr>
+        <p:cNvPr id="1" name=""/>
+        <p:cNvGrpSpPr/>
+        <p:nvPr/>
+      </p:nvGrpSpPr>
+      <p:grpSpPr>
+        <a:xfrm>
+          <a:off x="0" y="0"/>
+          <a:ext cx="0" cy="0"/>
+          <a:chOff x="0" y="0"/>
+          <a:chExt cx="0" cy="0"/>
+        </a:xfrm>
+      </p:grpSpPr>
+      <p:sp>
+        <p:nvSpPr>
+          <p:cNvPr id="2" name="Title 1">
+            <a:extLst>
+              <a:ext uri="{FF2B5EF4-FFF2-40B4-BE49-F238E27FC236}">
+                <a16:creationId xmlns:a16="http://schemas.microsoft.com/office/drawing/2014/main" id="{D8FD7D51-5F2D-4762-80AA-E135491E88D4}"/>
+              </a:ext>
+            </a:extLst>
+          </p:cNvPr>
+          <p:cNvSpPr>
+            <a:spLocks noGrp="1"/>
+          </p:cNvSpPr>
+          <p:nvPr>
+            <p:ph type="title"/>
+          </p:nvPr>
+        </p:nvSpPr>
+        <p:spPr/>
+        <p:txBody>
+          <a:bodyPr/>
+          <a:lstStyle/>
+          <a:p>
+            <a:r>
+              <a:rPr lang="en-US" dirty="0"/>
+              <a:t>State Space</a:t>
+            </a:r>
+            <a:endParaRPr lang="nl-NL" dirty="0"/>
+          </a:p>
+        </p:txBody>
+      </p:sp>
+      <p:sp>
+        <p:nvSpPr>
+          <p:cNvPr id="3" name="Content Placeholder 2">
+            <a:extLst>
+              <a:ext uri="{FF2B5EF4-FFF2-40B4-BE49-F238E27FC236}">
+                <a16:creationId xmlns:a16="http://schemas.microsoft.com/office/drawing/2014/main" id="{8357A581-6D00-42C4-B2F4-F5E2A086565F}"/>
+              </a:ext>
+            </a:extLst>
+          </p:cNvPr>
+          <p:cNvSpPr>
+            <a:spLocks noGrp="1"/>
+          </p:cNvSpPr>
+          <p:nvPr>
+            <p:ph idx="1"/>
+          </p:nvPr>
+        </p:nvSpPr>
+        <p:spPr/>
+        <p:txBody>
+          <a:bodyPr/>
+          <a:lstStyle/>
+          <a:p>
+            <a:r>
+              <a:rPr lang="en-US" dirty="0"/>
+              <a:t>Subpart 1 &amp; 2</a:t>
+            </a:r>
+          </a:p>
+          <a:p>
+            <a:pPr lvl="1"/>
+            <a:r>
+              <a:rPr lang="en-US" dirty="0"/>
+              <a:t>#houses ^#batteries :  </a:t>
+            </a:r>
+            <a:r>
+              <a:rPr lang="nl-NL" dirty="0"/>
+              <a:t>150^5</a:t>
+            </a:r>
+          </a:p>
+          <a:p>
+            <a:r>
+              <a:rPr lang="en-US" dirty="0"/>
+              <a:t>Subpart 3</a:t>
+            </a:r>
+          </a:p>
+          <a:p>
+            <a:pPr lvl="1"/>
+            <a:r>
+              <a:rPr lang="en-US" dirty="0"/>
+              <a:t>P</a:t>
+            </a:r>
+            <a:r>
+              <a:rPr lang="nl-NL" dirty="0"/>
+              <a:t>oss. Batt. Locs. : 	gridsize^ #batteries = 	2500^5</a:t>
+            </a:r>
+          </a:p>
+          <a:p>
+            <a:pPr lvl="1"/>
+            <a:r>
+              <a:rPr lang="en-US" dirty="0"/>
+              <a:t>Poss. connections: 	#houses^ #batteries = 	150^5</a:t>
+            </a:r>
+          </a:p>
+          <a:p>
+            <a:pPr lvl="1"/>
+            <a:r>
+              <a:rPr lang="en-US" dirty="0"/>
+              <a:t>Total: #houses ^ #batteries + </a:t>
+            </a:r>
+            <a:r>
+              <a:rPr lang="en-US" dirty="0" err="1"/>
+              <a:t>gridsize</a:t>
+            </a:r>
+            <a:r>
+              <a:rPr lang="en-US" dirty="0"/>
+              <a:t> ^ #batteries</a:t>
+            </a:r>
+          </a:p>
+          <a:p>
+            <a:pPr lvl="2"/>
+            <a:r>
+              <a:rPr lang="nl-NL" dirty="0"/>
+              <a:t>2500^5 + 150^5</a:t>
+            </a:r>
+          </a:p>
+          <a:p>
+            <a:r>
+              <a:rPr lang="en-US" dirty="0"/>
+              <a:t>S</a:t>
+            </a:r>
+            <a:r>
+              <a:rPr lang="nl-NL" dirty="0"/>
+              <a:t>ubpart 4</a:t>
+            </a:r>
+          </a:p>
+          <a:p>
+            <a:pPr lvl="1"/>
+            <a:r>
+              <a:rPr lang="en-US" dirty="0"/>
+              <a:t>Largest battery set: 17 batteries</a:t>
+            </a:r>
+          </a:p>
+          <a:p>
+            <a:pPr lvl="1"/>
+            <a:r>
+              <a:rPr lang="en-US" dirty="0"/>
+              <a:t>M</a:t>
+            </a:r>
+            <a:r>
+              <a:rPr lang="nl-NL" dirty="0"/>
+              <a:t>ax state space =  2500^17 + 150^17</a:t>
+            </a:r>
+          </a:p>
+          <a:p>
+            <a:pPr lvl="1"/>
+            <a:endParaRPr lang="nl-NL" dirty="0"/>
+          </a:p>
+          <a:p>
+            <a:pPr lvl="1"/>
+            <a:endParaRPr lang="nl-NL" dirty="0"/>
+          </a:p>
+        </p:txBody>
+      </p:sp>
+    </p:spTree>
+    <p:extLst>
+      <p:ext uri="{BB962C8B-B14F-4D97-AF65-F5344CB8AC3E}">
+        <p14:creationId xmlns:p14="http://schemas.microsoft.com/office/powerpoint/2010/main" val="1122056664"/>
+      </p:ext>
+    </p:extLst>
+  </p:cSld>
+  <p:clrMapOvr>
+    <a:masterClrMapping/>
+  </p:clrMapOvr>
+</p:sld>
+</file>
+
+<file path=ppt/slides/slide5.xml><?xml version="1.0" encoding="utf-8"?>
+<p:sld xmlns:a="http://schemas.openxmlformats.org/drawingml/2006/main" xmlns:r="http://schemas.openxmlformats.org/officeDocument/2006/relationships" xmlns:p="http://schemas.openxmlformats.org/presentationml/2006/main">
+  <p:cSld>
+    <p:spTree>
+      <p:nvGrpSpPr>
+        <p:cNvPr id="1" name=""/>
+        <p:cNvGrpSpPr/>
+        <p:nvPr/>
+      </p:nvGrpSpPr>
+      <p:grpSpPr>
+        <a:xfrm>
+          <a:off x="0" y="0"/>
+          <a:ext cx="0" cy="0"/>
+          <a:chOff x="0" y="0"/>
+          <a:chExt cx="0" cy="0"/>
+        </a:xfrm>
+      </p:grpSpPr>
+      <p:sp>
+        <p:nvSpPr>
+          <p:cNvPr id="2" name="Title 1">
+            <a:extLst>
+              <a:ext uri="{FF2B5EF4-FFF2-40B4-BE49-F238E27FC236}">
+                <a16:creationId xmlns:a16="http://schemas.microsoft.com/office/drawing/2014/main" id="{5F416FC0-ED03-447E-8639-D84D85C4888E}"/>
+              </a:ext>
+            </a:extLst>
+          </p:cNvPr>
+          <p:cNvSpPr>
+            <a:spLocks noGrp="1"/>
+          </p:cNvSpPr>
+          <p:nvPr>
+            <p:ph type="title"/>
+          </p:nvPr>
+        </p:nvSpPr>
+        <p:spPr/>
+        <p:txBody>
+          <a:bodyPr/>
+          <a:lstStyle/>
+          <a:p>
+            <a:r>
+              <a:rPr lang="en-US" dirty="0"/>
+              <a:t>Algorithms</a:t>
+            </a:r>
+            <a:endParaRPr lang="nl-NL" dirty="0"/>
+          </a:p>
+        </p:txBody>
+      </p:sp>
+      <p:sp>
+        <p:nvSpPr>
+          <p:cNvPr id="3" name="Content Placeholder 2">
+            <a:extLst>
+              <a:ext uri="{FF2B5EF4-FFF2-40B4-BE49-F238E27FC236}">
+                <a16:creationId xmlns:a16="http://schemas.microsoft.com/office/drawing/2014/main" id="{4E0D129F-485C-4780-83ED-29020FA0E9B2}"/>
+              </a:ext>
+            </a:extLst>
+          </p:cNvPr>
+          <p:cNvSpPr>
+            <a:spLocks noGrp="1"/>
+          </p:cNvSpPr>
+          <p:nvPr>
+            <p:ph idx="1"/>
+          </p:nvPr>
+        </p:nvSpPr>
+        <p:spPr/>
+        <p:txBody>
+          <a:bodyPr>
+            <a:normAutofit/>
+          </a:bodyPr>
+          <a:lstStyle/>
+          <a:p>
+            <a:r>
+              <a:rPr lang="en-US" dirty="0"/>
+              <a:t>Step-Down</a:t>
+            </a:r>
+          </a:p>
+          <a:p>
+            <a:pPr lvl="1"/>
+            <a:r>
+              <a:rPr lang="en-US" sz="1400" dirty="0"/>
+              <a:t>Connects all houses to closest batteries</a:t>
+            </a:r>
+          </a:p>
+          <a:p>
+            <a:pPr lvl="1"/>
+            <a:r>
+              <a:rPr lang="en-US" sz="1400" dirty="0"/>
+              <a:t>Reconnects houses of overloaded batteries</a:t>
+            </a:r>
+          </a:p>
+          <a:p>
+            <a:pPr lvl="1"/>
+            <a:r>
+              <a:rPr lang="en-US" sz="1400" dirty="0"/>
+              <a:t>Deterministic</a:t>
+            </a:r>
+          </a:p>
+          <a:p>
+            <a:r>
+              <a:rPr lang="en-US" dirty="0"/>
+              <a:t>Greedy</a:t>
+            </a:r>
+          </a:p>
+          <a:p>
+            <a:pPr lvl="1"/>
+            <a:r>
+              <a:rPr lang="en-US" sz="1400" dirty="0"/>
+              <a:t>Connect random houses to closest battery</a:t>
+            </a:r>
+          </a:p>
+          <a:p>
+            <a:pPr lvl="1"/>
+            <a:r>
+              <a:rPr lang="en-US" sz="1400" dirty="0"/>
+              <a:t>If battery is full, next closest</a:t>
+            </a:r>
+          </a:p>
+          <a:p>
+            <a:pPr lvl="1"/>
+            <a:r>
+              <a:rPr lang="en-US" sz="1400" dirty="0"/>
+              <a:t>If configuration possible, next iteration</a:t>
+            </a:r>
+          </a:p>
+          <a:p>
+            <a:pPr lvl="2"/>
+            <a:r>
+              <a:rPr lang="en-US" dirty="0"/>
+              <a:t>Else, restart iteration</a:t>
+            </a:r>
+          </a:p>
+          <a:p>
+            <a:endParaRPr lang="nl-NL" dirty="0"/>
+          </a:p>
+        </p:txBody>
+      </p:sp>
+      <p:pic>
+        <p:nvPicPr>
+          <p:cNvPr id="4" name="Picture 3">
+            <a:extLst>
+              <a:ext uri="{FF2B5EF4-FFF2-40B4-BE49-F238E27FC236}">
+                <a16:creationId xmlns:a16="http://schemas.microsoft.com/office/drawing/2014/main" id="{76EE88C6-D840-49C2-BC5E-43178530D1DC}"/>
+              </a:ext>
+            </a:extLst>
+          </p:cNvPr>
+          <p:cNvPicPr>
+            <a:picLocks noChangeAspect="1"/>
+          </p:cNvPicPr>
+          <p:nvPr/>
+        </p:nvPicPr>
+        <p:blipFill rotWithShape="1">
+          <a:blip r:embed="rId3">
+            <a:extLst>
+              <a:ext uri="{28A0092B-C50C-407E-A947-70E740481C1C}">
+                <a14:useLocalDpi xmlns:a14="http://schemas.microsoft.com/office/drawing/2010/main" val="0"/>
+              </a:ext>
+            </a:extLst>
+          </a:blip>
+          <a:srcRect l="14121" t="13614" r="11045" b="12384"/>
+          <a:stretch/>
+        </p:blipFill>
+        <p:spPr>
+          <a:xfrm>
+            <a:off x="8741596" y="609600"/>
+            <a:ext cx="3273641" cy="2427896"/>
+          </a:xfrm>
+          <a:prstGeom prst="rect">
+            <a:avLst/>
+          </a:prstGeom>
+          <a:ln>
+            <a:solidFill>
+              <a:schemeClr val="tx1"/>
+            </a:solidFill>
+          </a:ln>
+        </p:spPr>
+      </p:pic>
+      <p:sp>
+        <p:nvSpPr>
+          <p:cNvPr id="5" name="TextBox 4">
+            <a:extLst>
+              <a:ext uri="{FF2B5EF4-FFF2-40B4-BE49-F238E27FC236}">
+                <a16:creationId xmlns:a16="http://schemas.microsoft.com/office/drawing/2014/main" id="{29DDF469-23A9-4026-8322-2EC9737D143C}"/>
+              </a:ext>
+            </a:extLst>
+          </p:cNvPr>
+          <p:cNvSpPr txBox="1"/>
+          <p:nvPr/>
+        </p:nvSpPr>
+        <p:spPr>
+          <a:xfrm>
+            <a:off x="7661910" y="609600"/>
+            <a:ext cx="980850" cy="306467"/>
+          </a:xfrm>
+          <a:prstGeom prst="roundRect">
+            <a:avLst/>
+          </a:prstGeom>
+          <a:solidFill>
+            <a:schemeClr val="accent1">
+              <a:lumMod val="20000"/>
+              <a:lumOff val="80000"/>
+            </a:schemeClr>
+          </a:solidFill>
+        </p:spPr>
+        <p:txBody>
+          <a:bodyPr wrap="square" rtlCol="0">
+            <a:spAutoFit/>
+          </a:bodyPr>
+          <a:lstStyle/>
+          <a:p>
+            <a:pPr algn="ctr"/>
+            <a:r>
+              <a:rPr lang="en-US" sz="1200" dirty="0"/>
+              <a:t>Step-Down</a:t>
+            </a:r>
+            <a:endParaRPr lang="nl-NL" sz="1200" dirty="0"/>
+          </a:p>
+        </p:txBody>
+      </p:sp>
+      <p:pic>
+        <p:nvPicPr>
+          <p:cNvPr id="6" name="Picture 5">
+            <a:extLst>
+              <a:ext uri="{FF2B5EF4-FFF2-40B4-BE49-F238E27FC236}">
+                <a16:creationId xmlns:a16="http://schemas.microsoft.com/office/drawing/2014/main" id="{DF797173-9F80-46E5-95F4-75F9E8F2FE99}"/>
+              </a:ext>
+            </a:extLst>
+          </p:cNvPr>
+          <p:cNvPicPr>
+            <a:picLocks noChangeAspect="1"/>
+          </p:cNvPicPr>
+          <p:nvPr/>
+        </p:nvPicPr>
+        <p:blipFill rotWithShape="1">
+          <a:blip r:embed="rId4">
+            <a:extLst>
+              <a:ext uri="{28A0092B-C50C-407E-A947-70E740481C1C}">
+                <a14:useLocalDpi xmlns:a14="http://schemas.microsoft.com/office/drawing/2010/main" val="0"/>
+              </a:ext>
+            </a:extLst>
+          </a:blip>
+          <a:srcRect l="13217" t="13493" r="10813" b="11184"/>
+          <a:stretch/>
+        </p:blipFill>
+        <p:spPr>
+          <a:xfrm>
+            <a:off x="8741595" y="3685472"/>
+            <a:ext cx="3273640" cy="2624114"/>
+          </a:xfrm>
+          <a:prstGeom prst="rect">
+            <a:avLst/>
+          </a:prstGeom>
+          <a:ln>
+            <a:solidFill>
+              <a:schemeClr val="tx1"/>
+            </a:solidFill>
+          </a:ln>
+        </p:spPr>
+      </p:pic>
+      <p:sp>
+        <p:nvSpPr>
+          <p:cNvPr id="7" name="TextBox 6">
+            <a:extLst>
+              <a:ext uri="{FF2B5EF4-FFF2-40B4-BE49-F238E27FC236}">
+                <a16:creationId xmlns:a16="http://schemas.microsoft.com/office/drawing/2014/main" id="{D281F67C-FCF4-42ED-9695-8D93237DF479}"/>
+              </a:ext>
+            </a:extLst>
+          </p:cNvPr>
+          <p:cNvSpPr txBox="1"/>
+          <p:nvPr/>
+        </p:nvSpPr>
+        <p:spPr>
+          <a:xfrm>
+            <a:off x="7925720" y="3685472"/>
+            <a:ext cx="717040" cy="306467"/>
+          </a:xfrm>
+          <a:prstGeom prst="roundRect">
+            <a:avLst/>
+          </a:prstGeom>
+          <a:solidFill>
+            <a:schemeClr val="accent1">
+              <a:lumMod val="20000"/>
+              <a:lumOff val="80000"/>
+            </a:schemeClr>
+          </a:solidFill>
+        </p:spPr>
+        <p:txBody>
+          <a:bodyPr wrap="square" rtlCol="0">
+            <a:spAutoFit/>
+          </a:bodyPr>
+          <a:lstStyle/>
+          <a:p>
+            <a:pPr algn="ctr"/>
+            <a:r>
+              <a:rPr lang="en-US" sz="1200" dirty="0"/>
+              <a:t>Greedy</a:t>
+            </a:r>
+            <a:endParaRPr lang="nl-NL" sz="1200" dirty="0"/>
+          </a:p>
+        </p:txBody>
+      </p:sp>
+    </p:spTree>
+    <p:extLst>
+      <p:ext uri="{BB962C8B-B14F-4D97-AF65-F5344CB8AC3E}">
+        <p14:creationId xmlns:p14="http://schemas.microsoft.com/office/powerpoint/2010/main" val="257042857"/>
+      </p:ext>
+    </p:extLst>
+  </p:cSld>
+  <p:clrMapOvr>
+    <a:masterClrMapping/>
+  </p:clrMapOvr>
+</p:sld>
+</file>
+
+<file path=ppt/slides/slide6.xml><?xml version="1.0" encoding="utf-8"?>
+<p:sld xmlns:a="http://schemas.openxmlformats.org/drawingml/2006/main" xmlns:r="http://schemas.openxmlformats.org/officeDocument/2006/relationships" xmlns:p="http://schemas.openxmlformats.org/presentationml/2006/main">
+  <p:cSld>
+    <p:spTree>
+      <p:nvGrpSpPr>
+        <p:cNvPr id="1" name=""/>
+        <p:cNvGrpSpPr/>
+        <p:nvPr/>
+      </p:nvGrpSpPr>
+      <p:grpSpPr>
+        <a:xfrm>
+          <a:off x="0" y="0"/>
+          <a:ext cx="0" cy="0"/>
+          <a:chOff x="0" y="0"/>
+          <a:chExt cx="0" cy="0"/>
+        </a:xfrm>
+      </p:grpSpPr>
+      <p:sp>
+        <p:nvSpPr>
+          <p:cNvPr id="2" name="Title 1">
+            <a:extLst>
+              <a:ext uri="{FF2B5EF4-FFF2-40B4-BE49-F238E27FC236}">
+                <a16:creationId xmlns:a16="http://schemas.microsoft.com/office/drawing/2014/main" id="{E2F85545-632C-4F7F-B3E1-2C5ECFC71565}"/>
+              </a:ext>
+            </a:extLst>
+          </p:cNvPr>
+          <p:cNvSpPr>
+            <a:spLocks noGrp="1"/>
+          </p:cNvSpPr>
+          <p:nvPr>
+            <p:ph type="title"/>
+          </p:nvPr>
+        </p:nvSpPr>
+        <p:spPr/>
+        <p:txBody>
+          <a:bodyPr/>
+          <a:lstStyle/>
+          <a:p>
+            <a:r>
+              <a:rPr lang="en-US" dirty="0"/>
+              <a:t>Algorithms</a:t>
+            </a:r>
+            <a:endParaRPr lang="nl-NL" dirty="0"/>
+          </a:p>
+        </p:txBody>
+      </p:sp>
+      <p:sp>
+        <p:nvSpPr>
+          <p:cNvPr id="3" name="Content Placeholder 2">
+            <a:extLst>
+              <a:ext uri="{FF2B5EF4-FFF2-40B4-BE49-F238E27FC236}">
+                <a16:creationId xmlns:a16="http://schemas.microsoft.com/office/drawing/2014/main" id="{6784A8DB-0F9B-4B3A-9476-B80FEA6B2C74}"/>
+              </a:ext>
+            </a:extLst>
+          </p:cNvPr>
+          <p:cNvSpPr>
+            <a:spLocks noGrp="1"/>
+          </p:cNvSpPr>
+          <p:nvPr>
+            <p:ph idx="1"/>
+          </p:nvPr>
+        </p:nvSpPr>
+        <p:spPr/>
+        <p:txBody>
+          <a:bodyPr>
+            <a:normAutofit lnSpcReduction="10000"/>
+          </a:bodyPr>
+          <a:lstStyle/>
+          <a:p>
+            <a:r>
+              <a:rPr lang="en-US" dirty="0"/>
+              <a:t>Hill Climber</a:t>
+            </a:r>
+            <a:endParaRPr lang="en-US" dirty="0">
+              <a:sym typeface="Wingdings" panose="05000000000000000000" pitchFamily="2" charset="2"/>
+            </a:endParaRPr>
+          </a:p>
+          <a:p>
+            <a:pPr lvl="1"/>
+            <a:r>
+              <a:rPr lang="en-US" dirty="0"/>
+              <a:t>Random configuration within constraints</a:t>
+            </a:r>
+          </a:p>
+          <a:p>
+            <a:pPr lvl="1"/>
+            <a:r>
+              <a:rPr lang="en-US" dirty="0">
+                <a:sym typeface="Wingdings" panose="05000000000000000000" pitchFamily="2" charset="2"/>
+              </a:rPr>
+              <a:t>Switches random sequences of houses</a:t>
+            </a:r>
+          </a:p>
+          <a:p>
+            <a:pPr lvl="2"/>
+            <a:r>
+              <a:rPr lang="en-US" dirty="0">
+                <a:sym typeface="Wingdings" panose="05000000000000000000" pitchFamily="2" charset="2"/>
+              </a:rPr>
+              <a:t>Until no further improvements</a:t>
+            </a:r>
+          </a:p>
+          <a:p>
+            <a:r>
+              <a:rPr lang="en-US" dirty="0">
+                <a:sym typeface="Wingdings" panose="05000000000000000000" pitchFamily="2" charset="2"/>
+              </a:rPr>
+              <a:t>Depth-First, Branch-n-Bound</a:t>
+            </a:r>
+          </a:p>
+          <a:p>
+            <a:pPr lvl="1"/>
+            <a:r>
+              <a:rPr lang="en-US" dirty="0">
+                <a:sym typeface="Wingdings" panose="05000000000000000000" pitchFamily="2" charset="2"/>
+              </a:rPr>
+              <a:t>Tries every configuration</a:t>
+            </a:r>
+          </a:p>
+          <a:p>
+            <a:pPr lvl="1"/>
+            <a:r>
+              <a:rPr lang="en-US" dirty="0">
+                <a:sym typeface="Wingdings" panose="05000000000000000000" pitchFamily="2" charset="2"/>
+              </a:rPr>
+              <a:t>Breaks a branch if it breaks certain restrictions</a:t>
+            </a:r>
+          </a:p>
+          <a:p>
+            <a:pPr lvl="2"/>
+            <a:r>
+              <a:rPr lang="en-US" dirty="0">
+                <a:sym typeface="Wingdings" panose="05000000000000000000" pitchFamily="2" charset="2"/>
+              </a:rPr>
+              <a:t>Battery not realistically efficient</a:t>
+            </a:r>
+          </a:p>
+          <a:p>
+            <a:pPr lvl="2"/>
+            <a:r>
+              <a:rPr lang="en-US" dirty="0">
+                <a:sym typeface="Wingdings" panose="05000000000000000000" pitchFamily="2" charset="2"/>
+              </a:rPr>
+              <a:t>Battery capacity already too high</a:t>
+            </a:r>
+          </a:p>
+          <a:p>
+            <a:pPr lvl="2"/>
+            <a:r>
+              <a:rPr lang="en-US" dirty="0">
+                <a:sym typeface="Wingdings" panose="05000000000000000000" pitchFamily="2" charset="2"/>
+              </a:rPr>
+              <a:t>Total costs already too high</a:t>
+            </a:r>
+          </a:p>
+          <a:p>
+            <a:pPr lvl="1"/>
+            <a:r>
+              <a:rPr lang="en-US" dirty="0">
+                <a:sym typeface="Wingdings" panose="05000000000000000000" pitchFamily="2" charset="2"/>
+              </a:rPr>
+              <a:t>(no data yet)</a:t>
+            </a:r>
+          </a:p>
+          <a:p>
+            <a:endParaRPr lang="nl-NL" dirty="0"/>
+          </a:p>
+        </p:txBody>
+      </p:sp>
+      <p:pic>
+        <p:nvPicPr>
+          <p:cNvPr id="4" name="Picture 3">
+            <a:extLst>
+              <a:ext uri="{FF2B5EF4-FFF2-40B4-BE49-F238E27FC236}">
+                <a16:creationId xmlns:a16="http://schemas.microsoft.com/office/drawing/2014/main" id="{CEF09C83-75D0-43B6-BFD7-0924EEEC21F4}"/>
+              </a:ext>
+            </a:extLst>
+          </p:cNvPr>
+          <p:cNvPicPr>
+            <a:picLocks noChangeAspect="1"/>
+          </p:cNvPicPr>
+          <p:nvPr/>
+        </p:nvPicPr>
+        <p:blipFill rotWithShape="1">
+          <a:blip r:embed="rId3"/>
+          <a:srcRect l="14584" t="18267" r="39916" b="17332"/>
+          <a:stretch/>
+        </p:blipFill>
+        <p:spPr>
+          <a:xfrm>
+            <a:off x="8683229" y="918501"/>
+            <a:ext cx="3273641" cy="2606310"/>
+          </a:xfrm>
+          <a:prstGeom prst="rect">
+            <a:avLst/>
+          </a:prstGeom>
+          <a:ln>
+            <a:solidFill>
+              <a:schemeClr val="tx1"/>
+            </a:solidFill>
+          </a:ln>
+        </p:spPr>
+      </p:pic>
+      <p:sp>
+        <p:nvSpPr>
+          <p:cNvPr id="5" name="TextBox 4">
+            <a:extLst>
+              <a:ext uri="{FF2B5EF4-FFF2-40B4-BE49-F238E27FC236}">
+                <a16:creationId xmlns:a16="http://schemas.microsoft.com/office/drawing/2014/main" id="{B0ABA658-EE68-443B-A442-7B97C337DB64}"/>
+              </a:ext>
+            </a:extLst>
+          </p:cNvPr>
+          <p:cNvSpPr txBox="1"/>
+          <p:nvPr/>
+        </p:nvSpPr>
+        <p:spPr>
+          <a:xfrm>
+            <a:off x="6821806" y="918501"/>
+            <a:ext cx="1632006" cy="408623"/>
+          </a:xfrm>
+          <a:prstGeom prst="roundRect">
+            <a:avLst/>
+          </a:prstGeom>
+          <a:solidFill>
+            <a:schemeClr val="accent1">
+              <a:lumMod val="20000"/>
+              <a:lumOff val="80000"/>
+            </a:schemeClr>
+          </a:solidFill>
+        </p:spPr>
+        <p:txBody>
+          <a:bodyPr wrap="square" rtlCol="0">
+            <a:spAutoFit/>
+          </a:bodyPr>
+          <a:lstStyle/>
+          <a:p>
+            <a:pPr algn="ctr"/>
+            <a:r>
+              <a:rPr lang="en-US" dirty="0"/>
+              <a:t>Hill Climber</a:t>
+            </a:r>
+            <a:endParaRPr lang="nl-NL" dirty="0"/>
+          </a:p>
+        </p:txBody>
+      </p:sp>
+      <p:sp>
+        <p:nvSpPr>
+          <p:cNvPr id="6" name="TextBox 5">
+            <a:extLst>
+              <a:ext uri="{FF2B5EF4-FFF2-40B4-BE49-F238E27FC236}">
+                <a16:creationId xmlns:a16="http://schemas.microsoft.com/office/drawing/2014/main" id="{55AAEF30-60B5-47D0-8A6D-F70B8BAB80C9}"/>
+              </a:ext>
+            </a:extLst>
+          </p:cNvPr>
+          <p:cNvSpPr txBox="1"/>
+          <p:nvPr/>
+        </p:nvSpPr>
+        <p:spPr>
+          <a:xfrm>
+            <a:off x="6653817" y="4292294"/>
+            <a:ext cx="2161837" cy="408623"/>
+          </a:xfrm>
+          <a:prstGeom prst="roundRect">
+            <a:avLst/>
+          </a:prstGeom>
+          <a:solidFill>
+            <a:schemeClr val="accent1">
+              <a:lumMod val="20000"/>
+              <a:lumOff val="80000"/>
+            </a:schemeClr>
+          </a:solidFill>
+        </p:spPr>
+        <p:txBody>
+          <a:bodyPr wrap="square" rtlCol="0">
+            <a:spAutoFit/>
+          </a:bodyPr>
+          <a:lstStyle/>
+          <a:p>
+            <a:pPr algn="ctr"/>
+            <a:r>
+              <a:rPr lang="en-US" dirty="0"/>
+              <a:t>Cluster + greedy </a:t>
+            </a:r>
+            <a:endParaRPr lang="nl-NL" dirty="0"/>
+          </a:p>
+        </p:txBody>
+      </p:sp>
+      <p:pic>
+        <p:nvPicPr>
+          <p:cNvPr id="7" name="Picture 6">
+            <a:extLst>
+              <a:ext uri="{FF2B5EF4-FFF2-40B4-BE49-F238E27FC236}">
+                <a16:creationId xmlns:a16="http://schemas.microsoft.com/office/drawing/2014/main" id="{57F8C597-A145-4A51-BE54-06DAD70B4B23}"/>
+              </a:ext>
+            </a:extLst>
+          </p:cNvPr>
+          <p:cNvPicPr>
+            <a:picLocks noChangeAspect="1"/>
+          </p:cNvPicPr>
+          <p:nvPr/>
+        </p:nvPicPr>
+        <p:blipFill rotWithShape="1">
+          <a:blip r:embed="rId4"/>
+          <a:srcRect l="6875" t="10222" r="26417" b="7292"/>
+          <a:stretch/>
+        </p:blipFill>
+        <p:spPr>
+          <a:xfrm>
+            <a:off x="8986383" y="4008496"/>
+            <a:ext cx="3206627" cy="2606310"/>
+          </a:xfrm>
+          <a:prstGeom prst="rect">
+            <a:avLst/>
+          </a:prstGeom>
+          <a:ln>
+            <a:solidFill>
+              <a:schemeClr val="tx1"/>
+            </a:solidFill>
+          </a:ln>
+        </p:spPr>
+      </p:pic>
+    </p:spTree>
+    <p:extLst>
+      <p:ext uri="{BB962C8B-B14F-4D97-AF65-F5344CB8AC3E}">
+        <p14:creationId xmlns:p14="http://schemas.microsoft.com/office/powerpoint/2010/main" val="3024342502"/>
+      </p:ext>
+    </p:extLst>
+  </p:cSld>
+  <p:clrMapOvr>
+    <a:masterClrMapping/>
+  </p:clrMapOvr>
+</p:sld>
+</file>
+
+<file path=ppt/slides/slide7.xml><?xml version="1.0" encoding="utf-8"?>
+<p:sld xmlns:a="http://schemas.openxmlformats.org/drawingml/2006/main" xmlns:r="http://schemas.openxmlformats.org/officeDocument/2006/relationships" xmlns:p="http://schemas.openxmlformats.org/presentationml/2006/main">
+  <p:cSld>
+    <p:spTree>
+      <p:nvGrpSpPr>
+        <p:cNvPr id="1" name=""/>
+        <p:cNvGrpSpPr/>
+        <p:nvPr/>
+      </p:nvGrpSpPr>
+      <p:grpSpPr>
+        <a:xfrm>
+          <a:off x="0" y="0"/>
+          <a:ext cx="0" cy="0"/>
+          <a:chOff x="0" y="0"/>
+          <a:chExt cx="0" cy="0"/>
+        </a:xfrm>
+      </p:grpSpPr>
+      <p:sp>
+        <p:nvSpPr>
+          <p:cNvPr id="2" name="Title 1">
+            <a:extLst>
+              <a:ext uri="{FF2B5EF4-FFF2-40B4-BE49-F238E27FC236}">
+                <a16:creationId xmlns:a16="http://schemas.microsoft.com/office/drawing/2014/main" id="{2D87CC42-6BCB-4A88-AF94-9EF6112CABF3}"/>
+              </a:ext>
+            </a:extLst>
+          </p:cNvPr>
+          <p:cNvSpPr>
+            <a:spLocks noGrp="1"/>
+          </p:cNvSpPr>
+          <p:nvPr>
+            <p:ph type="title"/>
+          </p:nvPr>
+        </p:nvSpPr>
+        <p:spPr/>
+        <p:txBody>
+          <a:bodyPr/>
+          <a:lstStyle/>
+          <a:p>
+            <a:r>
+              <a:rPr lang="en-US" dirty="0"/>
+              <a:t>Part 3: Relocate batteries</a:t>
+            </a:r>
+            <a:endParaRPr lang="nl-NL" dirty="0"/>
+          </a:p>
+        </p:txBody>
+      </p:sp>
+      <p:sp>
+        <p:nvSpPr>
+          <p:cNvPr id="3" name="Content Placeholder 2">
+            <a:extLst>
+              <a:ext uri="{FF2B5EF4-FFF2-40B4-BE49-F238E27FC236}">
+                <a16:creationId xmlns:a16="http://schemas.microsoft.com/office/drawing/2014/main" id="{DFC3ECE0-1F98-4CE5-AC60-FED58D12671A}"/>
+              </a:ext>
+            </a:extLst>
+          </p:cNvPr>
+          <p:cNvSpPr>
+            <a:spLocks noGrp="1"/>
+          </p:cNvSpPr>
+          <p:nvPr>
+            <p:ph idx="1"/>
+          </p:nvPr>
+        </p:nvSpPr>
+        <p:spPr>
+          <a:xfrm>
+            <a:off x="387966" y="1930400"/>
+            <a:ext cx="8596668" cy="3880773"/>
+          </a:xfrm>
+        </p:spPr>
+        <p:txBody>
+          <a:bodyPr/>
+          <a:lstStyle/>
+          <a:p>
+            <a:r>
+              <a:rPr lang="en-US" dirty="0"/>
+              <a:t>Find better locations for batteries</a:t>
+            </a:r>
+          </a:p>
+          <a:p>
+            <a:r>
+              <a:rPr lang="en-US" dirty="0"/>
+              <a:t>DB Scan</a:t>
+            </a:r>
+          </a:p>
+          <a:p>
+            <a:pPr lvl="1"/>
+            <a:r>
+              <a:rPr lang="en-US" dirty="0"/>
+              <a:t>Cluster algorithm</a:t>
+            </a:r>
+          </a:p>
+          <a:p>
+            <a:pPr lvl="1"/>
+            <a:r>
+              <a:rPr lang="en-US" dirty="0"/>
+              <a:t>Returns multiple variations</a:t>
+            </a:r>
+          </a:p>
+          <a:p>
+            <a:r>
+              <a:rPr lang="en-US" dirty="0"/>
+              <a:t>Select variations</a:t>
+            </a:r>
+            <a:endParaRPr lang="en-US" sz="1400" dirty="0"/>
+          </a:p>
+          <a:p>
+            <a:pPr lvl="1"/>
+            <a:r>
+              <a:rPr lang="en-US" dirty="0"/>
+              <a:t>Through Greedy</a:t>
+            </a:r>
+            <a:endParaRPr lang="nl-NL" dirty="0"/>
+          </a:p>
+        </p:txBody>
+      </p:sp>
+      <p:pic>
+        <p:nvPicPr>
+          <p:cNvPr id="5" name="Picture 4">
+            <a:extLst>
+              <a:ext uri="{FF2B5EF4-FFF2-40B4-BE49-F238E27FC236}">
+                <a16:creationId xmlns:a16="http://schemas.microsoft.com/office/drawing/2014/main" id="{E94E1E1F-0C05-4AA0-A177-A523DCEF9513}"/>
+              </a:ext>
+            </a:extLst>
+          </p:cNvPr>
+          <p:cNvPicPr>
+            <a:picLocks noChangeAspect="1"/>
+          </p:cNvPicPr>
+          <p:nvPr/>
+        </p:nvPicPr>
+        <p:blipFill rotWithShape="1">
+          <a:blip r:embed="rId3"/>
+          <a:srcRect l="12532" t="10874" r="9810" b="10478"/>
+          <a:stretch/>
+        </p:blipFill>
+        <p:spPr>
+          <a:xfrm>
+            <a:off x="4502552" y="4305782"/>
+            <a:ext cx="7511969" cy="2366077"/>
+          </a:xfrm>
+          <a:prstGeom prst="rect">
+            <a:avLst/>
+          </a:prstGeom>
+        </p:spPr>
+      </p:pic>
+    </p:spTree>
+    <p:extLst>
+      <p:ext uri="{BB962C8B-B14F-4D97-AF65-F5344CB8AC3E}">
+        <p14:creationId xmlns:p14="http://schemas.microsoft.com/office/powerpoint/2010/main" val="2263020842"/>
+      </p:ext>
+    </p:extLst>
+  </p:cSld>
+  <p:clrMapOvr>
+    <a:masterClrMapping/>
+  </p:clrMapOvr>
+</p:sld>
+</file>
+
+<file path=ppt/slides/slide8.xml><?xml version="1.0" encoding="utf-8"?>
+<p:sld xmlns:a="http://schemas.openxmlformats.org/drawingml/2006/main" xmlns:r="http://schemas.openxmlformats.org/officeDocument/2006/relationships" xmlns:p="http://schemas.openxmlformats.org/presentationml/2006/main">
+  <p:cSld>
+    <p:spTree>
+      <p:nvGrpSpPr>
+        <p:cNvPr id="1" name=""/>
+        <p:cNvGrpSpPr/>
+        <p:nvPr/>
+      </p:nvGrpSpPr>
+      <p:grpSpPr>
+        <a:xfrm>
+          <a:off x="0" y="0"/>
+          <a:ext cx="0" cy="0"/>
+          <a:chOff x="0" y="0"/>
+          <a:chExt cx="0" cy="0"/>
+        </a:xfrm>
+      </p:grpSpPr>
+      <p:sp>
+        <p:nvSpPr>
+          <p:cNvPr id="2" name="Title 1">
+            <a:extLst>
+              <a:ext uri="{FF2B5EF4-FFF2-40B4-BE49-F238E27FC236}">
+                <a16:creationId xmlns:a16="http://schemas.microsoft.com/office/drawing/2014/main" id="{5DFF0AF8-5BBF-4A43-B493-B2B86FA448DA}"/>
+              </a:ext>
+            </a:extLst>
+          </p:cNvPr>
+          <p:cNvSpPr>
+            <a:spLocks noGrp="1"/>
+          </p:cNvSpPr>
+          <p:nvPr>
+            <p:ph type="title"/>
+          </p:nvPr>
+        </p:nvSpPr>
+        <p:spPr/>
+        <p:txBody>
+          <a:bodyPr/>
+          <a:lstStyle/>
+          <a:p>
+            <a:r>
+              <a:rPr lang="en-US" dirty="0"/>
+              <a:t>Part 4: Reconfigure</a:t>
+            </a:r>
+            <a:endParaRPr lang="nl-NL" dirty="0"/>
+          </a:p>
+        </p:txBody>
+      </p:sp>
+      <p:sp>
+        <p:nvSpPr>
+          <p:cNvPr id="3" name="Content Placeholder 2">
+            <a:extLst>
+              <a:ext uri="{FF2B5EF4-FFF2-40B4-BE49-F238E27FC236}">
+                <a16:creationId xmlns:a16="http://schemas.microsoft.com/office/drawing/2014/main" id="{493D7471-2887-4851-A457-69422AF01671}"/>
+              </a:ext>
+            </a:extLst>
+          </p:cNvPr>
+          <p:cNvSpPr>
+            <a:spLocks noGrp="1"/>
+          </p:cNvSpPr>
+          <p:nvPr>
+            <p:ph idx="1"/>
+          </p:nvPr>
+        </p:nvSpPr>
+        <p:spPr/>
+        <p:txBody>
+          <a:bodyPr/>
+          <a:lstStyle/>
+          <a:p>
+            <a:r>
+              <a:rPr lang="en-US" dirty="0"/>
+              <a:t>New battery types</a:t>
+            </a:r>
+          </a:p>
+          <a:p>
+            <a:pPr lvl="1"/>
+            <a:r>
+              <a:rPr lang="en-US" dirty="0"/>
+              <a:t>Battery sets: possible combinations of </a:t>
+            </a:r>
+            <a:r>
+              <a:rPr lang="en-US" dirty="0" err="1"/>
+              <a:t>batterytypes</a:t>
+            </a:r>
+            <a:endParaRPr lang="en-US" dirty="0"/>
+          </a:p>
+          <a:p>
+            <a:pPr lvl="2"/>
+            <a:r>
+              <a:rPr lang="en-US" dirty="0"/>
+              <a:t>More than 5 batteries per set</a:t>
+            </a:r>
+          </a:p>
+          <a:p>
+            <a:r>
+              <a:rPr lang="en-US" dirty="0"/>
+              <a:t>Find n clusters for the possible combinations of battery types</a:t>
+            </a:r>
+          </a:p>
+          <a:p>
+            <a:pPr lvl="1"/>
+            <a:r>
+              <a:rPr lang="en-US" dirty="0"/>
+              <a:t>Calculate weight/cluster</a:t>
+            </a:r>
+          </a:p>
+          <a:p>
+            <a:pPr lvl="1"/>
+            <a:r>
+              <a:rPr lang="en-US" dirty="0"/>
+              <a:t>Give each cluster a battery type based on its weight</a:t>
+            </a:r>
+            <a:endParaRPr lang="nl-NL" dirty="0"/>
+          </a:p>
+        </p:txBody>
+      </p:sp>
+      <p:pic>
+        <p:nvPicPr>
+          <p:cNvPr id="4" name="Picture 3">
+            <a:extLst>
+              <a:ext uri="{FF2B5EF4-FFF2-40B4-BE49-F238E27FC236}">
+                <a16:creationId xmlns:a16="http://schemas.microsoft.com/office/drawing/2014/main" id="{B6304B9F-46BD-4617-A6B7-F8C82EF775DA}"/>
+              </a:ext>
+            </a:extLst>
+          </p:cNvPr>
+          <p:cNvPicPr>
+            <a:picLocks noChangeAspect="1"/>
+          </p:cNvPicPr>
+          <p:nvPr/>
+        </p:nvPicPr>
+        <p:blipFill rotWithShape="1">
+          <a:blip r:embed="rId3"/>
+          <a:srcRect l="11807" t="10378" r="6666"/>
+          <a:stretch/>
+        </p:blipFill>
+        <p:spPr>
+          <a:xfrm>
+            <a:off x="7609510" y="2773424"/>
+            <a:ext cx="3996988" cy="3267938"/>
+          </a:xfrm>
+          <a:prstGeom prst="rect">
+            <a:avLst/>
+          </a:prstGeom>
+        </p:spPr>
+      </p:pic>
+      <p:pic>
+        <p:nvPicPr>
+          <p:cNvPr id="5" name="Picture 4">
+            <a:extLst>
+              <a:ext uri="{FF2B5EF4-FFF2-40B4-BE49-F238E27FC236}">
+                <a16:creationId xmlns:a16="http://schemas.microsoft.com/office/drawing/2014/main" id="{D0E599E6-CB10-4F7D-B079-4A9703CEAB6D}"/>
+              </a:ext>
+            </a:extLst>
+          </p:cNvPr>
+          <p:cNvPicPr>
+            <a:picLocks noChangeAspect="1"/>
+          </p:cNvPicPr>
+          <p:nvPr/>
+        </p:nvPicPr>
+        <p:blipFill>
+          <a:blip r:embed="rId4"/>
+          <a:stretch>
+            <a:fillRect/>
+          </a:stretch>
+        </p:blipFill>
+        <p:spPr>
+          <a:xfrm>
+            <a:off x="7968038" y="982390"/>
+            <a:ext cx="3279932" cy="1896020"/>
+          </a:xfrm>
+          <a:prstGeom prst="rect">
+            <a:avLst/>
+          </a:prstGeom>
+        </p:spPr>
+      </p:pic>
+    </p:spTree>
+    <p:extLst>
+      <p:ext uri="{BB962C8B-B14F-4D97-AF65-F5344CB8AC3E}">
+        <p14:creationId xmlns:p14="http://schemas.microsoft.com/office/powerpoint/2010/main" val="2993335839"/>
+      </p:ext>
+    </p:extLst>
+  </p:cSld>
+  <p:clrMapOvr>
+    <a:masterClrMapping/>
+  </p:clrMapOvr>
+</p:sld>
+</file>
+
+<file path=ppt/slides/slide9.xml><?xml version="1.0" encoding="utf-8"?>
+<p:sld xmlns:a="http://schemas.openxmlformats.org/drawingml/2006/main" xmlns:r="http://schemas.openxmlformats.org/officeDocument/2006/relationships" xmlns:p="http://schemas.openxmlformats.org/presentationml/2006/main">
+  <p:cSld>
+    <p:spTree>
+      <p:nvGrpSpPr>
+        <p:cNvPr id="1" name=""/>
+        <p:cNvGrpSpPr/>
+        <p:nvPr/>
+      </p:nvGrpSpPr>
+      <p:grpSpPr>
+        <a:xfrm>
+          <a:off x="0" y="0"/>
+          <a:ext cx="0" cy="0"/>
+          <a:chOff x="0" y="0"/>
+          <a:chExt cx="0" cy="0"/>
+        </a:xfrm>
+      </p:grpSpPr>
+      <p:sp>
+        <p:nvSpPr>
+          <p:cNvPr id="2" name="Title 1">
+            <a:extLst>
+              <a:ext uri="{FF2B5EF4-FFF2-40B4-BE49-F238E27FC236}">
+                <a16:creationId xmlns:a16="http://schemas.microsoft.com/office/drawing/2014/main" id="{E9BEB15B-362D-4762-9470-C6DE7B23A411}"/>
+              </a:ext>
+            </a:extLst>
+          </p:cNvPr>
+          <p:cNvSpPr>
+            <a:spLocks noGrp="1"/>
+          </p:cNvSpPr>
+          <p:nvPr>
+            <p:ph type="title"/>
+          </p:nvPr>
+        </p:nvSpPr>
+        <p:spPr>
+          <a:xfrm>
+            <a:off x="1506289" y="352135"/>
+            <a:ext cx="8596668" cy="1320800"/>
+          </a:xfrm>
+        </p:spPr>
+        <p:txBody>
+          <a:bodyPr/>
+          <a:lstStyle/>
+          <a:p>
+            <a:pPr algn="ctr"/>
+            <a:r>
+              <a:rPr lang="en-US" dirty="0"/>
+              <a:t>Result per battery set-up</a:t>
+            </a:r>
+            <a:endParaRPr lang="nl-NL" dirty="0"/>
+          </a:p>
+        </p:txBody>
+      </p:sp>
+      <p:sp>
+        <p:nvSpPr>
+          <p:cNvPr id="3" name="Content Placeholder 2">
+            <a:extLst>
+              <a:ext uri="{FF2B5EF4-FFF2-40B4-BE49-F238E27FC236}">
+                <a16:creationId xmlns:a16="http://schemas.microsoft.com/office/drawing/2014/main" id="{AECBFFA0-032D-401E-9278-05037866ABD8}"/>
+              </a:ext>
+            </a:extLst>
+          </p:cNvPr>
+          <p:cNvSpPr>
+            <a:spLocks noGrp="1"/>
+          </p:cNvSpPr>
+          <p:nvPr>
+            <p:ph idx="1"/>
+          </p:nvPr>
+        </p:nvSpPr>
+        <p:spPr/>
+        <p:txBody>
+          <a:bodyPr/>
+          <a:lstStyle/>
+          <a:p>
+            <a:endParaRPr lang="nl-NL" dirty="0"/>
+          </a:p>
+        </p:txBody>
+      </p:sp>
+      <p:pic>
+        <p:nvPicPr>
+          <p:cNvPr id="5" name="Picture 4">
+            <a:extLst>
+              <a:ext uri="{FF2B5EF4-FFF2-40B4-BE49-F238E27FC236}">
+                <a16:creationId xmlns:a16="http://schemas.microsoft.com/office/drawing/2014/main" id="{807CDC8B-08A3-4F20-8B12-C0540905C7A1}"/>
+              </a:ext>
+            </a:extLst>
+          </p:cNvPr>
+          <p:cNvPicPr>
+            <a:picLocks noChangeAspect="1"/>
+          </p:cNvPicPr>
+          <p:nvPr/>
+        </p:nvPicPr>
+        <p:blipFill rotWithShape="1">
+          <a:blip r:embed="rId3"/>
+          <a:srcRect l="12431" t="10673" r="10354" b="10281"/>
+          <a:stretch/>
+        </p:blipFill>
+        <p:spPr>
+          <a:xfrm>
+            <a:off x="184398" y="2303362"/>
+            <a:ext cx="3554225" cy="2728842"/>
+          </a:xfrm>
+          <a:prstGeom prst="rect">
+            <a:avLst/>
+          </a:prstGeom>
+        </p:spPr>
+      </p:pic>
+      <p:pic>
+        <p:nvPicPr>
+          <p:cNvPr id="7" name="Picture 6">
+            <a:extLst>
+              <a:ext uri="{FF2B5EF4-FFF2-40B4-BE49-F238E27FC236}">
+                <a16:creationId xmlns:a16="http://schemas.microsoft.com/office/drawing/2014/main" id="{44C8C776-0BE1-41FF-98FB-D6A4BE56C7BF}"/>
+              </a:ext>
+            </a:extLst>
+          </p:cNvPr>
+          <p:cNvPicPr>
+            <a:picLocks noChangeAspect="1"/>
+          </p:cNvPicPr>
+          <p:nvPr/>
+        </p:nvPicPr>
+        <p:blipFill rotWithShape="1">
+          <a:blip r:embed="rId4"/>
+          <a:srcRect l="11859" t="12267" r="9545" b="11260"/>
+          <a:stretch/>
+        </p:blipFill>
+        <p:spPr>
+          <a:xfrm>
+            <a:off x="3865148" y="2225181"/>
+            <a:ext cx="3878950" cy="2807023"/>
+          </a:xfrm>
+          <a:prstGeom prst="rect">
+            <a:avLst/>
+          </a:prstGeom>
+        </p:spPr>
+      </p:pic>
+      <p:pic>
+        <p:nvPicPr>
+          <p:cNvPr id="9" name="Picture 8">
+            <a:extLst>
+              <a:ext uri="{FF2B5EF4-FFF2-40B4-BE49-F238E27FC236}">
+                <a16:creationId xmlns:a16="http://schemas.microsoft.com/office/drawing/2014/main" id="{3D4A5B45-4507-403E-A1D8-F2262366656C}"/>
+              </a:ext>
+            </a:extLst>
+          </p:cNvPr>
+          <p:cNvPicPr>
+            <a:picLocks noChangeAspect="1"/>
+          </p:cNvPicPr>
+          <p:nvPr/>
+        </p:nvPicPr>
+        <p:blipFill rotWithShape="1">
+          <a:blip r:embed="rId5"/>
+          <a:srcRect l="11807" t="10378" r="6666"/>
+          <a:stretch/>
+        </p:blipFill>
+        <p:spPr>
+          <a:xfrm>
+            <a:off x="8014336" y="2160589"/>
+            <a:ext cx="3996988" cy="3267938"/>
+          </a:xfrm>
+          <a:prstGeom prst="rect">
+            <a:avLst/>
+          </a:prstGeom>
+        </p:spPr>
+      </p:pic>
+      <p:sp>
+        <p:nvSpPr>
+          <p:cNvPr id="10" name="TextBox 9">
+            <a:extLst>
+              <a:ext uri="{FF2B5EF4-FFF2-40B4-BE49-F238E27FC236}">
+                <a16:creationId xmlns:a16="http://schemas.microsoft.com/office/drawing/2014/main" id="{4A05C337-ECD3-4A21-AA23-F999D9F8BC5D}"/>
+              </a:ext>
+            </a:extLst>
+          </p:cNvPr>
+          <p:cNvSpPr txBox="1"/>
+          <p:nvPr/>
+        </p:nvSpPr>
+        <p:spPr>
+          <a:xfrm>
+            <a:off x="895566" y="5579468"/>
+            <a:ext cx="1882357" cy="408623"/>
+          </a:xfrm>
+          <a:prstGeom prst="roundRect">
+            <a:avLst/>
+          </a:prstGeom>
+          <a:solidFill>
+            <a:schemeClr val="accent1">
+              <a:lumMod val="20000"/>
+              <a:lumOff val="80000"/>
+            </a:schemeClr>
+          </a:solidFill>
+        </p:spPr>
+        <p:txBody>
+          <a:bodyPr wrap="square" rtlCol="0">
+            <a:spAutoFit/>
+          </a:bodyPr>
+          <a:lstStyle/>
+          <a:p>
+            <a:pPr algn="ctr"/>
+            <a:r>
+              <a:rPr lang="en-US" dirty="0"/>
+              <a:t>Fixed-batteries</a:t>
+            </a:r>
+            <a:endParaRPr lang="nl-NL" dirty="0"/>
+          </a:p>
+        </p:txBody>
+      </p:sp>
+      <p:sp>
+        <p:nvSpPr>
+          <p:cNvPr id="11" name="TextBox 10">
+            <a:extLst>
+              <a:ext uri="{FF2B5EF4-FFF2-40B4-BE49-F238E27FC236}">
+                <a16:creationId xmlns:a16="http://schemas.microsoft.com/office/drawing/2014/main" id="{D7C4890F-E04E-4899-93A0-1178431421CE}"/>
+              </a:ext>
+            </a:extLst>
+          </p:cNvPr>
+          <p:cNvSpPr txBox="1"/>
+          <p:nvPr/>
+        </p:nvSpPr>
+        <p:spPr>
+          <a:xfrm>
+            <a:off x="4575042" y="5568364"/>
+            <a:ext cx="2459162" cy="408623"/>
+          </a:xfrm>
+          <a:prstGeom prst="roundRect">
+            <a:avLst/>
+          </a:prstGeom>
+          <a:solidFill>
+            <a:schemeClr val="accent1">
+              <a:lumMod val="20000"/>
+              <a:lumOff val="80000"/>
+            </a:schemeClr>
+          </a:solidFill>
+        </p:spPr>
+        <p:txBody>
+          <a:bodyPr wrap="square" rtlCol="0">
+            <a:spAutoFit/>
+          </a:bodyPr>
+          <a:lstStyle/>
+          <a:p>
+            <a:pPr algn="ctr"/>
+            <a:r>
+              <a:rPr lang="en-US" dirty="0"/>
+              <a:t>Relocated batteries</a:t>
+            </a:r>
+            <a:endParaRPr lang="nl-NL" dirty="0"/>
+          </a:p>
+        </p:txBody>
+      </p:sp>
+      <p:sp>
+        <p:nvSpPr>
+          <p:cNvPr id="12" name="TextBox 11">
+            <a:extLst>
+              <a:ext uri="{FF2B5EF4-FFF2-40B4-BE49-F238E27FC236}">
+                <a16:creationId xmlns:a16="http://schemas.microsoft.com/office/drawing/2014/main" id="{E76BD28D-4BE2-47BC-B79B-4B312857E9A2}"/>
+              </a:ext>
+            </a:extLst>
+          </p:cNvPr>
+          <p:cNvSpPr txBox="1"/>
+          <p:nvPr/>
+        </p:nvSpPr>
+        <p:spPr>
+          <a:xfrm>
+            <a:off x="8423638" y="5579468"/>
+            <a:ext cx="3178383" cy="408623"/>
+          </a:xfrm>
+          <a:prstGeom prst="roundRect">
+            <a:avLst/>
+          </a:prstGeom>
+          <a:solidFill>
+            <a:schemeClr val="accent1">
+              <a:lumMod val="20000"/>
+              <a:lumOff val="80000"/>
+            </a:schemeClr>
+          </a:solidFill>
+        </p:spPr>
+        <p:txBody>
+          <a:bodyPr wrap="square" rtlCol="0">
+            <a:spAutoFit/>
+          </a:bodyPr>
+          <a:lstStyle/>
+          <a:p>
+            <a:pPr algn="ctr"/>
+            <a:r>
+              <a:rPr lang="en-US" dirty="0"/>
+              <a:t>Reconfigured battery types</a:t>
+            </a:r>
+            <a:endParaRPr lang="nl-NL" dirty="0"/>
+          </a:p>
+        </p:txBody>
+      </p:sp>
+    </p:spTree>
+    <p:extLst>
+      <p:ext uri="{BB962C8B-B14F-4D97-AF65-F5344CB8AC3E}">
+        <p14:creationId xmlns:p14="http://schemas.microsoft.com/office/powerpoint/2010/main" val="2664346310"/>
       </p:ext>
     </p:extLst>
   </p:cSld>

--- a/EndPres.pptx
+++ b/EndPres.pptx
@@ -209,7 +209,7 @@
           <a:p>
             <a:fld id="{E503A189-614F-4E66-BC0F-E0166BB361FB}" type="datetimeFigureOut">
               <a:rPr lang="nl-NL" smtClean="0"/>
-              <a:t>14-12-2018</a:t>
+              <a:t>17-12-2018</a:t>
             </a:fld>
             <a:endParaRPr lang="nl-NL"/>
           </a:p>
@@ -2054,7 +2054,7 @@
           <a:p>
             <a:fld id="{54B23AA8-82A9-4536-B9F0-059096C040AC}" type="datetimeFigureOut">
               <a:rPr lang="nl-NL" smtClean="0"/>
-              <a:t>14-12-2018</a:t>
+              <a:t>17-12-2018</a:t>
             </a:fld>
             <a:endParaRPr lang="nl-NL"/>
           </a:p>
@@ -2305,7 +2305,7 @@
           <a:p>
             <a:fld id="{54B23AA8-82A9-4536-B9F0-059096C040AC}" type="datetimeFigureOut">
               <a:rPr lang="nl-NL" smtClean="0"/>
-              <a:t>14-12-2018</a:t>
+              <a:t>17-12-2018</a:t>
             </a:fld>
             <a:endParaRPr lang="nl-NL"/>
           </a:p>
@@ -2619,7 +2619,7 @@
           <a:p>
             <a:fld id="{54B23AA8-82A9-4536-B9F0-059096C040AC}" type="datetimeFigureOut">
               <a:rPr lang="nl-NL" smtClean="0"/>
-              <a:t>14-12-2018</a:t>
+              <a:t>17-12-2018</a:t>
             </a:fld>
             <a:endParaRPr lang="nl-NL"/>
           </a:p>
@@ -2960,7 +2960,7 @@
           <a:p>
             <a:fld id="{54B23AA8-82A9-4536-B9F0-059096C040AC}" type="datetimeFigureOut">
               <a:rPr lang="nl-NL" smtClean="0"/>
-              <a:t>14-12-2018</a:t>
+              <a:t>17-12-2018</a:t>
             </a:fld>
             <a:endParaRPr lang="nl-NL"/>
           </a:p>
@@ -3274,7 +3274,7 @@
           <a:p>
             <a:fld id="{54B23AA8-82A9-4536-B9F0-059096C040AC}" type="datetimeFigureOut">
               <a:rPr lang="nl-NL" smtClean="0"/>
-              <a:t>14-12-2018</a:t>
+              <a:t>17-12-2018</a:t>
             </a:fld>
             <a:endParaRPr lang="nl-NL"/>
           </a:p>
@@ -3667,7 +3667,7 @@
           <a:p>
             <a:fld id="{54B23AA8-82A9-4536-B9F0-059096C040AC}" type="datetimeFigureOut">
               <a:rPr lang="nl-NL" smtClean="0"/>
-              <a:t>14-12-2018</a:t>
+              <a:t>17-12-2018</a:t>
             </a:fld>
             <a:endParaRPr lang="nl-NL"/>
           </a:p>
@@ -3837,7 +3837,7 @@
           <a:p>
             <a:fld id="{54B23AA8-82A9-4536-B9F0-059096C040AC}" type="datetimeFigureOut">
               <a:rPr lang="nl-NL" smtClean="0"/>
-              <a:t>14-12-2018</a:t>
+              <a:t>17-12-2018</a:t>
             </a:fld>
             <a:endParaRPr lang="nl-NL"/>
           </a:p>
@@ -4017,7 +4017,7 @@
           <a:p>
             <a:fld id="{54B23AA8-82A9-4536-B9F0-059096C040AC}" type="datetimeFigureOut">
               <a:rPr lang="nl-NL" smtClean="0"/>
-              <a:t>14-12-2018</a:t>
+              <a:t>17-12-2018</a:t>
             </a:fld>
             <a:endParaRPr lang="nl-NL"/>
           </a:p>
@@ -4193,7 +4193,7 @@
           <a:p>
             <a:fld id="{54B23AA8-82A9-4536-B9F0-059096C040AC}" type="datetimeFigureOut">
               <a:rPr lang="nl-NL" smtClean="0"/>
-              <a:t>14-12-2018</a:t>
+              <a:t>17-12-2018</a:t>
             </a:fld>
             <a:endParaRPr lang="nl-NL"/>
           </a:p>
@@ -4440,7 +4440,7 @@
           <a:p>
             <a:fld id="{54B23AA8-82A9-4536-B9F0-059096C040AC}" type="datetimeFigureOut">
               <a:rPr lang="nl-NL" smtClean="0"/>
-              <a:t>14-12-2018</a:t>
+              <a:t>17-12-2018</a:t>
             </a:fld>
             <a:endParaRPr lang="nl-NL"/>
           </a:p>
@@ -4672,7 +4672,7 @@
           <a:p>
             <a:fld id="{54B23AA8-82A9-4536-B9F0-059096C040AC}" type="datetimeFigureOut">
               <a:rPr lang="nl-NL" smtClean="0"/>
-              <a:t>14-12-2018</a:t>
+              <a:t>17-12-2018</a:t>
             </a:fld>
             <a:endParaRPr lang="nl-NL"/>
           </a:p>
@@ -5046,7 +5046,7 @@
           <a:p>
             <a:fld id="{54B23AA8-82A9-4536-B9F0-059096C040AC}" type="datetimeFigureOut">
               <a:rPr lang="nl-NL" smtClean="0"/>
-              <a:t>14-12-2018</a:t>
+              <a:t>17-12-2018</a:t>
             </a:fld>
             <a:endParaRPr lang="nl-NL"/>
           </a:p>
@@ -5169,7 +5169,7 @@
           <a:p>
             <a:fld id="{54B23AA8-82A9-4536-B9F0-059096C040AC}" type="datetimeFigureOut">
               <a:rPr lang="nl-NL" smtClean="0"/>
-              <a:t>14-12-2018</a:t>
+              <a:t>17-12-2018</a:t>
             </a:fld>
             <a:endParaRPr lang="nl-NL"/>
           </a:p>
@@ -5264,7 +5264,7 @@
           <a:p>
             <a:fld id="{54B23AA8-82A9-4536-B9F0-059096C040AC}" type="datetimeFigureOut">
               <a:rPr lang="nl-NL" smtClean="0"/>
-              <a:t>14-12-2018</a:t>
+              <a:t>17-12-2018</a:t>
             </a:fld>
             <a:endParaRPr lang="nl-NL"/>
           </a:p>
@@ -5519,7 +5519,7 @@
           <a:p>
             <a:fld id="{54B23AA8-82A9-4536-B9F0-059096C040AC}" type="datetimeFigureOut">
               <a:rPr lang="nl-NL" smtClean="0"/>
-              <a:t>14-12-2018</a:t>
+              <a:t>17-12-2018</a:t>
             </a:fld>
             <a:endParaRPr lang="nl-NL"/>
           </a:p>
@@ -5782,7 +5782,7 @@
           <a:p>
             <a:fld id="{54B23AA8-82A9-4536-B9F0-059096C040AC}" type="datetimeFigureOut">
               <a:rPr lang="nl-NL" smtClean="0"/>
-              <a:t>14-12-2018</a:t>
+              <a:t>17-12-2018</a:t>
             </a:fld>
             <a:endParaRPr lang="nl-NL"/>
           </a:p>
@@ -6525,7 +6525,7 @@
           <a:p>
             <a:fld id="{54B23AA8-82A9-4536-B9F0-059096C040AC}" type="datetimeFigureOut">
               <a:rPr lang="nl-NL" smtClean="0"/>
-              <a:t>14-12-2018</a:t>
+              <a:t>17-12-2018</a:t>
             </a:fld>
             <a:endParaRPr lang="nl-NL"/>
           </a:p>
@@ -7880,7 +7880,7 @@
           <a:p>
             <a:pPr algn="ctr"/>
             <a:r>
-              <a:rPr lang="en-US" sz="3200" kern="1200">
+              <a:rPr lang="nl-NL" sz="3200" kern="1200" dirty="0">
                 <a:solidFill>
                   <a:schemeClr val="accent1"/>
                 </a:solidFill>
@@ -7888,13 +7888,9 @@
                 <a:ea typeface="+mj-ea"/>
                 <a:cs typeface="+mj-cs"/>
               </a:rPr>
-              <a:t>Algoritmes</a:t>
-            </a:r>
-            <a:r>
-              <a:rPr lang="en-US" sz="3200"/>
-              <a:t>, pre-reallocation</a:t>
-            </a:r>
-            <a:endParaRPr lang="en-US" sz="4800" kern="1200" dirty="0">
+              <a:t>Algoritme prestatie, deel 1+2</a:t>
+            </a:r>
+            <a:endParaRPr lang="nl-NL" sz="4800" kern="1200" dirty="0">
               <a:solidFill>
                 <a:schemeClr val="accent1"/>
               </a:solidFill>
@@ -8076,8 +8072,16 @@
           </a:lstStyle>
           <a:p>
             <a:r>
+              <a:rPr lang="en-US" dirty="0" err="1"/>
+              <a:t>Invloed</a:t>
+            </a:r>
+            <a:r>
               <a:rPr lang="en-US" dirty="0"/>
-              <a:t>Battery movement</a:t>
+              <a:t> op </a:t>
+            </a:r>
+            <a:r>
+              <a:rPr lang="en-US" dirty="0" err="1"/>
+              <a:t>kosten</a:t>
             </a:r>
             <a:endParaRPr lang="nl-NL" dirty="0"/>
           </a:p>
@@ -8339,42 +8343,56 @@
           </a:lstStyle>
           <a:p>
             <a:r>
-              <a:rPr lang="en-US" dirty="0"/>
-              <a:t>Battery set-ups</a:t>
+              <a:rPr lang="nl-NL" dirty="0"/>
+              <a:t>Batterij opzet</a:t>
             </a:r>
           </a:p>
           <a:p>
             <a:pPr lvl="1"/>
             <a:r>
-              <a:rPr lang="en-US" dirty="0"/>
-              <a:t>Fixed location</a:t>
+              <a:rPr lang="nl-NL" dirty="0"/>
+              <a:t>Deel 1+2(Fixed)</a:t>
+            </a:r>
+          </a:p>
+          <a:p>
+            <a:pPr lvl="2"/>
+            <a:r>
+              <a:rPr lang="nl-NL" dirty="0"/>
+              <a:t>Vaste plaats batterijen</a:t>
             </a:r>
           </a:p>
           <a:p>
             <a:pPr lvl="1"/>
             <a:r>
-              <a:rPr lang="en-US" dirty="0"/>
-              <a:t>Reallocated locations</a:t>
+              <a:rPr lang="nl-NL" dirty="0"/>
+              <a:t>Deel 3 (Reallocated)</a:t>
+            </a:r>
+          </a:p>
+          <a:p>
+            <a:pPr lvl="2"/>
+            <a:r>
+              <a:rPr lang="nl-NL" dirty="0"/>
+              <a:t>Verplaatste batterijen</a:t>
             </a:r>
           </a:p>
           <a:p>
             <a:pPr lvl="1"/>
             <a:r>
-              <a:rPr lang="en-US" dirty="0"/>
-              <a:t>Reconfigured battery types</a:t>
-            </a:r>
-          </a:p>
-          <a:p>
-            <a:r>
-              <a:rPr lang="en-US" dirty="0"/>
-              <a:t>Every variable is lowered after relocation</a:t>
-            </a:r>
-          </a:p>
-          <a:p>
-            <a:pPr lvl="1"/>
-            <a:r>
-              <a:rPr lang="en-US" dirty="0"/>
-              <a:t>Further lowered when reconfigured</a:t>
+              <a:rPr lang="nl-NL" dirty="0"/>
+              <a:t>Deel 4 (Reconfigured)</a:t>
+            </a:r>
+          </a:p>
+          <a:p>
+            <a:pPr lvl="2"/>
+            <a:r>
+              <a:rPr lang="nl-NL" dirty="0"/>
+              <a:t>Andere en meerdere batterijen</a:t>
+            </a:r>
+          </a:p>
+          <a:p>
+            <a:r>
+              <a:rPr lang="nl-NL" dirty="0"/>
+              <a:t>Alles wordt kost-efficienter na elke stap</a:t>
             </a:r>
           </a:p>
         </p:txBody>
@@ -8466,8 +8484,20 @@
           <a:lstStyle/>
           <a:p>
             <a:r>
+              <a:rPr lang="en-US" dirty="0" err="1"/>
+              <a:t>Algoritmes</a:t>
+            </a:r>
+            <a:r>
               <a:rPr lang="en-US" dirty="0"/>
-              <a:t>Algorithms compare, </a:t>
+              <a:t> </a:t>
+            </a:r>
+            <a:r>
+              <a:rPr lang="en-US" dirty="0" err="1"/>
+              <a:t>vergelijken</a:t>
+            </a:r>
+            <a:r>
+              <a:rPr lang="en-US" dirty="0"/>
+              <a:t>, </a:t>
             </a:r>
             <a:r>
               <a:rPr lang="en-US" dirty="0" err="1"/>
@@ -10336,8 +10366,13 @@
           <a:p>
             <a:r>
               <a:rPr lang="en-GB" dirty="0"/>
-              <a:t>Case Introduction</a:t>
-            </a:r>
+              <a:t>Case </a:t>
+            </a:r>
+            <a:r>
+              <a:rPr lang="en-GB" dirty="0" err="1"/>
+              <a:t>Introductie</a:t>
+            </a:r>
+            <a:endParaRPr lang="en-GB" dirty="0"/>
           </a:p>
         </p:txBody>
       </p:sp>
@@ -10403,7 +10438,7 @@
         <p:spPr>
           <a:xfrm>
             <a:off x="291440" y="1115391"/>
-            <a:ext cx="6403848" cy="5806718"/>
+            <a:ext cx="6403848" cy="5529719"/>
           </a:xfrm>
           <a:prstGeom prst="rect">
             <a:avLst/>
@@ -10428,7 +10463,7 @@
               <a:buChar char=""/>
             </a:pPr>
             <a:r>
-              <a:rPr lang="en-GB" dirty="0">
+              <a:rPr lang="nl-NL" dirty="0">
                 <a:solidFill>
                   <a:schemeClr val="tx1">
                     <a:lumMod val="75000"/>
@@ -10436,27 +10471,8 @@
                   </a:schemeClr>
                 </a:solidFill>
               </a:rPr>
-              <a:t>Houses and </a:t>
-            </a:r>
-            <a:r>
-              <a:rPr lang="en-GB" dirty="0" err="1">
-                <a:solidFill>
-                  <a:schemeClr val="tx1">
-                    <a:lumMod val="75000"/>
-                    <a:lumOff val="25000"/>
-                  </a:schemeClr>
-                </a:solidFill>
-              </a:rPr>
-              <a:t>Solarpanels</a:t>
-            </a:r>
-            <a:endParaRPr lang="en-GB" dirty="0">
-              <a:solidFill>
-                <a:schemeClr val="tx1">
-                  <a:lumMod val="75000"/>
-                  <a:lumOff val="25000"/>
-                </a:schemeClr>
-              </a:solidFill>
-            </a:endParaRPr>
+              <a:t>Huizen en Zonnepanelen</a:t>
+            </a:r>
           </a:p>
           <a:p>
             <a:pPr marL="742950" lvl="1" indent="-285750">
@@ -10471,7 +10487,7 @@
               <a:buChar char=""/>
             </a:pPr>
             <a:r>
-              <a:rPr lang="en-GB" dirty="0">
+              <a:rPr lang="nl-NL" dirty="0">
                 <a:solidFill>
                   <a:schemeClr val="tx1">
                     <a:lumMod val="75000"/>
@@ -10479,7 +10495,7 @@
                   </a:schemeClr>
                 </a:solidFill>
               </a:rPr>
-              <a:t>Store the excess energy in batteries</a:t>
+              <a:t>Opslaan van excessieve energie</a:t>
             </a:r>
           </a:p>
           <a:p>
@@ -10495,7 +10511,7 @@
               <a:buChar char=""/>
             </a:pPr>
             <a:r>
-              <a:rPr lang="en-GB" dirty="0">
+              <a:rPr lang="nl-NL" dirty="0">
                 <a:solidFill>
                   <a:schemeClr val="tx1">
                     <a:lumMod val="75000"/>
@@ -10503,7 +10519,7 @@
                   </a:schemeClr>
                 </a:solidFill>
               </a:rPr>
-              <a:t>Goal: place houses and batteries in an optimal cost-efficient configuration</a:t>
+              <a:t>Doel: plaats huizen en batterijen in een kost-efficientere configuratie</a:t>
             </a:r>
           </a:p>
           <a:p>
@@ -10518,7 +10534,7 @@
               <a:buFont typeface="Wingdings 3" charset="2"/>
               <a:buChar char=""/>
             </a:pPr>
-            <a:endParaRPr lang="en-GB" dirty="0">
+            <a:endParaRPr lang="nl-NL" dirty="0">
               <a:solidFill>
                 <a:schemeClr val="tx1">
                   <a:lumMod val="75000"/>
@@ -10540,7 +10556,7 @@
               <a:buChar char=""/>
             </a:pPr>
             <a:r>
-              <a:rPr lang="en-GB" dirty="0">
+              <a:rPr lang="nl-NL" dirty="0">
                 <a:solidFill>
                   <a:schemeClr val="tx1">
                     <a:lumMod val="75000"/>
@@ -10548,7 +10564,7 @@
                   </a:schemeClr>
                 </a:solidFill>
               </a:rPr>
-              <a:t>Specifications</a:t>
+              <a:t>Specificaties</a:t>
             </a:r>
           </a:p>
           <a:p>
@@ -10564,7 +10580,7 @@
               <a:buChar char=""/>
             </a:pPr>
             <a:r>
-              <a:rPr lang="en-GB" dirty="0">
+              <a:rPr lang="nl-NL" dirty="0">
                 <a:solidFill>
                   <a:schemeClr val="tx1">
                     <a:lumMod val="75000"/>
@@ -10572,7 +10588,7 @@
                   </a:schemeClr>
                 </a:solidFill>
               </a:rPr>
-              <a:t>A house is connected to only 1 battery</a:t>
+              <a:t>een huis verbonden aan 1 batterij</a:t>
             </a:r>
           </a:p>
           <a:p>
@@ -10588,7 +10604,7 @@
               <a:buChar char=""/>
             </a:pPr>
             <a:r>
-              <a:rPr lang="en-GB" dirty="0">
+              <a:rPr lang="nl-NL" dirty="0">
                 <a:solidFill>
                   <a:schemeClr val="tx1">
                     <a:lumMod val="75000"/>
@@ -10596,7 +10612,7 @@
                   </a:schemeClr>
                 </a:solidFill>
               </a:rPr>
-              <a:t>Cables can cross, but are not connected</a:t>
+              <a:t>Kabels kunnen kruizen, maar zijn niet verbonden</a:t>
             </a:r>
           </a:p>
           <a:p>
@@ -10612,7 +10628,7 @@
               <a:buChar char=""/>
             </a:pPr>
             <a:r>
-              <a:rPr lang="en-GB" dirty="0">
+              <a:rPr lang="nl-NL" dirty="0">
                 <a:solidFill>
                   <a:schemeClr val="tx1">
                     <a:lumMod val="75000"/>
@@ -10620,7 +10636,7 @@
                   </a:schemeClr>
                 </a:solidFill>
               </a:rPr>
-              <a:t>Cables are allowed to cross houses</a:t>
+              <a:t>Kabels kunnen door huizen</a:t>
             </a:r>
           </a:p>
           <a:p>
@@ -10636,7 +10652,7 @@
               <a:buChar char=""/>
             </a:pPr>
             <a:r>
-              <a:rPr lang="en-GB" dirty="0">
+              <a:rPr lang="nl-NL" dirty="0">
                 <a:solidFill>
                   <a:schemeClr val="tx1">
                     <a:lumMod val="75000"/>
@@ -10644,7 +10660,7 @@
                   </a:schemeClr>
                 </a:solidFill>
               </a:rPr>
-              <a:t>Difficulties</a:t>
+              <a:t>Pijnpunten</a:t>
             </a:r>
           </a:p>
           <a:p>
@@ -10660,7 +10676,7 @@
               <a:buChar char=""/>
             </a:pPr>
             <a:r>
-              <a:rPr lang="en-GB" dirty="0">
+              <a:rPr lang="nl-NL" dirty="0">
                 <a:solidFill>
                   <a:schemeClr val="tx1">
                     <a:lumMod val="75000"/>
@@ -10668,7 +10684,7 @@
                   </a:schemeClr>
                 </a:solidFill>
               </a:rPr>
-              <a:t>Little room between total capacity houses and batteries</a:t>
+              <a:t>Weinig ruimte tussen totale capaciteit huizen en batterijen</a:t>
             </a:r>
           </a:p>
           <a:p>
@@ -10684,7 +10700,7 @@
               <a:buChar char=""/>
             </a:pPr>
             <a:r>
-              <a:rPr lang="en-US" dirty="0">
+              <a:rPr lang="nl-NL" dirty="0">
                 <a:solidFill>
                   <a:schemeClr val="tx1">
                     <a:lumMod val="75000"/>
@@ -10692,7 +10708,7 @@
                   </a:schemeClr>
                 </a:solidFill>
               </a:rPr>
-              <a:t>State Space grows more than exponentially in the  latter half of the case</a:t>
+              <a:t>State Space groeit in de 2e helft van de case</a:t>
             </a:r>
           </a:p>
           <a:p>
@@ -10700,14 +10716,14 @@
               <a:buFont typeface="Arial" panose="020B0604020202020204" pitchFamily="34" charset="0"/>
               <a:buChar char="•"/>
             </a:pPr>
-            <a:endParaRPr lang="en-GB" dirty="0"/>
+            <a:endParaRPr lang="nl-NL" dirty="0"/>
           </a:p>
           <a:p>
             <a:pPr marL="742950" lvl="1" indent="-285750">
               <a:buFont typeface="Arial" panose="020B0604020202020204" pitchFamily="34" charset="0"/>
               <a:buChar char="•"/>
             </a:pPr>
-            <a:endParaRPr lang="en-GB" dirty="0"/>
+            <a:endParaRPr lang="nl-NL" dirty="0"/>
           </a:p>
         </p:txBody>
       </p:sp>
@@ -10764,7 +10780,15 @@
           <a:p>
             <a:r>
               <a:rPr lang="en-GB" dirty="0"/>
-              <a:t> Parts of Case</a:t>
+              <a:t> </a:t>
+            </a:r>
+            <a:r>
+              <a:rPr lang="en-GB" dirty="0" err="1"/>
+              <a:t>Delen</a:t>
+            </a:r>
+            <a:r>
+              <a:rPr lang="en-GB" dirty="0"/>
+              <a:t> van de Case</a:t>
             </a:r>
           </a:p>
         </p:txBody>
@@ -10798,66 +10822,66 @@
           <a:lstStyle/>
           <a:p>
             <a:r>
-              <a:rPr lang="en-GB" dirty="0"/>
-              <a:t>1: Able to connect each house with a battery</a:t>
+              <a:rPr lang="nl-NL" dirty="0"/>
+              <a:t>1: Verbindt elke huis met een batterij</a:t>
             </a:r>
           </a:p>
           <a:p>
             <a:pPr lvl="1"/>
             <a:r>
-              <a:rPr lang="en-GB" dirty="0"/>
-              <a:t>Same batteries, fixed locations</a:t>
-            </a:r>
-          </a:p>
-          <a:p>
-            <a:r>
-              <a:rPr lang="en-GB" dirty="0"/>
-              <a:t>2: Able to calculate the total cost</a:t>
-            </a:r>
-          </a:p>
-          <a:p>
-            <a:endParaRPr lang="en-GB" dirty="0"/>
-          </a:p>
-          <a:p>
-            <a:r>
-              <a:rPr lang="en-GB" dirty="0"/>
-              <a:t>3: Able to relocate the batteries</a:t>
+              <a:rPr lang="nl-NL" dirty="0"/>
+              <a:t>Dezelfde batterijen, vaste locaties</a:t>
+            </a:r>
+          </a:p>
+          <a:p>
+            <a:r>
+              <a:rPr lang="nl-NL" dirty="0"/>
+              <a:t>2: Kosten kunnen berekenen</a:t>
+            </a:r>
+          </a:p>
+          <a:p>
+            <a:endParaRPr lang="nl-NL" dirty="0"/>
+          </a:p>
+          <a:p>
+            <a:r>
+              <a:rPr lang="nl-NL" dirty="0"/>
+              <a:t>3: Batterijen kunnen verplaatsen</a:t>
             </a:r>
           </a:p>
           <a:p>
             <a:pPr lvl="1"/>
             <a:r>
-              <a:rPr lang="en-GB" dirty="0"/>
-              <a:t>At more cost-efficient locations</a:t>
-            </a:r>
-          </a:p>
-          <a:p>
-            <a:r>
-              <a:rPr lang="en-GB" dirty="0"/>
-              <a:t>4: Optimize battery types</a:t>
+              <a:rPr lang="nl-NL" dirty="0"/>
+              <a:t>Naar kost-efficientere locaties</a:t>
+            </a:r>
+          </a:p>
+          <a:p>
+            <a:r>
+              <a:rPr lang="nl-NL" dirty="0"/>
+              <a:t>4: Optimalizeer batterij types en hoeveelheden</a:t>
             </a:r>
           </a:p>
           <a:p>
             <a:pPr lvl="1"/>
             <a:r>
-              <a:rPr lang="en-GB" dirty="0"/>
-              <a:t>With given battery types</a:t>
+              <a:rPr lang="nl-NL" dirty="0"/>
+              <a:t>Met gegeven batterij types</a:t>
             </a:r>
           </a:p>
           <a:p>
             <a:pPr lvl="1"/>
-            <a:endParaRPr lang="en-GB" dirty="0"/>
+            <a:endParaRPr lang="nl-NL" dirty="0"/>
           </a:p>
           <a:p>
             <a:pPr lvl="1"/>
-            <a:endParaRPr lang="en-GB" dirty="0"/>
-          </a:p>
-          <a:p>
-            <a:endParaRPr lang="en-GB" dirty="0"/>
+            <a:endParaRPr lang="nl-NL" dirty="0"/>
+          </a:p>
+          <a:p>
+            <a:endParaRPr lang="nl-NL" dirty="0"/>
           </a:p>
           <a:p>
             <a:pPr lvl="2"/>
-            <a:endParaRPr lang="en-GB" dirty="0"/>
+            <a:endParaRPr lang="nl-NL" dirty="0"/>
           </a:p>
         </p:txBody>
       </p:sp>
@@ -10939,8 +10963,28 @@
           <a:p>
             <a:pPr algn="ctr"/>
             <a:r>
+              <a:rPr lang="en-US" dirty="0" err="1"/>
+              <a:t>Gegeven</a:t>
+            </a:r>
+            <a:r>
               <a:rPr lang="en-US" dirty="0"/>
-              <a:t>Given battery types (part 4)</a:t>
+              <a:t> </a:t>
+            </a:r>
+            <a:r>
+              <a:rPr lang="en-US" dirty="0" err="1"/>
+              <a:t>batterij</a:t>
+            </a:r>
+            <a:r>
+              <a:rPr lang="en-US" dirty="0"/>
+              <a:t> types, </a:t>
+            </a:r>
+            <a:r>
+              <a:rPr lang="en-US" dirty="0" err="1"/>
+              <a:t>deel</a:t>
+            </a:r>
+            <a:r>
+              <a:rPr lang="en-US" dirty="0"/>
+              <a:t> 4</a:t>
             </a:r>
             <a:endParaRPr lang="nl-NL" dirty="0"/>
           </a:p>
@@ -11027,93 +11071,69 @@
           <a:lstStyle/>
           <a:p>
             <a:r>
-              <a:rPr lang="en-US" dirty="0"/>
-              <a:t>Subpart 1 &amp; 2</a:t>
+              <a:rPr lang="nl-NL" dirty="0"/>
+              <a:t>Deel 1 &amp; 2: vaste batterijen</a:t>
             </a:r>
           </a:p>
           <a:p>
             <a:pPr lvl="1"/>
             <a:r>
-              <a:rPr lang="en-US" dirty="0"/>
-              <a:t>#houses ^#batteries :  </a:t>
-            </a:r>
+              <a:rPr lang="nl-NL" sz="1400" dirty="0"/>
+              <a:t>#batteries^ #houses :  5^150</a:t>
+            </a:r>
+          </a:p>
+          <a:p>
             <a:r>
               <a:rPr lang="nl-NL" dirty="0"/>
-              <a:t>150^5</a:t>
-            </a:r>
-          </a:p>
-          <a:p>
-            <a:r>
-              <a:rPr lang="en-US" dirty="0"/>
-              <a:t>Subpart 3</a:t>
+              <a:t>Deel 3, cluster</a:t>
             </a:r>
           </a:p>
           <a:p>
             <a:pPr lvl="1"/>
             <a:r>
-              <a:rPr lang="en-US" dirty="0"/>
-              <a:t>P</a:t>
-            </a:r>
+              <a:rPr lang="nl-NL" sz="1400" dirty="0"/>
+              <a:t>Mogelijke locaties. : 	#batteries^ gridsize = 	5^2500</a:t>
+            </a:r>
+          </a:p>
+          <a:p>
+            <a:pPr lvl="1"/>
+            <a:r>
+              <a:rPr lang="nl-NL" sz="1400" dirty="0"/>
+              <a:t>Mogelijke connecties: 	#batteries^ #houses = 	5^150</a:t>
+            </a:r>
+          </a:p>
+          <a:p>
+            <a:pPr lvl="1"/>
+            <a:r>
+              <a:rPr lang="nl-NL" sz="1400" dirty="0"/>
+              <a:t>Total: #batteries^ #houses + #batteries^ gridsize </a:t>
+            </a:r>
+          </a:p>
+          <a:p>
+            <a:pPr lvl="2"/>
             <a:r>
               <a:rPr lang="nl-NL" dirty="0"/>
-              <a:t>oss. Batt. Locs. : 	gridsize^ #batteries = 	2500^5</a:t>
+              <a:t>5^2500 + 5^150</a:t>
+            </a:r>
+          </a:p>
+          <a:p>
+            <a:r>
+              <a:rPr lang="nl-NL" dirty="0"/>
+              <a:t>Deel 4,  configureren batterijen</a:t>
             </a:r>
           </a:p>
           <a:p>
             <a:pPr lvl="1"/>
             <a:r>
-              <a:rPr lang="en-US" dirty="0"/>
-              <a:t>Poss. connections: 	#houses^ #batteries = 	150^5</a:t>
+              <a:rPr lang="nl-NL" sz="1400" dirty="0"/>
+              <a:t>Grootste batterijen set: 17 batterijen</a:t>
             </a:r>
           </a:p>
           <a:p>
             <a:pPr lvl="1"/>
             <a:r>
-              <a:rPr lang="en-US" dirty="0"/>
-              <a:t>Total: #houses ^ #batteries + </a:t>
-            </a:r>
-            <a:r>
-              <a:rPr lang="en-US" dirty="0" err="1"/>
-              <a:t>gridsize</a:t>
-            </a:r>
-            <a:r>
-              <a:rPr lang="en-US" dirty="0"/>
-              <a:t> ^ #batteries</a:t>
-            </a:r>
-          </a:p>
-          <a:p>
-            <a:pPr lvl="2"/>
-            <a:r>
-              <a:rPr lang="nl-NL" dirty="0"/>
-              <a:t>2500^5 + 150^5</a:t>
-            </a:r>
-          </a:p>
-          <a:p>
-            <a:r>
-              <a:rPr lang="en-US" dirty="0"/>
-              <a:t>S</a:t>
-            </a:r>
-            <a:r>
-              <a:rPr lang="nl-NL" dirty="0"/>
-              <a:t>ubpart 4</a:t>
-            </a:r>
-          </a:p>
-          <a:p>
-            <a:pPr lvl="1"/>
-            <a:r>
-              <a:rPr lang="en-US" dirty="0"/>
-              <a:t>Largest battery set: 17 batteries</a:t>
-            </a:r>
-          </a:p>
-          <a:p>
-            <a:pPr lvl="1"/>
-            <a:r>
-              <a:rPr lang="en-US" dirty="0"/>
-              <a:t>M</a:t>
-            </a:r>
-            <a:r>
-              <a:rPr lang="nl-NL" dirty="0"/>
-              <a:t>ax state space =  2500^17 + 150^17</a:t>
+              <a:rPr lang="nl-NL" sz="1400" dirty="0"/>
+              <a:t>Grootste state space =  17^2500 + 17^2500</a:t>
             </a:r>
           </a:p>
           <a:p>
@@ -11178,8 +11198,8 @@
           <a:lstStyle/>
           <a:p>
             <a:r>
-              <a:rPr lang="en-US" dirty="0"/>
-              <a:t>Algorithms</a:t>
+              <a:rPr lang="en-US" dirty="0" err="1"/>
+              <a:t>Algoritmes</a:t>
             </a:r>
             <a:endParaRPr lang="nl-NL" dirty="0"/>
           </a:p>
@@ -11209,63 +11229,77 @@
           <a:lstStyle/>
           <a:p>
             <a:r>
-              <a:rPr lang="en-US" dirty="0"/>
+              <a:rPr lang="nl-NL" dirty="0"/>
               <a:t>Step-Down</a:t>
             </a:r>
           </a:p>
           <a:p>
             <a:pPr lvl="1"/>
             <a:r>
-              <a:rPr lang="en-US" sz="1400" dirty="0"/>
-              <a:t>Connects all houses to closest batteries</a:t>
+              <a:rPr lang="nl-NL" sz="1400" dirty="0"/>
+              <a:t>Verbind alle huizen met de dichstbijzijne</a:t>
+            </a:r>
+          </a:p>
+          <a:p>
+            <a:pPr lvl="2"/>
+            <a:r>
+              <a:rPr lang="nl-NL" sz="1200" dirty="0"/>
+              <a:t>Zonder restricties</a:t>
             </a:r>
           </a:p>
           <a:p>
             <a:pPr lvl="1"/>
             <a:r>
-              <a:rPr lang="en-US" sz="1400" dirty="0"/>
-              <a:t>Reconnects houses of overloaded batteries</a:t>
+              <a:rPr lang="nl-NL" sz="1400" dirty="0"/>
+              <a:t>Verplaatst huizen naar de volgende dichstbijzijnde batterij</a:t>
             </a:r>
           </a:p>
           <a:p>
             <a:pPr lvl="1"/>
             <a:r>
-              <a:rPr lang="en-US" sz="1400" dirty="0"/>
-              <a:t>Deterministic</a:t>
-            </a:r>
-          </a:p>
-          <a:p>
-            <a:r>
-              <a:rPr lang="en-US" dirty="0"/>
+              <a:rPr lang="nl-NL" sz="1400" dirty="0"/>
+              <a:t>Deterministisch</a:t>
+            </a:r>
+          </a:p>
+          <a:p>
+            <a:r>
+              <a:rPr lang="nl-NL" dirty="0"/>
               <a:t>Greedy</a:t>
             </a:r>
           </a:p>
           <a:p>
             <a:pPr lvl="1"/>
             <a:r>
-              <a:rPr lang="en-US" sz="1400" dirty="0"/>
-              <a:t>Connect random houses to closest battery</a:t>
+              <a:rPr lang="nl-NL" sz="1400" dirty="0"/>
+              <a:t>Verbind huizen naar dichstbijzijnde batterij</a:t>
+            </a:r>
+          </a:p>
+          <a:p>
+            <a:pPr lvl="2"/>
+            <a:r>
+              <a:rPr lang="nl-NL" sz="1200" dirty="0"/>
+              <a:t>Binnen restricties</a:t>
             </a:r>
           </a:p>
           <a:p>
             <a:pPr lvl="1"/>
             <a:r>
-              <a:rPr lang="en-US" sz="1400" dirty="0"/>
-              <a:t>If battery is full, next closest</a:t>
+              <a:rPr lang="nl-NL" sz="1400" dirty="0"/>
+              <a:t>Als batterij vol, volgende dichstbijzijnde</a:t>
             </a:r>
           </a:p>
           <a:p>
             <a:pPr lvl="1"/>
             <a:r>
-              <a:rPr lang="en-US" sz="1400" dirty="0"/>
-              <a:t>If configuration possible, next iteration</a:t>
+              <a:rPr lang="nl-NL" sz="1400" dirty="0"/>
+              <a:t>Als configuratie mogelijk, volgende iteratie</a:t>
             </a:r>
           </a:p>
           <a:p>
             <a:pPr lvl="2"/>
             <a:r>
-              <a:rPr lang="en-US" dirty="0"/>
-              <a:t>Else, restart iteration</a:t>
+              <a:rPr lang="nl-NL" dirty="0"/>
+              <a:t>Anders herstart iteratie</a:t>
             </a:r>
           </a:p>
           <a:p>
@@ -11489,8 +11523,8 @@
           <a:lstStyle/>
           <a:p>
             <a:r>
-              <a:rPr lang="en-US" dirty="0"/>
-              <a:t>Algorithms</a:t>
+              <a:rPr lang="en-US" dirty="0" err="1"/>
+              <a:t>Algoritmes</a:t>
             </a:r>
             <a:endParaRPr lang="nl-NL" dirty="0"/>
           </a:p>
@@ -11515,46 +11549,46 @@
         <p:spPr/>
         <p:txBody>
           <a:bodyPr>
-            <a:normAutofit lnSpcReduction="10000"/>
+            <a:normAutofit/>
           </a:bodyPr>
           <a:lstStyle/>
           <a:p>
             <a:r>
-              <a:rPr lang="en-US" dirty="0"/>
+              <a:rPr lang="nl-NL" dirty="0"/>
               <a:t>Hill Climber</a:t>
             </a:r>
-            <a:endParaRPr lang="en-US" dirty="0">
+            <a:endParaRPr lang="nl-NL" dirty="0">
               <a:sym typeface="Wingdings" panose="05000000000000000000" pitchFamily="2" charset="2"/>
             </a:endParaRPr>
           </a:p>
           <a:p>
             <a:pPr lvl="1"/>
             <a:r>
-              <a:rPr lang="en-US" dirty="0"/>
-              <a:t>Random configuration within constraints</a:t>
+              <a:rPr lang="nl-NL" sz="1400" dirty="0"/>
+              <a:t>Random configuratie binnen cosntricties</a:t>
             </a:r>
           </a:p>
           <a:p>
             <a:pPr lvl="1"/>
             <a:r>
-              <a:rPr lang="en-US" dirty="0">
+              <a:rPr lang="nl-NL" sz="1400" dirty="0">
                 <a:sym typeface="Wingdings" panose="05000000000000000000" pitchFamily="2" charset="2"/>
               </a:rPr>
-              <a:t>Switches random sequences of houses</a:t>
+              <a:t>Wisselt batterijen v. random sequentie v. huizen</a:t>
             </a:r>
           </a:p>
           <a:p>
             <a:pPr lvl="2"/>
             <a:r>
-              <a:rPr lang="en-US" dirty="0">
+              <a:rPr lang="nl-NL" dirty="0">
                 <a:sym typeface="Wingdings" panose="05000000000000000000" pitchFamily="2" charset="2"/>
               </a:rPr>
-              <a:t>Until no further improvements</a:t>
-            </a:r>
-          </a:p>
-          <a:p>
-            <a:r>
-              <a:rPr lang="en-US" dirty="0">
+              <a:t>Totdat er geen betere richtingen zijn</a:t>
+            </a:r>
+          </a:p>
+          <a:p>
+            <a:r>
+              <a:rPr lang="nl-NL" dirty="0">
                 <a:sym typeface="Wingdings" panose="05000000000000000000" pitchFamily="2" charset="2"/>
               </a:rPr>
               <a:t>Depth-First, Branch-n-Bound</a:t>
@@ -11563,56 +11597,50 @@
           <a:p>
             <a:pPr lvl="1"/>
             <a:r>
-              <a:rPr lang="en-US" dirty="0">
+              <a:rPr lang="nl-NL" sz="1400" dirty="0">
                 <a:sym typeface="Wingdings" panose="05000000000000000000" pitchFamily="2" charset="2"/>
               </a:rPr>
-              <a:t>Tries every configuration</a:t>
+              <a:t>Probeert elke configuratie binnen de bounds</a:t>
             </a:r>
           </a:p>
           <a:p>
             <a:pPr lvl="1"/>
             <a:r>
-              <a:rPr lang="en-US" dirty="0">
+              <a:rPr lang="nl-NL" sz="1400" dirty="0">
                 <a:sym typeface="Wingdings" panose="05000000000000000000" pitchFamily="2" charset="2"/>
               </a:rPr>
-              <a:t>Breaks a branch if it breaks certain restrictions</a:t>
+              <a:t>Breekt een tak als het bepaalde restricties overschrijdt</a:t>
             </a:r>
           </a:p>
           <a:p>
             <a:pPr lvl="2"/>
             <a:r>
-              <a:rPr lang="en-US" dirty="0">
+              <a:rPr lang="nl-NL" dirty="0">
                 <a:sym typeface="Wingdings" panose="05000000000000000000" pitchFamily="2" charset="2"/>
               </a:rPr>
-              <a:t>Battery not realistically efficient</a:t>
+              <a:t>Batterij niet realistisch efficient</a:t>
             </a:r>
           </a:p>
           <a:p>
             <a:pPr lvl="2"/>
             <a:r>
-              <a:rPr lang="en-US" dirty="0">
+              <a:rPr lang="nl-NL" dirty="0">
                 <a:sym typeface="Wingdings" panose="05000000000000000000" pitchFamily="2" charset="2"/>
               </a:rPr>
-              <a:t>Battery capacity already too high</a:t>
+              <a:t>Batterij capaciteit te hoog</a:t>
             </a:r>
           </a:p>
           <a:p>
             <a:pPr lvl="2"/>
             <a:r>
-              <a:rPr lang="en-US" dirty="0">
+              <a:rPr lang="nl-NL" dirty="0">
                 <a:sym typeface="Wingdings" panose="05000000000000000000" pitchFamily="2" charset="2"/>
               </a:rPr>
-              <a:t>Total costs already too high</a:t>
-            </a:r>
-          </a:p>
-          <a:p>
-            <a:pPr lvl="1"/>
-            <a:r>
-              <a:rPr lang="en-US" dirty="0">
-                <a:sym typeface="Wingdings" panose="05000000000000000000" pitchFamily="2" charset="2"/>
-              </a:rPr>
-              <a:t>(no data yet)</a:t>
-            </a:r>
+              <a:t>Totale kosten te hoog</a:t>
+            </a:r>
+            <a:endParaRPr lang="nl-NL" sz="1400" dirty="0">
+              <a:sym typeface="Wingdings" panose="05000000000000000000" pitchFamily="2" charset="2"/>
+            </a:endParaRPr>
           </a:p>
           <a:p>
             <a:endParaRPr lang="nl-NL" dirty="0"/>
@@ -11857,44 +11885,43 @@
           <a:lstStyle/>
           <a:p>
             <a:r>
-              <a:rPr lang="en-US" dirty="0"/>
-              <a:t>Find better locations for batteries</a:t>
-            </a:r>
-          </a:p>
-          <a:p>
-            <a:r>
-              <a:rPr lang="en-US" dirty="0"/>
+              <a:rPr lang="nl-NL" dirty="0"/>
+              <a:t>Vind betere locaties voor batterijen</a:t>
+            </a:r>
+          </a:p>
+          <a:p>
+            <a:r>
+              <a:rPr lang="nl-NL" dirty="0"/>
               <a:t>DB Scan</a:t>
             </a:r>
           </a:p>
           <a:p>
             <a:pPr lvl="1"/>
             <a:r>
-              <a:rPr lang="en-US" dirty="0"/>
-              <a:t>Cluster algorithm</a:t>
+              <a:rPr lang="nl-NL" dirty="0"/>
+              <a:t>Cluster algoritme</a:t>
             </a:r>
           </a:p>
           <a:p>
             <a:pPr lvl="1"/>
             <a:r>
-              <a:rPr lang="en-US" dirty="0"/>
-              <a:t>Returns multiple variations</a:t>
-            </a:r>
-          </a:p>
-          <a:p>
-            <a:r>
-              <a:rPr lang="en-US" dirty="0"/>
-              <a:t>Select variations</a:t>
-            </a:r>
-            <a:endParaRPr lang="en-US" sz="1400" dirty="0"/>
+              <a:rPr lang="nl-NL" dirty="0"/>
+              <a:t>Geeft meerdere variaties voor clusters per wijk</a:t>
+            </a:r>
+          </a:p>
+          <a:p>
+            <a:r>
+              <a:rPr lang="nl-NL" dirty="0"/>
+              <a:t>Selectie van variaties</a:t>
+            </a:r>
+            <a:endParaRPr lang="nl-NL" sz="1400" dirty="0"/>
           </a:p>
           <a:p>
             <a:pPr lvl="1"/>
             <a:r>
-              <a:rPr lang="en-US" dirty="0"/>
-              <a:t>Through Greedy</a:t>
-            </a:r>
-            <a:endParaRPr lang="nl-NL" dirty="0"/>
+              <a:rPr lang="nl-NL" dirty="0"/>
+              <a:t>D.m.v. Greedy</a:t>
+            </a:r>
           </a:p>
         </p:txBody>
       </p:sp>
@@ -11979,10 +12006,9 @@
           <a:lstStyle/>
           <a:p>
             <a:r>
-              <a:rPr lang="en-US" dirty="0"/>
-              <a:t>Part 4: Reconfigure</a:t>
-            </a:r>
-            <a:endParaRPr lang="nl-NL" dirty="0"/>
+              <a:rPr lang="nl-NL" dirty="0"/>
+              <a:t>Part 4: Reconfiguratie</a:t>
+            </a:r>
           </a:p>
         </p:txBody>
       </p:sp>
@@ -12008,49 +12034,43 @@
           <a:lstStyle/>
           <a:p>
             <a:r>
-              <a:rPr lang="en-US" dirty="0"/>
-              <a:t>New battery types</a:t>
+              <a:rPr lang="nl-NL" dirty="0"/>
+              <a:t>Nieuwe batterije types</a:t>
             </a:r>
           </a:p>
           <a:p>
             <a:pPr lvl="1"/>
             <a:r>
-              <a:rPr lang="en-US" dirty="0"/>
-              <a:t>Battery sets: possible combinations of </a:t>
-            </a:r>
-            <a:r>
-              <a:rPr lang="en-US" dirty="0" err="1"/>
-              <a:t>batterytypes</a:t>
-            </a:r>
-            <a:endParaRPr lang="en-US" dirty="0"/>
+              <a:rPr lang="nl-NL" dirty="0"/>
+              <a:t>Batterijen sets: mogelijke batterijecombinaties</a:t>
+            </a:r>
           </a:p>
           <a:p>
             <a:pPr lvl="2"/>
             <a:r>
-              <a:rPr lang="en-US" dirty="0"/>
+              <a:rPr lang="nl-NL" dirty="0"/>
               <a:t>More than 5 batteries per set</a:t>
             </a:r>
           </a:p>
           <a:p>
             <a:r>
-              <a:rPr lang="en-US" dirty="0"/>
+              <a:rPr lang="nl-NL" dirty="0"/>
               <a:t>Find n clusters for the possible combinations of battery types</a:t>
             </a:r>
           </a:p>
           <a:p>
             <a:pPr lvl="1"/>
             <a:r>
-              <a:rPr lang="en-US" dirty="0"/>
-              <a:t>Calculate weight/cluster</a:t>
+              <a:rPr lang="nl-NL" dirty="0"/>
+              <a:t>Bereken gewicht van elke cluster</a:t>
             </a:r>
           </a:p>
           <a:p>
             <a:pPr lvl="1"/>
             <a:r>
-              <a:rPr lang="en-US" dirty="0"/>
-              <a:t>Give each cluster a battery type based on its weight</a:t>
-            </a:r>
-            <a:endParaRPr lang="nl-NL" dirty="0"/>
+              <a:rPr lang="nl-NL" dirty="0"/>
+              <a:t>Geef cluster een bepaalde type batterij afhankelijk v. gewicht</a:t>
+            </a:r>
           </a:p>
         </p:txBody>
       </p:sp>
@@ -12304,8 +12324,8 @@
         </p:nvSpPr>
         <p:spPr>
           <a:xfrm>
-            <a:off x="895566" y="5579468"/>
-            <a:ext cx="1882357" cy="408623"/>
+            <a:off x="610665" y="5574564"/>
+            <a:ext cx="2701690" cy="715089"/>
           </a:xfrm>
           <a:prstGeom prst="roundRect">
             <a:avLst/>
@@ -12325,10 +12345,16 @@
           <a:p>
             <a:pPr algn="ctr"/>
             <a:r>
-              <a:rPr lang="en-US" dirty="0"/>
-              <a:t>Fixed-batteries</a:t>
-            </a:r>
-            <a:endParaRPr lang="nl-NL" dirty="0"/>
+              <a:rPr lang="nl-NL" dirty="0"/>
+              <a:t>Deel 1+2:</a:t>
+            </a:r>
+          </a:p>
+          <a:p>
+            <a:pPr algn="ctr"/>
+            <a:r>
+              <a:rPr lang="nl-NL" dirty="0"/>
+              <a:t>Vaste batterij locaties</a:t>
+            </a:r>
           </a:p>
         </p:txBody>
       </p:sp>
@@ -12346,8 +12372,8 @@
         </p:nvSpPr>
         <p:spPr>
           <a:xfrm>
-            <a:off x="4575042" y="5568364"/>
-            <a:ext cx="2459162" cy="408623"/>
+            <a:off x="4335471" y="5574565"/>
+            <a:ext cx="2701690" cy="715089"/>
           </a:xfrm>
           <a:prstGeom prst="roundRect">
             <a:avLst/>
@@ -12367,10 +12393,28 @@
           <a:p>
             <a:pPr algn="ctr"/>
             <a:r>
+              <a:rPr lang="nl-NL" dirty="0"/>
+              <a:t>Deel</a:t>
+            </a:r>
+            <a:r>
               <a:rPr lang="en-US" dirty="0"/>
-              <a:t>Relocated batteries</a:t>
-            </a:r>
-            <a:endParaRPr lang="nl-NL" dirty="0"/>
+              <a:t> 3: </a:t>
+            </a:r>
+            <a:br>
+              <a:rPr lang="en-US" dirty="0"/>
+            </a:br>
+            <a:r>
+              <a:rPr lang="nl-NL" dirty="0"/>
+              <a:t>verplaatste</a:t>
+            </a:r>
+            <a:r>
+              <a:rPr lang="en-US" dirty="0"/>
+              <a:t> </a:t>
+            </a:r>
+            <a:r>
+              <a:rPr lang="nl-NL" dirty="0"/>
+              <a:t>batterijen</a:t>
+            </a:r>
           </a:p>
         </p:txBody>
       </p:sp>
@@ -12389,7 +12433,7 @@
         <p:spPr>
           <a:xfrm>
             <a:off x="8423638" y="5579468"/>
-            <a:ext cx="3178383" cy="408623"/>
+            <a:ext cx="3178383" cy="715089"/>
           </a:xfrm>
           <a:prstGeom prst="roundRect">
             <a:avLst/>
@@ -12409,10 +12453,16 @@
           <a:p>
             <a:pPr algn="ctr"/>
             <a:r>
-              <a:rPr lang="en-US" dirty="0"/>
-              <a:t>Reconfigured battery types</a:t>
-            </a:r>
-            <a:endParaRPr lang="nl-NL" dirty="0"/>
+              <a:rPr lang="nl-NL" dirty="0"/>
+              <a:t>Deel 4:</a:t>
+            </a:r>
+          </a:p>
+          <a:p>
+            <a:pPr algn="ctr"/>
+            <a:r>
+              <a:rPr lang="nl-NL" dirty="0"/>
+              <a:t>Reconfiguratie batterijen</a:t>
+            </a:r>
           </a:p>
         </p:txBody>
       </p:sp>

--- a/EndPres.pptx
+++ b/EndPres.pptx
@@ -556,6 +556,90 @@
     <p:extLst>
       <p:ext uri="{BB962C8B-B14F-4D97-AF65-F5344CB8AC3E}">
         <p14:creationId xmlns:p14="http://schemas.microsoft.com/office/powerpoint/2010/main" val="747358705"/>
+      </p:ext>
+    </p:extLst>
+  </p:cSld>
+  <p:clrMapOvr>
+    <a:masterClrMapping/>
+  </p:clrMapOvr>
+</p:notes>
+</file>
+
+<file path=ppt/notesSlides/notesSlide10.xml><?xml version="1.0" encoding="utf-8"?>
+<p:notes xmlns:a="http://schemas.openxmlformats.org/drawingml/2006/main" xmlns:r="http://schemas.openxmlformats.org/officeDocument/2006/relationships" xmlns:p="http://schemas.openxmlformats.org/presentationml/2006/main">
+  <p:cSld>
+    <p:spTree>
+      <p:nvGrpSpPr>
+        <p:cNvPr id="1" name=""/>
+        <p:cNvGrpSpPr/>
+        <p:nvPr/>
+      </p:nvGrpSpPr>
+      <p:grpSpPr>
+        <a:xfrm>
+          <a:off x="0" y="0"/>
+          <a:ext cx="0" cy="0"/>
+          <a:chOff x="0" y="0"/>
+          <a:chExt cx="0" cy="0"/>
+        </a:xfrm>
+      </p:grpSpPr>
+      <p:sp>
+        <p:nvSpPr>
+          <p:cNvPr id="2" name="Slide Image Placeholder 1"/>
+          <p:cNvSpPr>
+            <a:spLocks noGrp="1" noRot="1" noChangeAspect="1"/>
+          </p:cNvSpPr>
+          <p:nvPr>
+            <p:ph type="sldImg"/>
+          </p:nvPr>
+        </p:nvSpPr>
+        <p:spPr/>
+      </p:sp>
+      <p:sp>
+        <p:nvSpPr>
+          <p:cNvPr id="3" name="Notes Placeholder 2"/>
+          <p:cNvSpPr>
+            <a:spLocks noGrp="1"/>
+          </p:cNvSpPr>
+          <p:nvPr>
+            <p:ph type="body" idx="1"/>
+          </p:nvPr>
+        </p:nvSpPr>
+        <p:spPr/>
+        <p:txBody>
+          <a:bodyPr/>
+          <a:lstStyle/>
+          <a:p>
+            <a:endParaRPr lang="nl-NL" dirty="0"/>
+          </a:p>
+        </p:txBody>
+      </p:sp>
+      <p:sp>
+        <p:nvSpPr>
+          <p:cNvPr id="4" name="Slide Number Placeholder 3"/>
+          <p:cNvSpPr>
+            <a:spLocks noGrp="1"/>
+          </p:cNvSpPr>
+          <p:nvPr>
+            <p:ph type="sldNum" sz="quarter" idx="5"/>
+          </p:nvPr>
+        </p:nvSpPr>
+        <p:spPr/>
+        <p:txBody>
+          <a:bodyPr/>
+          <a:lstStyle/>
+          <a:p>
+            <a:fld id="{7E89BABF-119A-4ABA-81FB-ADE9A0136724}" type="slidenum">
+              <a:rPr lang="nl-NL" smtClean="0"/>
+              <a:t>13</a:t>
+            </a:fld>
+            <a:endParaRPr lang="nl-NL"/>
+          </a:p>
+        </p:txBody>
+      </p:sp>
+    </p:spTree>
+    <p:extLst>
+      <p:ext uri="{BB962C8B-B14F-4D97-AF65-F5344CB8AC3E}">
+        <p14:creationId xmlns:p14="http://schemas.microsoft.com/office/powerpoint/2010/main" val="1799974687"/>
       </p:ext>
     </p:extLst>
   </p:cSld>
@@ -8729,7 +8813,7 @@
           <p:nvPr>
             <p:extLst>
               <p:ext uri="{D42A27DB-BD31-4B8C-83A1-F6EECF244321}">
-                <p14:modId xmlns:p14="http://schemas.microsoft.com/office/powerpoint/2010/main" val="3680434868"/>
+                <p14:modId xmlns:p14="http://schemas.microsoft.com/office/powerpoint/2010/main" val="2868960090"/>
               </p:ext>
             </p:extLst>
           </p:nvPr>
@@ -9639,7 +9723,7 @@
                     <a:p>
                       <a:r>
                         <a:rPr lang="en-US" dirty="0"/>
-                        <a:t>xxx</a:t>
+                        <a:t>32055</a:t>
                       </a:r>
                       <a:endParaRPr lang="nl-NL" dirty="0"/>
                     </a:p>
